--- a/Presentations/8_Jan_2020.pptx
+++ b/Presentations/8_Jan_2020.pptx
@@ -2,13 +2,13 @@
 <file path=ppt/presentation.xml><?xml version="1.0" encoding="utf-8"?>
 <p:presentation xmlns:a="http://schemas.openxmlformats.org/drawingml/2006/main" xmlns:r="http://schemas.openxmlformats.org/officeDocument/2006/relationships" xmlns:p="http://schemas.openxmlformats.org/presentationml/2006/main" autoCompressPictures="0">
   <p:sldMasterIdLst>
-    <p:sldMasterId id="2147483949" r:id="rId1"/>
+    <p:sldMasterId id="2147483973" r:id="rId1"/>
   </p:sldMasterIdLst>
   <p:sldIdLst>
     <p:sldId id="256" r:id="rId2"/>
     <p:sldId id="281" r:id="rId3"/>
-    <p:sldId id="257" r:id="rId4"/>
-    <p:sldId id="259" r:id="rId5"/>
+    <p:sldId id="259" r:id="rId4"/>
+    <p:sldId id="257" r:id="rId5"/>
     <p:sldId id="271" r:id="rId6"/>
     <p:sldId id="260" r:id="rId7"/>
     <p:sldId id="261" r:id="rId8"/>
@@ -323,7 +323,7 @@
           <a:p>
             <a:fld id="{02AC24A9-CCB6-4F8D-B8DB-C2F3692CFA5A}" type="datetimeFigureOut">
               <a:rPr lang="en-US" smtClean="0"/>
-              <a:t>1/4/2020</a:t>
+              <a:t>1/7/2020</a:t>
             </a:fld>
             <a:endParaRPr lang="en-US" dirty="0"/>
           </a:p>
@@ -529,7 +529,7 @@
     </p:spTree>
     <p:extLst>
       <p:ext uri="{BB962C8B-B14F-4D97-AF65-F5344CB8AC3E}">
-        <p14:creationId xmlns:p14="http://schemas.microsoft.com/office/powerpoint/2010/main" val="2702201800"/>
+        <p14:creationId xmlns:p14="http://schemas.microsoft.com/office/powerpoint/2010/main" val="3218141471"/>
       </p:ext>
     </p:extLst>
   </p:cSld>
@@ -653,7 +653,7 @@
           <a:p>
             <a:fld id="{02AC24A9-CCB6-4F8D-B8DB-C2F3692CFA5A}" type="datetimeFigureOut">
               <a:rPr lang="en-US" smtClean="0"/>
-              <a:t>1/4/2020</a:t>
+              <a:t>1/7/2020</a:t>
             </a:fld>
             <a:endParaRPr lang="en-US"/>
           </a:p>
@@ -704,7 +704,7 @@
     </p:spTree>
     <p:extLst>
       <p:ext uri="{BB962C8B-B14F-4D97-AF65-F5344CB8AC3E}">
-        <p14:creationId xmlns:p14="http://schemas.microsoft.com/office/powerpoint/2010/main" val="3438579915"/>
+        <p14:creationId xmlns:p14="http://schemas.microsoft.com/office/powerpoint/2010/main" val="625193315"/>
       </p:ext>
     </p:extLst>
   </p:cSld>
@@ -833,7 +833,7 @@
           <a:p>
             <a:fld id="{02AC24A9-CCB6-4F8D-B8DB-C2F3692CFA5A}" type="datetimeFigureOut">
               <a:rPr lang="en-US" smtClean="0"/>
-              <a:t>1/4/2020</a:t>
+              <a:t>1/7/2020</a:t>
             </a:fld>
             <a:endParaRPr lang="en-US"/>
           </a:p>
@@ -884,7 +884,7 @@
     </p:spTree>
     <p:extLst>
       <p:ext uri="{BB962C8B-B14F-4D97-AF65-F5344CB8AC3E}">
-        <p14:creationId xmlns:p14="http://schemas.microsoft.com/office/powerpoint/2010/main" val="2432868566"/>
+        <p14:creationId xmlns:p14="http://schemas.microsoft.com/office/powerpoint/2010/main" val="3970802636"/>
       </p:ext>
     </p:extLst>
   </p:cSld>
@@ -1003,7 +1003,7 @@
           <a:p>
             <a:fld id="{02AC24A9-CCB6-4F8D-B8DB-C2F3692CFA5A}" type="datetimeFigureOut">
               <a:rPr lang="en-US" smtClean="0"/>
-              <a:t>1/4/2020</a:t>
+              <a:t>1/7/2020</a:t>
             </a:fld>
             <a:endParaRPr lang="en-US"/>
           </a:p>
@@ -1054,7 +1054,7 @@
     </p:spTree>
     <p:extLst>
       <p:ext uri="{BB962C8B-B14F-4D97-AF65-F5344CB8AC3E}">
-        <p14:creationId xmlns:p14="http://schemas.microsoft.com/office/powerpoint/2010/main" val="4002458313"/>
+        <p14:creationId xmlns:p14="http://schemas.microsoft.com/office/powerpoint/2010/main" val="483914683"/>
       </p:ext>
     </p:extLst>
   </p:cSld>
@@ -1280,7 +1280,7 @@
           <a:p>
             <a:fld id="{02AC24A9-CCB6-4F8D-B8DB-C2F3692CFA5A}" type="datetimeFigureOut">
               <a:rPr lang="en-US" smtClean="0"/>
-              <a:t>1/4/2020</a:t>
+              <a:t>1/7/2020</a:t>
             </a:fld>
             <a:endParaRPr lang="en-US"/>
           </a:p>
@@ -1413,7 +1413,7 @@
     </p:spTree>
     <p:extLst>
       <p:ext uri="{BB962C8B-B14F-4D97-AF65-F5344CB8AC3E}">
-        <p14:creationId xmlns:p14="http://schemas.microsoft.com/office/powerpoint/2010/main" val="3764939615"/>
+        <p14:creationId xmlns:p14="http://schemas.microsoft.com/office/powerpoint/2010/main" val="3221085828"/>
       </p:ext>
     </p:extLst>
   </p:cSld>
@@ -1674,7 +1674,7 @@
           <a:p>
             <a:fld id="{02AC24A9-CCB6-4F8D-B8DB-C2F3692CFA5A}" type="datetimeFigureOut">
               <a:rPr lang="en-US" smtClean="0"/>
-              <a:t>1/4/2020</a:t>
+              <a:t>1/7/2020</a:t>
             </a:fld>
             <a:endParaRPr lang="en-US"/>
           </a:p>
@@ -1725,7 +1725,7 @@
     </p:spTree>
     <p:extLst>
       <p:ext uri="{BB962C8B-B14F-4D97-AF65-F5344CB8AC3E}">
-        <p14:creationId xmlns:p14="http://schemas.microsoft.com/office/powerpoint/2010/main" val="866831900"/>
+        <p14:creationId xmlns:p14="http://schemas.microsoft.com/office/powerpoint/2010/main" val="760716162"/>
       </p:ext>
     </p:extLst>
   </p:cSld>
@@ -2151,7 +2151,7 @@
           <a:p>
             <a:fld id="{02AC24A9-CCB6-4F8D-B8DB-C2F3692CFA5A}" type="datetimeFigureOut">
               <a:rPr lang="en-US" smtClean="0"/>
-              <a:t>1/4/2020</a:t>
+              <a:t>1/7/2020</a:t>
             </a:fld>
             <a:endParaRPr lang="en-US"/>
           </a:p>
@@ -2202,7 +2202,7 @@
     </p:spTree>
     <p:extLst>
       <p:ext uri="{BB962C8B-B14F-4D97-AF65-F5344CB8AC3E}">
-        <p14:creationId xmlns:p14="http://schemas.microsoft.com/office/powerpoint/2010/main" val="2324402648"/>
+        <p14:creationId xmlns:p14="http://schemas.microsoft.com/office/powerpoint/2010/main" val="1844116967"/>
       </p:ext>
     </p:extLst>
   </p:cSld>
@@ -2269,7 +2269,7 @@
           <a:p>
             <a:fld id="{02AC24A9-CCB6-4F8D-B8DB-C2F3692CFA5A}" type="datetimeFigureOut">
               <a:rPr lang="en-US" smtClean="0"/>
-              <a:t>1/4/2020</a:t>
+              <a:t>1/7/2020</a:t>
             </a:fld>
             <a:endParaRPr lang="en-US"/>
           </a:p>
@@ -2320,7 +2320,7 @@
     </p:spTree>
     <p:extLst>
       <p:ext uri="{BB962C8B-B14F-4D97-AF65-F5344CB8AC3E}">
-        <p14:creationId xmlns:p14="http://schemas.microsoft.com/office/powerpoint/2010/main" val="1554248735"/>
+        <p14:creationId xmlns:p14="http://schemas.microsoft.com/office/powerpoint/2010/main" val="88135129"/>
       </p:ext>
     </p:extLst>
   </p:cSld>
@@ -2364,7 +2364,7 @@
           <a:p>
             <a:fld id="{02AC24A9-CCB6-4F8D-B8DB-C2F3692CFA5A}" type="datetimeFigureOut">
               <a:rPr lang="en-US" smtClean="0"/>
-              <a:t>1/4/2020</a:t>
+              <a:t>1/7/2020</a:t>
             </a:fld>
             <a:endParaRPr lang="en-US"/>
           </a:p>
@@ -2415,7 +2415,7 @@
     </p:spTree>
     <p:extLst>
       <p:ext uri="{BB962C8B-B14F-4D97-AF65-F5344CB8AC3E}">
-        <p14:creationId xmlns:p14="http://schemas.microsoft.com/office/powerpoint/2010/main" val="2349904499"/>
+        <p14:creationId xmlns:p14="http://schemas.microsoft.com/office/powerpoint/2010/main" val="2787961925"/>
       </p:ext>
     </p:extLst>
   </p:cSld>
@@ -2710,7 +2710,7 @@
           <a:p>
             <a:fld id="{02AC24A9-CCB6-4F8D-B8DB-C2F3692CFA5A}" type="datetimeFigureOut">
               <a:rPr lang="en-US" smtClean="0"/>
-              <a:t>1/4/2020</a:t>
+              <a:t>1/7/2020</a:t>
             </a:fld>
             <a:endParaRPr lang="en-US" dirty="0"/>
           </a:p>
@@ -2825,7 +2825,7 @@
     </p:spTree>
     <p:extLst>
       <p:ext uri="{BB962C8B-B14F-4D97-AF65-F5344CB8AC3E}">
-        <p14:creationId xmlns:p14="http://schemas.microsoft.com/office/powerpoint/2010/main" val="327803079"/>
+        <p14:creationId xmlns:p14="http://schemas.microsoft.com/office/powerpoint/2010/main" val="1591633533"/>
       </p:ext>
     </p:extLst>
   </p:cSld>
@@ -3098,7 +3098,7 @@
           <a:p>
             <a:fld id="{02AC24A9-CCB6-4F8D-B8DB-C2F3692CFA5A}" type="datetimeFigureOut">
               <a:rPr lang="en-US" smtClean="0"/>
-              <a:t>1/4/2020</a:t>
+              <a:t>1/7/2020</a:t>
             </a:fld>
             <a:endParaRPr lang="en-US"/>
           </a:p>
@@ -3213,7 +3213,7 @@
     </p:spTree>
     <p:extLst>
       <p:ext uri="{BB962C8B-B14F-4D97-AF65-F5344CB8AC3E}">
-        <p14:creationId xmlns:p14="http://schemas.microsoft.com/office/powerpoint/2010/main" val="3092906438"/>
+        <p14:creationId xmlns:p14="http://schemas.microsoft.com/office/powerpoint/2010/main" val="1267348097"/>
       </p:ext>
     </p:extLst>
   </p:cSld>
@@ -3376,7 +3376,7 @@
           <a:p>
             <a:fld id="{02AC24A9-CCB6-4F8D-B8DB-C2F3692CFA5A}" type="datetimeFigureOut">
               <a:rPr lang="en-US" smtClean="0"/>
-              <a:t>1/4/2020</a:t>
+              <a:t>1/7/2020</a:t>
             </a:fld>
             <a:endParaRPr lang="en-US"/>
           </a:p>
@@ -3497,23 +3497,23 @@
     </p:spTree>
     <p:extLst>
       <p:ext uri="{BB962C8B-B14F-4D97-AF65-F5344CB8AC3E}">
-        <p14:creationId xmlns:p14="http://schemas.microsoft.com/office/powerpoint/2010/main" val="358426945"/>
+        <p14:creationId xmlns:p14="http://schemas.microsoft.com/office/powerpoint/2010/main" val="2065252722"/>
       </p:ext>
     </p:extLst>
   </p:cSld>
   <p:clrMap bg1="lt1" tx1="dk1" bg2="lt2" tx2="dk2" accent1="accent1" accent2="accent2" accent3="accent3" accent4="accent4" accent5="accent5" accent6="accent6" hlink="hlink" folHlink="folHlink"/>
   <p:sldLayoutIdLst>
-    <p:sldLayoutId id="2147483950" r:id="rId1"/>
-    <p:sldLayoutId id="2147483951" r:id="rId2"/>
-    <p:sldLayoutId id="2147483952" r:id="rId3"/>
-    <p:sldLayoutId id="2147483953" r:id="rId4"/>
-    <p:sldLayoutId id="2147483954" r:id="rId5"/>
-    <p:sldLayoutId id="2147483955" r:id="rId6"/>
-    <p:sldLayoutId id="2147483956" r:id="rId7"/>
-    <p:sldLayoutId id="2147483957" r:id="rId8"/>
-    <p:sldLayoutId id="2147483958" r:id="rId9"/>
-    <p:sldLayoutId id="2147483959" r:id="rId10"/>
-    <p:sldLayoutId id="2147483960" r:id="rId11"/>
+    <p:sldLayoutId id="2147483974" r:id="rId1"/>
+    <p:sldLayoutId id="2147483975" r:id="rId2"/>
+    <p:sldLayoutId id="2147483976" r:id="rId3"/>
+    <p:sldLayoutId id="2147483977" r:id="rId4"/>
+    <p:sldLayoutId id="2147483978" r:id="rId5"/>
+    <p:sldLayoutId id="2147483979" r:id="rId6"/>
+    <p:sldLayoutId id="2147483980" r:id="rId7"/>
+    <p:sldLayoutId id="2147483981" r:id="rId8"/>
+    <p:sldLayoutId id="2147483982" r:id="rId9"/>
+    <p:sldLayoutId id="2147483983" r:id="rId10"/>
+    <p:sldLayoutId id="2147483984" r:id="rId11"/>
   </p:sldLayoutIdLst>
   <p:txStyles>
     <p:titleStyle>
@@ -3877,7 +3877,7 @@
     <p:bg>
       <p:bgPr>
         <a:solidFill>
-          <a:schemeClr val="bg1"/>
+          <a:schemeClr val="accent1"/>
         </a:solidFill>
         <a:effectLst/>
       </p:bgPr>
@@ -3912,13 +3912,13 @@
         </p:nvPicPr>
         <p:blipFill rotWithShape="1">
           <a:blip r:embed="rId2"/>
-          <a:srcRect t="3465" r="23585" b="5625"/>
+          <a:srcRect t="3467" b="11931"/>
           <a:stretch/>
         </p:blipFill>
         <p:spPr>
           <a:xfrm>
-            <a:off x="3523488" y="10"/>
-            <a:ext cx="8668512" cy="6857990"/>
+            <a:off x="20" y="10"/>
+            <a:ext cx="12191980" cy="6859300"/>
           </a:xfrm>
           <a:prstGeom prst="rect">
             <a:avLst/>
@@ -3927,6 +3927,219 @@
       </p:pic>
       <p:sp>
         <p:nvSpPr>
+          <p:cNvPr id="9" name="Rectangle 8">
+            <a:extLst>
+              <a:ext uri="{FF2B5EF4-FFF2-40B4-BE49-F238E27FC236}">
+                <a16:creationId xmlns:a16="http://schemas.microsoft.com/office/drawing/2014/main" id="{778E1E34-15BA-44AB-980F-2FE1B93F7135}"/>
+              </a:ext>
+              <a:ext uri="{C183D7F6-B498-43B3-948B-1728B52AA6E4}">
+                <adec:decorative xmlns:adec="http://schemas.microsoft.com/office/drawing/2017/decorative" val="1"/>
+              </a:ext>
+            </a:extLst>
+          </p:cNvPr>
+          <p:cNvSpPr>
+            <a:spLocks noGrp="1" noRot="1" noChangeAspect="1" noMove="1" noResize="1" noEditPoints="1" noAdjustHandles="1" noChangeArrowheads="1" noChangeShapeType="1" noTextEdit="1"/>
+          </p:cNvSpPr>
+          <p:nvPr>
+            <p:extLst>
+              <p:ext uri="{386F3935-93C4-4BCD-93E2-E3B085C9AB24}">
+                <p16:designElem xmlns:p16="http://schemas.microsoft.com/office/powerpoint/2015/main" val="1"/>
+              </p:ext>
+            </p:extLst>
+          </p:nvPr>
+        </p:nvSpPr>
+        <p:spPr>
+          <a:xfrm>
+            <a:off x="1155560" y="1137137"/>
+            <a:ext cx="9867482" cy="4570327"/>
+          </a:xfrm>
+          <a:prstGeom prst="rect">
+            <a:avLst/>
+          </a:prstGeom>
+          <a:solidFill>
+            <a:schemeClr val="bg2">
+              <a:alpha val="80000"/>
+            </a:schemeClr>
+          </a:solidFill>
+          <a:ln>
+            <a:noFill/>
+          </a:ln>
+        </p:spPr>
+        <p:style>
+          <a:lnRef idx="2">
+            <a:schemeClr val="accent1">
+              <a:shade val="50000"/>
+            </a:schemeClr>
+          </a:lnRef>
+          <a:fillRef idx="1">
+            <a:schemeClr val="accent1"/>
+          </a:fillRef>
+          <a:effectRef idx="0">
+            <a:schemeClr val="accent1"/>
+          </a:effectRef>
+          <a:fontRef idx="minor">
+            <a:schemeClr val="lt1"/>
+          </a:fontRef>
+        </p:style>
+        <p:txBody>
+          <a:bodyPr rtlCol="0" anchor="ctr"/>
+          <a:lstStyle/>
+          <a:p>
+            <a:pPr algn="ctr"/>
+            <a:endParaRPr lang="en-US"/>
+          </a:p>
+        </p:txBody>
+      </p:sp>
+      <p:sp>
+        <p:nvSpPr>
+          <p:cNvPr id="11" name="Freeform 6">
+            <a:extLst>
+              <a:ext uri="{FF2B5EF4-FFF2-40B4-BE49-F238E27FC236}">
+                <a16:creationId xmlns:a16="http://schemas.microsoft.com/office/drawing/2014/main" id="{15A574FF-FBA3-4EA3-8C22-589DE3A5060B}"/>
+              </a:ext>
+              <a:ext uri="{C183D7F6-B498-43B3-948B-1728B52AA6E4}">
+                <adec:decorative xmlns:adec="http://schemas.microsoft.com/office/drawing/2017/decorative" val="1"/>
+              </a:ext>
+            </a:extLst>
+          </p:cNvPr>
+          <p:cNvSpPr>
+            <a:spLocks noGrp="1" noRot="1" noChangeAspect="1" noMove="1" noResize="1" noEditPoints="1" noAdjustHandles="1" noChangeArrowheads="1" noChangeShapeType="1" noTextEdit="1"/>
+          </p:cNvSpPr>
+          <p:nvPr>
+            <p:extLst>
+              <p:ext uri="{386F3935-93C4-4BCD-93E2-E3B085C9AB24}">
+                <p16:designElem xmlns:p16="http://schemas.microsoft.com/office/powerpoint/2015/main" val="1"/>
+              </p:ext>
+            </p:extLst>
+          </p:nvPr>
+        </p:nvSpPr>
+        <p:spPr bwMode="auto">
+          <a:xfrm flipH="1" flipV="1">
+            <a:off x="752858" y="744469"/>
+            <a:ext cx="3275668" cy="4408488"/>
+          </a:xfrm>
+          <a:custGeom>
+            <a:avLst/>
+            <a:gdLst/>
+            <a:ahLst/>
+            <a:cxnLst/>
+            <a:rect l="l" t="t" r="r" b="b"/>
+            <a:pathLst>
+              <a:path w="10002" h="10000">
+                <a:moveTo>
+                  <a:pt x="8763" y="0"/>
+                </a:moveTo>
+                <a:lnTo>
+                  <a:pt x="10002" y="0"/>
+                </a:lnTo>
+                <a:lnTo>
+                  <a:pt x="10002" y="10000"/>
+                </a:lnTo>
+                <a:lnTo>
+                  <a:pt x="2" y="10000"/>
+                </a:lnTo>
+                <a:cubicBezTo>
+                  <a:pt x="-2" y="9698"/>
+                  <a:pt x="4" y="9427"/>
+                  <a:pt x="0" y="9125"/>
+                </a:cubicBezTo>
+                <a:lnTo>
+                  <a:pt x="8763" y="9128"/>
+                </a:lnTo>
+                <a:lnTo>
+                  <a:pt x="8763" y="0"/>
+                </a:lnTo>
+                <a:close/>
+              </a:path>
+            </a:pathLst>
+          </a:custGeom>
+          <a:solidFill>
+            <a:schemeClr val="tx2"/>
+          </a:solidFill>
+          <a:ln w="0">
+            <a:noFill/>
+            <a:prstDash val="solid"/>
+            <a:round/>
+            <a:headEnd/>
+            <a:tailEnd/>
+          </a:ln>
+        </p:spPr>
+      </p:sp>
+      <p:sp>
+        <p:nvSpPr>
+          <p:cNvPr id="13" name="Freeform 6">
+            <a:extLst>
+              <a:ext uri="{FF2B5EF4-FFF2-40B4-BE49-F238E27FC236}">
+                <a16:creationId xmlns:a16="http://schemas.microsoft.com/office/drawing/2014/main" id="{A86D9DA2-9826-4E0D-9B71-C14A8B125B47}"/>
+              </a:ext>
+              <a:ext uri="{C183D7F6-B498-43B3-948B-1728B52AA6E4}">
+                <adec:decorative xmlns:adec="http://schemas.microsoft.com/office/drawing/2017/decorative" val="1"/>
+              </a:ext>
+            </a:extLst>
+          </p:cNvPr>
+          <p:cNvSpPr>
+            <a:spLocks noGrp="1" noRot="1" noChangeAspect="1" noMove="1" noResize="1" noEditPoints="1" noAdjustHandles="1" noChangeArrowheads="1" noChangeShapeType="1" noTextEdit="1"/>
+          </p:cNvSpPr>
+          <p:nvPr>
+            <p:extLst>
+              <p:ext uri="{386F3935-93C4-4BCD-93E2-E3B085C9AB24}">
+                <p16:designElem xmlns:p16="http://schemas.microsoft.com/office/powerpoint/2015/main" val="1"/>
+              </p:ext>
+            </p:extLst>
+          </p:nvPr>
+        </p:nvSpPr>
+        <p:spPr bwMode="auto">
+          <a:xfrm>
+            <a:off x="8151962" y="1685652"/>
+            <a:ext cx="3275013" cy="4408488"/>
+          </a:xfrm>
+          <a:custGeom>
+            <a:avLst/>
+            <a:gdLst/>
+            <a:ahLst/>
+            <a:cxnLst/>
+            <a:rect l="l" t="t" r="r" b="b"/>
+            <a:pathLst>
+              <a:path w="10000" h="10000">
+                <a:moveTo>
+                  <a:pt x="8761" y="0"/>
+                </a:moveTo>
+                <a:lnTo>
+                  <a:pt x="10000" y="0"/>
+                </a:lnTo>
+                <a:lnTo>
+                  <a:pt x="10000" y="10000"/>
+                </a:lnTo>
+                <a:lnTo>
+                  <a:pt x="0" y="10000"/>
+                </a:lnTo>
+                <a:lnTo>
+                  <a:pt x="0" y="9126"/>
+                </a:lnTo>
+                <a:lnTo>
+                  <a:pt x="8761" y="9127"/>
+                </a:lnTo>
+                <a:lnTo>
+                  <a:pt x="8761" y="0"/>
+                </a:lnTo>
+                <a:close/>
+              </a:path>
+            </a:pathLst>
+          </a:custGeom>
+          <a:solidFill>
+            <a:schemeClr val="tx2"/>
+          </a:solidFill>
+          <a:ln w="0">
+            <a:noFill/>
+            <a:prstDash val="solid"/>
+            <a:round/>
+            <a:headEnd/>
+            <a:tailEnd/>
+          </a:ln>
+        </p:spPr>
+      </p:sp>
+      <p:sp>
+        <p:nvSpPr>
           <p:cNvPr id="2" name="Title 1">
             <a:extLst>
               <a:ext uri="{FF2B5EF4-FFF2-40B4-BE49-F238E27FC236}">
@@ -3943,50 +4156,8 @@
         </p:nvSpPr>
         <p:spPr>
           <a:xfrm>
-            <a:off x="477981" y="1122363"/>
-            <a:ext cx="4023360" cy="3204134"/>
-          </a:xfrm>
-        </p:spPr>
-        <p:txBody>
-          <a:bodyPr anchor="b">
-            <a:normAutofit/>
-          </a:bodyPr>
-          <a:lstStyle/>
-          <a:p>
-            <a:r>
-              <a:rPr lang="en-US" sz="4800"/>
-              <a:t>Classification through </a:t>
-            </a:r>
-            <a:br>
-              <a:rPr lang="en-US" sz="4800"/>
-            </a:br>
-            <a:r>
-              <a:rPr lang="en-US" sz="4800"/>
-              <a:t>Frequency Bands</a:t>
-            </a:r>
-          </a:p>
-        </p:txBody>
-      </p:sp>
-      <p:sp>
-        <p:nvSpPr>
-          <p:cNvPr id="3" name="Subtitle 2">
-            <a:extLst>
-              <a:ext uri="{FF2B5EF4-FFF2-40B4-BE49-F238E27FC236}">
-                <a16:creationId xmlns:a16="http://schemas.microsoft.com/office/drawing/2014/main" id="{94F5529D-4247-43AE-8A5D-8891C0FD44FB}"/>
-              </a:ext>
-            </a:extLst>
-          </p:cNvPr>
-          <p:cNvSpPr>
-            <a:spLocks noGrp="1"/>
-          </p:cNvSpPr>
-          <p:nvPr>
-            <p:ph type="subTitle" idx="1"/>
-          </p:nvPr>
-        </p:nvSpPr>
-        <p:spPr>
-          <a:xfrm>
-            <a:off x="477980" y="4872922"/>
-            <a:ext cx="4023359" cy="1208141"/>
+            <a:off x="1915128" y="1788454"/>
+            <a:ext cx="8361229" cy="2098226"/>
           </a:xfrm>
         </p:spPr>
         <p:txBody>
@@ -3996,7 +4167,58 @@
           <a:lstStyle/>
           <a:p>
             <a:r>
-              <a:rPr lang="en-US" sz="2000"/>
+              <a:rPr lang="en-US" sz="5600"/>
+              <a:t>Classification through </a:t>
+            </a:r>
+            <a:br>
+              <a:rPr lang="en-US" sz="5600"/>
+            </a:br>
+            <a:r>
+              <a:rPr lang="en-US" sz="5600"/>
+              <a:t>Frequency Bands</a:t>
+            </a:r>
+          </a:p>
+        </p:txBody>
+      </p:sp>
+      <p:sp>
+        <p:nvSpPr>
+          <p:cNvPr id="3" name="Subtitle 2">
+            <a:extLst>
+              <a:ext uri="{FF2B5EF4-FFF2-40B4-BE49-F238E27FC236}">
+                <a16:creationId xmlns:a16="http://schemas.microsoft.com/office/drawing/2014/main" id="{94F5529D-4247-43AE-8A5D-8891C0FD44FB}"/>
+              </a:ext>
+            </a:extLst>
+          </p:cNvPr>
+          <p:cNvSpPr>
+            <a:spLocks noGrp="1"/>
+          </p:cNvSpPr>
+          <p:nvPr>
+            <p:ph type="subTitle" idx="1"/>
+          </p:nvPr>
+        </p:nvSpPr>
+        <p:spPr>
+          <a:xfrm>
+            <a:off x="2679906" y="3956279"/>
+            <a:ext cx="6831673" cy="1086237"/>
+          </a:xfrm>
+        </p:spPr>
+        <p:txBody>
+          <a:bodyPr>
+            <a:normAutofit/>
+          </a:bodyPr>
+          <a:lstStyle/>
+          <a:p>
+            <a:pPr>
+              <a:spcAft>
+                <a:spcPts val="600"/>
+              </a:spcAft>
+            </a:pPr>
+            <a:r>
+              <a:rPr lang="en-US">
+                <a:solidFill>
+                  <a:schemeClr val="tx2"/>
+                </a:solidFill>
+              </a:rPr>
               <a:t>Landon Buell - 8 January 2020</a:t>
             </a:r>
           </a:p>
@@ -4010,7 +4232,7 @@
     </p:extLst>
   </p:cSld>
   <p:clrMapOvr>
-    <a:overrideClrMapping bg1="dk1" tx1="lt1" bg2="dk2" tx2="lt2" accent1="accent1" accent2="accent2" accent3="accent3" accent4="accent4" accent5="accent5" accent6="accent6" hlink="hlink" folHlink="folHlink"/>
+    <a:masterClrMapping/>
   </p:clrMapOvr>
 </p:sld>
 </file>
@@ -4021,7 +4243,7 @@
     <p:bg>
       <p:bgPr>
         <a:solidFill>
-          <a:schemeClr val="bg1"/>
+          <a:schemeClr val="bg2"/>
         </a:solidFill>
         <a:effectLst/>
       </p:bgPr>
@@ -4042,6 +4264,61 @@
       </p:grpSpPr>
       <p:sp>
         <p:nvSpPr>
+          <p:cNvPr id="5" name="Rectangle 7">
+            <a:extLst>
+              <a:ext uri="{FF2B5EF4-FFF2-40B4-BE49-F238E27FC236}">
+                <a16:creationId xmlns:a16="http://schemas.microsoft.com/office/drawing/2014/main" id="{3362DFFC-4DCC-48EE-B781-94D04B95F1E8}"/>
+              </a:ext>
+              <a:ext uri="{C183D7F6-B498-43B3-948B-1728B52AA6E4}">
+                <adec:decorative xmlns:adec="http://schemas.microsoft.com/office/drawing/2017/decorative" val="1"/>
+              </a:ext>
+            </a:extLst>
+          </p:cNvPr>
+          <p:cNvSpPr>
+            <a:spLocks noGrp="1" noRot="1" noChangeAspect="1" noMove="1" noResize="1" noEditPoints="1" noAdjustHandles="1" noChangeArrowheads="1" noChangeShapeType="1" noTextEdit="1"/>
+          </p:cNvSpPr>
+          <p:nvPr>
+            <p:extLst>
+              <p:ext uri="{386F3935-93C4-4BCD-93E2-E3B085C9AB24}">
+                <p16:designElem xmlns:p16="http://schemas.microsoft.com/office/powerpoint/2015/main" val="1"/>
+              </p:ext>
+            </p:extLst>
+          </p:nvPr>
+        </p:nvSpPr>
+        <p:spPr>
+          <a:xfrm>
+            <a:off x="0" y="376"/>
+            <a:ext cx="5303520" cy="6857624"/>
+          </a:xfrm>
+          <a:prstGeom prst="rect">
+            <a:avLst/>
+          </a:prstGeom>
+          <a:solidFill>
+            <a:schemeClr val="tx2"/>
+          </a:solidFill>
+          <a:ln>
+            <a:noFill/>
+          </a:ln>
+        </p:spPr>
+        <p:style>
+          <a:lnRef idx="2">
+            <a:schemeClr val="accent1">
+              <a:shade val="50000"/>
+            </a:schemeClr>
+          </a:lnRef>
+          <a:fillRef idx="1">
+            <a:schemeClr val="accent1"/>
+          </a:fillRef>
+          <a:effectRef idx="0">
+            <a:schemeClr val="accent1"/>
+          </a:effectRef>
+          <a:fontRef idx="minor">
+            <a:schemeClr val="lt1"/>
+          </a:fontRef>
+        </p:style>
+      </p:sp>
+      <p:sp>
+        <p:nvSpPr>
           <p:cNvPr id="2" name="Title 1">
             <a:extLst>
               <a:ext uri="{FF2B5EF4-FFF2-40B4-BE49-F238E27FC236}">
@@ -4058,30 +4335,84 @@
         </p:nvSpPr>
         <p:spPr>
           <a:xfrm>
-            <a:off x="841248" y="941832"/>
-            <a:ext cx="10506456" cy="1901952"/>
+            <a:off x="640081" y="791570"/>
+            <a:ext cx="4018839" cy="5262390"/>
           </a:xfrm>
         </p:spPr>
         <p:txBody>
-          <a:bodyPr anchor="b">
+          <a:bodyPr anchor="ctr">
             <a:normAutofit/>
           </a:bodyPr>
           <a:lstStyle/>
           <a:p>
-            <a:r>
-              <a:rPr lang="en-US" sz="5400" dirty="0"/>
-              <a:t>One vs. All (</a:t>
-            </a:r>
-            <a:r>
-              <a:rPr lang="en-US" sz="5400" dirty="0" err="1"/>
-              <a:t>OvA</a:t>
-            </a:r>
-            <a:r>
-              <a:rPr lang="en-US" sz="5400" dirty="0"/>
-              <a:t>) Classifier</a:t>
+            <a:pPr algn="r"/>
+            <a:r>
+              <a:rPr lang="en-US" sz="5400">
+                <a:solidFill>
+                  <a:schemeClr val="bg2"/>
+                </a:solidFill>
+              </a:rPr>
+              <a:t>One vs. All (OvA) Classifier</a:t>
             </a:r>
           </a:p>
         </p:txBody>
+      </p:sp>
+      <p:sp>
+        <p:nvSpPr>
+          <p:cNvPr id="6" name="Rectangle 9">
+            <a:extLst>
+              <a:ext uri="{FF2B5EF4-FFF2-40B4-BE49-F238E27FC236}">
+                <a16:creationId xmlns:a16="http://schemas.microsoft.com/office/drawing/2014/main" id="{18B8B265-E68C-4B64-9238-781F0102C57B}"/>
+              </a:ext>
+              <a:ext uri="{C183D7F6-B498-43B3-948B-1728B52AA6E4}">
+                <adec:decorative xmlns:adec="http://schemas.microsoft.com/office/drawing/2017/decorative" val="1"/>
+              </a:ext>
+            </a:extLst>
+          </p:cNvPr>
+          <p:cNvSpPr>
+            <a:spLocks noGrp="1" noRot="1" noChangeAspect="1" noMove="1" noResize="1" noEditPoints="1" noAdjustHandles="1" noChangeArrowheads="1" noChangeShapeType="1" noTextEdit="1"/>
+          </p:cNvSpPr>
+          <p:nvPr>
+            <p:extLst>
+              <p:ext uri="{386F3935-93C4-4BCD-93E2-E3B085C9AB24}">
+                <p16:designElem xmlns:p16="http://schemas.microsoft.com/office/powerpoint/2015/main" val="1"/>
+              </p:ext>
+            </p:extLst>
+          </p:nvPr>
+        </p:nvSpPr>
+        <p:spPr>
+          <a:xfrm>
+            <a:off x="5303520" y="376"/>
+            <a:ext cx="228600" cy="6858000"/>
+          </a:xfrm>
+          <a:prstGeom prst="rect">
+            <a:avLst/>
+          </a:prstGeom>
+          <a:solidFill>
+            <a:schemeClr val="accent1">
+              <a:lumMod val="75000"/>
+            </a:schemeClr>
+          </a:solidFill>
+          <a:ln>
+            <a:noFill/>
+          </a:ln>
+        </p:spPr>
+        <p:style>
+          <a:lnRef idx="2">
+            <a:schemeClr val="accent1">
+              <a:shade val="50000"/>
+            </a:schemeClr>
+          </a:lnRef>
+          <a:fillRef idx="1">
+            <a:schemeClr val="accent1"/>
+          </a:fillRef>
+          <a:effectRef idx="0">
+            <a:schemeClr val="accent1"/>
+          </a:effectRef>
+          <a:fontRef idx="minor">
+            <a:schemeClr val="lt1"/>
+          </a:fontRef>
+        </p:style>
       </p:sp>
       <p:sp>
         <p:nvSpPr>
@@ -4101,55 +4432,55 @@
         </p:nvSpPr>
         <p:spPr>
           <a:xfrm>
-            <a:off x="841248" y="3668690"/>
-            <a:ext cx="10509504" cy="2503510"/>
+            <a:off x="6176720" y="791570"/>
+            <a:ext cx="4892308" cy="5262390"/>
           </a:xfrm>
         </p:spPr>
         <p:txBody>
-          <a:bodyPr>
+          <a:bodyPr anchor="ctr">
             <a:normAutofit/>
           </a:bodyPr>
           <a:lstStyle/>
           <a:p>
             <a:r>
-              <a:rPr lang="en-US" sz="2000"/>
+              <a:rPr lang="en-US" sz="1800"/>
               <a:t>Under the Hood: We have 19 binary Classifiers</a:t>
             </a:r>
           </a:p>
           <a:p>
             <a:pPr lvl="1"/>
             <a:r>
-              <a:rPr lang="en-US" sz="2000"/>
+              <a:rPr lang="en-US" sz="1800"/>
               <a:t>Tests validity of one case against all other cases</a:t>
             </a:r>
           </a:p>
           <a:p>
             <a:pPr lvl="1"/>
-            <a:endParaRPr lang="en-US" sz="2000"/>
-          </a:p>
-          <a:p>
-            <a:r>
-              <a:rPr lang="en-US" sz="2000"/>
+            <a:endParaRPr lang="en-US" sz="1800"/>
+          </a:p>
+          <a:p>
+            <a:r>
+              <a:rPr lang="en-US" sz="1800"/>
               <a:t>Can use Decision function</a:t>
             </a:r>
           </a:p>
           <a:p>
             <a:pPr lvl="1"/>
             <a:r>
-              <a:rPr lang="en-US" sz="2000"/>
+              <a:rPr lang="en-US" sz="1800"/>
               <a:t>Returns array of likelihoods of prediction</a:t>
             </a:r>
           </a:p>
           <a:p>
             <a:pPr lvl="1"/>
             <a:r>
-              <a:rPr lang="en-US" sz="2000"/>
+              <a:rPr lang="en-US" sz="1800"/>
               <a:t>Can be normalized to determine % chance for each class</a:t>
             </a:r>
           </a:p>
           <a:p>
             <a:pPr lvl="1"/>
-            <a:endParaRPr lang="en-US" sz="2000"/>
+            <a:endParaRPr lang="en-US" sz="1800"/>
           </a:p>
         </p:txBody>
       </p:sp>
@@ -4211,8 +4542,8 @@
           </a:p>
         </p:txBody>
       </p:sp>
-      <mc:AlternateContent xmlns:mc="http://schemas.openxmlformats.org/markup-compatibility/2006">
-        <mc:Choice xmlns:a14="http://schemas.microsoft.com/office/drawing/2010/main" Requires="a14">
+      <mc:AlternateContent xmlns:mc="http://schemas.openxmlformats.org/markup-compatibility/2006" xmlns:a14="http://schemas.microsoft.com/office/drawing/2010/main">
+        <mc:Choice Requires="a14">
           <p:sp>
             <p:nvSpPr>
               <p:cNvPr id="6" name="Content Placeholder 5">
@@ -4329,7 +4660,7 @@
             </p:txBody>
           </p:sp>
         </mc:Choice>
-        <mc:Fallback>
+        <mc:Fallback xmlns="">
           <p:sp>
             <p:nvSpPr>
               <p:cNvPr id="6" name="Content Placeholder 5">
@@ -4480,116 +4811,6 @@
       </p:grpSpPr>
       <p:sp>
         <p:nvSpPr>
-          <p:cNvPr id="10" name="Rectangle 9">
-            <a:extLst>
-              <a:ext uri="{FF2B5EF4-FFF2-40B4-BE49-F238E27FC236}">
-                <a16:creationId xmlns:a16="http://schemas.microsoft.com/office/drawing/2014/main" id="{B07103F4-AFE6-4DC5-8934-DA3F400030CF}"/>
-              </a:ext>
-              <a:ext uri="{C183D7F6-B498-43B3-948B-1728B52AA6E4}">
-                <adec:decorative xmlns:adec="http://schemas.microsoft.com/office/drawing/2017/decorative" val="1"/>
-              </a:ext>
-            </a:extLst>
-          </p:cNvPr>
-          <p:cNvSpPr>
-            <a:spLocks noGrp="1" noRot="1" noChangeAspect="1" noMove="1" noResize="1" noEditPoints="1" noAdjustHandles="1" noChangeArrowheads="1" noChangeShapeType="1" noTextEdit="1"/>
-          </p:cNvSpPr>
-          <p:nvPr>
-            <p:extLst>
-              <p:ext uri="{386F3935-93C4-4BCD-93E2-E3B085C9AB24}">
-                <p16:designElem xmlns:p16="http://schemas.microsoft.com/office/powerpoint/2015/main" val="1"/>
-              </p:ext>
-            </p:extLst>
-          </p:nvPr>
-        </p:nvSpPr>
-        <p:spPr>
-          <a:xfrm>
-            <a:off x="478095" y="376"/>
-            <a:ext cx="228600" cy="6858000"/>
-          </a:xfrm>
-          <a:prstGeom prst="rect">
-            <a:avLst/>
-          </a:prstGeom>
-          <a:solidFill>
-            <a:schemeClr val="tx2"/>
-          </a:solidFill>
-          <a:ln>
-            <a:noFill/>
-          </a:ln>
-        </p:spPr>
-        <p:style>
-          <a:lnRef idx="2">
-            <a:schemeClr val="accent1">
-              <a:shade val="50000"/>
-            </a:schemeClr>
-          </a:lnRef>
-          <a:fillRef idx="1">
-            <a:schemeClr val="accent1"/>
-          </a:fillRef>
-          <a:effectRef idx="0">
-            <a:schemeClr val="accent1"/>
-          </a:effectRef>
-          <a:fontRef idx="minor">
-            <a:schemeClr val="lt1"/>
-          </a:fontRef>
-        </p:style>
-      </p:sp>
-      <p:sp>
-        <p:nvSpPr>
-          <p:cNvPr id="12" name="Rectangle 11">
-            <a:extLst>
-              <a:ext uri="{FF2B5EF4-FFF2-40B4-BE49-F238E27FC236}">
-                <a16:creationId xmlns:a16="http://schemas.microsoft.com/office/drawing/2014/main" id="{1137A68B-1C01-4B21-8F62-9F127D1709EF}"/>
-              </a:ext>
-              <a:ext uri="{C183D7F6-B498-43B3-948B-1728B52AA6E4}">
-                <adec:decorative xmlns:adec="http://schemas.microsoft.com/office/drawing/2017/decorative" val="1"/>
-              </a:ext>
-            </a:extLst>
-          </p:cNvPr>
-          <p:cNvSpPr>
-            <a:spLocks noGrp="1" noRot="1" noChangeAspect="1" noMove="1" noResize="1" noEditPoints="1" noAdjustHandles="1" noChangeArrowheads="1" noChangeShapeType="1" noTextEdit="1"/>
-          </p:cNvSpPr>
-          <p:nvPr>
-            <p:extLst>
-              <p:ext uri="{386F3935-93C4-4BCD-93E2-E3B085C9AB24}">
-                <p16:designElem xmlns:p16="http://schemas.microsoft.com/office/powerpoint/2015/main" val="1"/>
-              </p:ext>
-            </p:extLst>
-          </p:nvPr>
-        </p:nvSpPr>
-        <p:spPr>
-          <a:xfrm>
-            <a:off x="0" y="376"/>
-            <a:ext cx="5303520" cy="6857624"/>
-          </a:xfrm>
-          <a:prstGeom prst="rect">
-            <a:avLst/>
-          </a:prstGeom>
-          <a:solidFill>
-            <a:schemeClr val="accent1"/>
-          </a:solidFill>
-          <a:ln>
-            <a:noFill/>
-          </a:ln>
-        </p:spPr>
-        <p:style>
-          <a:lnRef idx="2">
-            <a:schemeClr val="accent1">
-              <a:shade val="50000"/>
-            </a:schemeClr>
-          </a:lnRef>
-          <a:fillRef idx="1">
-            <a:schemeClr val="accent1"/>
-          </a:fillRef>
-          <a:effectRef idx="0">
-            <a:schemeClr val="accent1"/>
-          </a:effectRef>
-          <a:fontRef idx="minor">
-            <a:schemeClr val="lt1"/>
-          </a:fontRef>
-        </p:style>
-      </p:sp>
-      <p:sp>
-        <p:nvSpPr>
           <p:cNvPr id="2" name="Title 1">
             <a:extLst>
               <a:ext uri="{FF2B5EF4-FFF2-40B4-BE49-F238E27FC236}">
@@ -4627,157 +4848,6 @@
             </a:r>
           </a:p>
         </p:txBody>
-      </p:sp>
-      <p:sp>
-        <p:nvSpPr>
-          <p:cNvPr id="4" name="Text Placeholder 3">
-            <a:extLst>
-              <a:ext uri="{FF2B5EF4-FFF2-40B4-BE49-F238E27FC236}">
-                <a16:creationId xmlns:a16="http://schemas.microsoft.com/office/drawing/2014/main" id="{02BA7BA3-79F7-46B0-9B24-ADDAED2ACB1C}"/>
-              </a:ext>
-            </a:extLst>
-          </p:cNvPr>
-          <p:cNvSpPr>
-            <a:spLocks noGrp="1"/>
-          </p:cNvSpPr>
-          <p:nvPr>
-            <p:ph type="body" sz="half" idx="2"/>
-          </p:nvPr>
-        </p:nvSpPr>
-        <p:spPr>
-          <a:xfrm>
-            <a:off x="640081" y="2764971"/>
-            <a:ext cx="4010296" cy="3472543"/>
-          </a:xfrm>
-        </p:spPr>
-        <p:txBody>
-          <a:bodyPr vert="horz" lIns="91440" tIns="45720" rIns="91440" bIns="45720" rtlCol="0">
-            <a:normAutofit/>
-          </a:bodyPr>
-          <a:lstStyle/>
-          <a:p>
-            <a:pPr marL="384048" indent="-384048">
-              <a:lnSpc>
-                <a:spcPct val="94000"/>
-              </a:lnSpc>
-              <a:spcAft>
-                <a:spcPts val="200"/>
-              </a:spcAft>
-              <a:buFont typeface="Franklin Gothic Book" panose="020B0503020102020204" pitchFamily="34" charset="0"/>
-              <a:buChar char="•"/>
-            </a:pPr>
-            <a:endParaRPr lang="en-US" sz="1500"/>
-          </a:p>
-          <a:p>
-            <a:pPr marL="384048" indent="-384048">
-              <a:lnSpc>
-                <a:spcPct val="94000"/>
-              </a:lnSpc>
-              <a:spcAft>
-                <a:spcPts val="200"/>
-              </a:spcAft>
-              <a:buFont typeface="Franklin Gothic Book" panose="020B0503020102020204" pitchFamily="34" charset="0"/>
-              <a:buChar char="•"/>
-            </a:pPr>
-            <a:r>
-              <a:rPr lang="en-US" sz="1500"/>
-              <a:t>Quick Example for a “Good” 4-Classes Classifier</a:t>
-            </a:r>
-          </a:p>
-          <a:p>
-            <a:pPr marL="384048" indent="-384048">
-              <a:lnSpc>
-                <a:spcPct val="94000"/>
-              </a:lnSpc>
-              <a:spcAft>
-                <a:spcPts val="200"/>
-              </a:spcAft>
-            </a:pPr>
-            <a:endParaRPr lang="en-US" sz="1500"/>
-          </a:p>
-          <a:p>
-            <a:pPr marL="384048" indent="-384048">
-              <a:lnSpc>
-                <a:spcPct val="94000"/>
-              </a:lnSpc>
-              <a:spcAft>
-                <a:spcPts val="200"/>
-              </a:spcAft>
-              <a:buFont typeface="Franklin Gothic Book" panose="020B0503020102020204" pitchFamily="34" charset="0"/>
-              <a:buChar char="•"/>
-            </a:pPr>
-            <a:r>
-              <a:rPr lang="en-US" sz="1500"/>
-              <a:t>Let all values be out of 1000 for example</a:t>
-            </a:r>
-          </a:p>
-          <a:p>
-            <a:pPr marL="384048" indent="-384048">
-              <a:lnSpc>
-                <a:spcPct val="94000"/>
-              </a:lnSpc>
-              <a:spcAft>
-                <a:spcPts val="200"/>
-              </a:spcAft>
-            </a:pPr>
-            <a:endParaRPr lang="en-US" sz="1500"/>
-          </a:p>
-        </p:txBody>
-      </p:sp>
-      <p:sp>
-        <p:nvSpPr>
-          <p:cNvPr id="14" name="Rectangle 13">
-            <a:extLst>
-              <a:ext uri="{FF2B5EF4-FFF2-40B4-BE49-F238E27FC236}">
-                <a16:creationId xmlns:a16="http://schemas.microsoft.com/office/drawing/2014/main" id="{87BCBE98-69EA-40E7-B937-FCA553A58DB1}"/>
-              </a:ext>
-              <a:ext uri="{C183D7F6-B498-43B3-948B-1728B52AA6E4}">
-                <adec:decorative xmlns:adec="http://schemas.microsoft.com/office/drawing/2017/decorative" val="1"/>
-              </a:ext>
-            </a:extLst>
-          </p:cNvPr>
-          <p:cNvSpPr>
-            <a:spLocks noGrp="1" noRot="1" noChangeAspect="1" noMove="1" noResize="1" noEditPoints="1" noAdjustHandles="1" noChangeArrowheads="1" noChangeShapeType="1" noTextEdit="1"/>
-          </p:cNvSpPr>
-          <p:nvPr>
-            <p:extLst>
-              <p:ext uri="{386F3935-93C4-4BCD-93E2-E3B085C9AB24}">
-                <p16:designElem xmlns:p16="http://schemas.microsoft.com/office/powerpoint/2015/main" val="1"/>
-              </p:ext>
-            </p:extLst>
-          </p:nvPr>
-        </p:nvSpPr>
-        <p:spPr>
-          <a:xfrm>
-            <a:off x="5303520" y="376"/>
-            <a:ext cx="228600" cy="6858000"/>
-          </a:xfrm>
-          <a:prstGeom prst="rect">
-            <a:avLst/>
-          </a:prstGeom>
-          <a:solidFill>
-            <a:schemeClr val="tx2"/>
-          </a:solidFill>
-          <a:ln>
-            <a:noFill/>
-          </a:ln>
-        </p:spPr>
-        <p:style>
-          <a:lnRef idx="2">
-            <a:schemeClr val="accent1">
-              <a:shade val="50000"/>
-            </a:schemeClr>
-          </a:lnRef>
-          <a:fillRef idx="1">
-            <a:schemeClr val="accent1"/>
-          </a:fillRef>
-          <a:effectRef idx="0">
-            <a:schemeClr val="accent1"/>
-          </a:effectRef>
-          <a:fontRef idx="minor">
-            <a:schemeClr val="lt1"/>
-          </a:fontRef>
-        </p:style>
       </p:sp>
       <p:graphicFrame>
         <p:nvGraphicFramePr>
@@ -5408,6 +5478,102 @@
           </a:graphicData>
         </a:graphic>
       </p:graphicFrame>
+      <p:sp>
+        <p:nvSpPr>
+          <p:cNvPr id="4" name="Text Placeholder 3">
+            <a:extLst>
+              <a:ext uri="{FF2B5EF4-FFF2-40B4-BE49-F238E27FC236}">
+                <a16:creationId xmlns:a16="http://schemas.microsoft.com/office/drawing/2014/main" id="{02BA7BA3-79F7-46B0-9B24-ADDAED2ACB1C}"/>
+              </a:ext>
+            </a:extLst>
+          </p:cNvPr>
+          <p:cNvSpPr>
+            <a:spLocks noGrp="1"/>
+          </p:cNvSpPr>
+          <p:nvPr>
+            <p:ph type="body" sz="half" idx="2"/>
+          </p:nvPr>
+        </p:nvSpPr>
+        <p:spPr>
+          <a:xfrm>
+            <a:off x="640081" y="2764971"/>
+            <a:ext cx="4010296" cy="3472543"/>
+          </a:xfrm>
+        </p:spPr>
+        <p:txBody>
+          <a:bodyPr vert="horz" lIns="91440" tIns="45720" rIns="91440" bIns="45720" rtlCol="0">
+            <a:normAutofit/>
+          </a:bodyPr>
+          <a:lstStyle/>
+          <a:p>
+            <a:pPr marL="384048" indent="-384048">
+              <a:lnSpc>
+                <a:spcPct val="94000"/>
+              </a:lnSpc>
+              <a:spcAft>
+                <a:spcPts val="200"/>
+              </a:spcAft>
+              <a:buFont typeface="Franklin Gothic Book" panose="020B0503020102020204" pitchFamily="34" charset="0"/>
+              <a:buChar char="•"/>
+            </a:pPr>
+            <a:endParaRPr lang="en-US" sz="1500"/>
+          </a:p>
+          <a:p>
+            <a:pPr marL="384048" indent="-384048">
+              <a:lnSpc>
+                <a:spcPct val="94000"/>
+              </a:lnSpc>
+              <a:spcAft>
+                <a:spcPts val="200"/>
+              </a:spcAft>
+              <a:buFont typeface="Franklin Gothic Book" panose="020B0503020102020204" pitchFamily="34" charset="0"/>
+              <a:buChar char="•"/>
+            </a:pPr>
+            <a:r>
+              <a:rPr lang="en-US" sz="1500"/>
+              <a:t>Quick Example for a “Good” 4-Classes Classifier</a:t>
+            </a:r>
+          </a:p>
+          <a:p>
+            <a:pPr marL="384048" indent="-384048">
+              <a:lnSpc>
+                <a:spcPct val="94000"/>
+              </a:lnSpc>
+              <a:spcAft>
+                <a:spcPts val="200"/>
+              </a:spcAft>
+            </a:pPr>
+            <a:endParaRPr lang="en-US" sz="1500"/>
+          </a:p>
+          <a:p>
+            <a:pPr marL="384048" indent="-384048">
+              <a:lnSpc>
+                <a:spcPct val="94000"/>
+              </a:lnSpc>
+              <a:spcAft>
+                <a:spcPts val="200"/>
+              </a:spcAft>
+              <a:buFont typeface="Franklin Gothic Book" panose="020B0503020102020204" pitchFamily="34" charset="0"/>
+              <a:buChar char="•"/>
+            </a:pPr>
+            <a:r>
+              <a:rPr lang="en-US" sz="1500"/>
+              <a:t>Let all values be out of 1000 for example</a:t>
+            </a:r>
+          </a:p>
+          <a:p>
+            <a:pPr marL="384048" indent="-384048">
+              <a:lnSpc>
+                <a:spcPct val="94000"/>
+              </a:lnSpc>
+              <a:spcAft>
+                <a:spcPts val="200"/>
+              </a:spcAft>
+            </a:pPr>
+            <a:endParaRPr lang="en-US" sz="1500"/>
+          </a:p>
+        </p:txBody>
+      </p:sp>
     </p:spTree>
     <p:extLst>
       <p:ext uri="{BB962C8B-B14F-4D97-AF65-F5344CB8AC3E}">
@@ -5427,7 +5593,7 @@
     <p:bg>
       <p:bgPr>
         <a:solidFill>
-          <a:schemeClr val="bg1"/>
+          <a:schemeClr val="bg2"/>
         </a:solidFill>
         <a:effectLst/>
       </p:bgPr>
@@ -5446,6 +5612,141 @@
           <a:chExt cx="0" cy="0"/>
         </a:xfrm>
       </p:grpSpPr>
+      <p:sp useBgFill="1">
+        <p:nvSpPr>
+          <p:cNvPr id="15" name="Rectangle 14">
+            <a:extLst>
+              <a:ext uri="{FF2B5EF4-FFF2-40B4-BE49-F238E27FC236}">
+                <a16:creationId xmlns:a16="http://schemas.microsoft.com/office/drawing/2014/main" id="{C3638F2F-4688-4030-B1CC-802724443B77}"/>
+              </a:ext>
+              <a:ext uri="{C183D7F6-B498-43B3-948B-1728B52AA6E4}">
+                <adec:decorative xmlns:adec="http://schemas.microsoft.com/office/drawing/2017/decorative" val="1"/>
+              </a:ext>
+            </a:extLst>
+          </p:cNvPr>
+          <p:cNvSpPr>
+            <a:spLocks noGrp="1" noRot="1" noChangeAspect="1" noMove="1" noResize="1" noEditPoints="1" noAdjustHandles="1" noChangeArrowheads="1" noChangeShapeType="1" noTextEdit="1"/>
+          </p:cNvSpPr>
+          <p:nvPr>
+            <p:extLst>
+              <p:ext uri="{386F3935-93C4-4BCD-93E2-E3B085C9AB24}">
+                <p16:designElem xmlns:p16="http://schemas.microsoft.com/office/powerpoint/2015/main" val="1"/>
+              </p:ext>
+            </p:extLst>
+          </p:nvPr>
+        </p:nvSpPr>
+        <p:spPr>
+          <a:xfrm>
+            <a:off x="0" y="0"/>
+            <a:ext cx="12192000" cy="6858000"/>
+          </a:xfrm>
+          <a:prstGeom prst="rect">
+            <a:avLst/>
+          </a:prstGeom>
+          <a:ln>
+            <a:noFill/>
+          </a:ln>
+        </p:spPr>
+        <p:style>
+          <a:lnRef idx="2">
+            <a:schemeClr val="accent1">
+              <a:shade val="50000"/>
+            </a:schemeClr>
+          </a:lnRef>
+          <a:fillRef idx="1001">
+            <a:schemeClr val="lt2"/>
+          </a:fillRef>
+          <a:effectRef idx="0">
+            <a:schemeClr val="accent1"/>
+          </a:effectRef>
+          <a:fontRef idx="minor">
+            <a:schemeClr val="lt1"/>
+          </a:fontRef>
+        </p:style>
+        <p:txBody>
+          <a:bodyPr rtlCol="0" anchor="ctr"/>
+          <a:lstStyle/>
+          <a:p>
+            <a:pPr algn="ctr"/>
+            <a:endParaRPr lang="en-US"/>
+          </a:p>
+        </p:txBody>
+      </p:sp>
+      <p:sp>
+        <p:nvSpPr>
+          <p:cNvPr id="17" name="Freeform 6">
+            <a:extLst>
+              <a:ext uri="{FF2B5EF4-FFF2-40B4-BE49-F238E27FC236}">
+                <a16:creationId xmlns:a16="http://schemas.microsoft.com/office/drawing/2014/main" id="{48C811F0-0ED8-4A7B-BFDE-6433C690ED4F}"/>
+              </a:ext>
+              <a:ext uri="{C183D7F6-B498-43B3-948B-1728B52AA6E4}">
+                <adec:decorative xmlns:adec="http://schemas.microsoft.com/office/drawing/2017/decorative" val="1"/>
+              </a:ext>
+            </a:extLst>
+          </p:cNvPr>
+          <p:cNvSpPr>
+            <a:spLocks noGrp="1" noRot="1" noChangeAspect="1" noMove="1" noResize="1" noEditPoints="1" noAdjustHandles="1" noChangeArrowheads="1" noChangeShapeType="1" noTextEdit="1"/>
+          </p:cNvSpPr>
+          <p:nvPr>
+            <p:extLst>
+              <p:ext uri="{386F3935-93C4-4BCD-93E2-E3B085C9AB24}">
+                <p16:designElem xmlns:p16="http://schemas.microsoft.com/office/powerpoint/2015/main" val="1"/>
+              </p:ext>
+            </p:extLst>
+          </p:nvPr>
+        </p:nvSpPr>
+        <p:spPr bwMode="auto">
+          <a:xfrm rot="5400000" flipH="1">
+            <a:off x="973751" y="303896"/>
+            <a:ext cx="1910102" cy="2570671"/>
+          </a:xfrm>
+          <a:custGeom>
+            <a:avLst/>
+            <a:gdLst/>
+            <a:ahLst/>
+            <a:cxnLst/>
+            <a:rect l="l" t="t" r="r" b="b"/>
+            <a:pathLst>
+              <a:path w="10002" h="10000">
+                <a:moveTo>
+                  <a:pt x="8763" y="0"/>
+                </a:moveTo>
+                <a:lnTo>
+                  <a:pt x="10002" y="0"/>
+                </a:lnTo>
+                <a:lnTo>
+                  <a:pt x="10002" y="10000"/>
+                </a:lnTo>
+                <a:lnTo>
+                  <a:pt x="2" y="10000"/>
+                </a:lnTo>
+                <a:cubicBezTo>
+                  <a:pt x="-2" y="9698"/>
+                  <a:pt x="4" y="9427"/>
+                  <a:pt x="0" y="9125"/>
+                </a:cubicBezTo>
+                <a:lnTo>
+                  <a:pt x="8763" y="9128"/>
+                </a:lnTo>
+                <a:lnTo>
+                  <a:pt x="8763" y="0"/>
+                </a:lnTo>
+                <a:close/>
+              </a:path>
+            </a:pathLst>
+          </a:custGeom>
+          <a:solidFill>
+            <a:schemeClr val="tx2"/>
+          </a:solidFill>
+          <a:ln w="0">
+            <a:noFill/>
+            <a:prstDash val="solid"/>
+            <a:round/>
+            <a:headEnd/>
+            <a:tailEnd/>
+          </a:ln>
+        </p:spPr>
+      </p:sp>
       <p:sp>
         <p:nvSpPr>
           <p:cNvPr id="2" name="Title 1">
@@ -5464,43 +5765,8 @@
         </p:nvSpPr>
         <p:spPr>
           <a:xfrm>
-            <a:off x="841248" y="426720"/>
-            <a:ext cx="10506456" cy="1919141"/>
-          </a:xfrm>
-        </p:spPr>
-        <p:txBody>
-          <a:bodyPr anchor="b">
-            <a:normAutofit/>
-          </a:bodyPr>
-          <a:lstStyle/>
-          <a:p>
-            <a:r>
-              <a:rPr lang="en-US" sz="6000" dirty="0"/>
-              <a:t>Confusion Matrices</a:t>
-            </a:r>
-          </a:p>
-        </p:txBody>
-      </p:sp>
-      <p:sp>
-        <p:nvSpPr>
-          <p:cNvPr id="3" name="Content Placeholder 2">
-            <a:extLst>
-              <a:ext uri="{FF2B5EF4-FFF2-40B4-BE49-F238E27FC236}">
-                <a16:creationId xmlns:a16="http://schemas.microsoft.com/office/drawing/2014/main" id="{F3B2BD80-20B0-4A4E-BCC8-3B3B25A0EEB4}"/>
-              </a:ext>
-            </a:extLst>
-          </p:cNvPr>
-          <p:cNvSpPr>
-            <a:spLocks noGrp="1"/>
-          </p:cNvSpPr>
-          <p:nvPr>
-            <p:ph idx="1"/>
-          </p:nvPr>
-        </p:nvSpPr>
-        <p:spPr>
-          <a:xfrm>
-            <a:off x="841248" y="3337269"/>
-            <a:ext cx="10509504" cy="2905686"/>
+            <a:off x="1253764" y="1327355"/>
+            <a:ext cx="3559425" cy="4482564"/>
           </a:xfrm>
         </p:spPr>
         <p:txBody>
@@ -5510,36 +5776,139 @@
           <a:lstStyle/>
           <a:p>
             <a:r>
-              <a:rPr lang="en-US" sz="2000" dirty="0"/>
+              <a:rPr lang="en-US"/>
+              <a:t>Confusion Matrices</a:t>
+            </a:r>
+          </a:p>
+        </p:txBody>
+      </p:sp>
+      <p:sp>
+        <p:nvSpPr>
+          <p:cNvPr id="3" name="Content Placeholder 2">
+            <a:extLst>
+              <a:ext uri="{FF2B5EF4-FFF2-40B4-BE49-F238E27FC236}">
+                <a16:creationId xmlns:a16="http://schemas.microsoft.com/office/drawing/2014/main" id="{F3B2BD80-20B0-4A4E-BCC8-3B3B25A0EEB4}"/>
+              </a:ext>
+            </a:extLst>
+          </p:cNvPr>
+          <p:cNvSpPr>
+            <a:spLocks noGrp="1"/>
+          </p:cNvSpPr>
+          <p:nvPr>
+            <p:ph idx="1"/>
+          </p:nvPr>
+        </p:nvSpPr>
+        <p:spPr>
+          <a:xfrm>
+            <a:off x="6100123" y="1327356"/>
+            <a:ext cx="4872677" cy="4482564"/>
+          </a:xfrm>
+        </p:spPr>
+        <p:txBody>
+          <a:bodyPr>
+            <a:normAutofit/>
+          </a:bodyPr>
+          <a:lstStyle/>
+          <a:p>
+            <a:endParaRPr lang="en-US"/>
+          </a:p>
+          <a:p>
+            <a:endParaRPr lang="en-US"/>
+          </a:p>
+          <a:p>
+            <a:r>
+              <a:rPr lang="en-US"/>
               <a:t>Matrices for 9 different 19-Fold Classifiers</a:t>
             </a:r>
           </a:p>
           <a:p>
-            <a:endParaRPr lang="en-US" sz="2000" dirty="0"/>
-          </a:p>
-          <a:p>
-            <a:r>
-              <a:rPr lang="en-US" sz="2000" dirty="0"/>
+            <a:endParaRPr lang="en-US"/>
+          </a:p>
+          <a:p>
+            <a:r>
+              <a:rPr lang="en-US"/>
               <a:t>Colors Coded in Grayscale</a:t>
             </a:r>
           </a:p>
           <a:p>
             <a:pPr lvl="1"/>
             <a:r>
-              <a:rPr lang="en-US" sz="1600" dirty="0"/>
+              <a:rPr lang="en-US"/>
               <a:t>White means higher value in entry</a:t>
             </a:r>
           </a:p>
           <a:p>
             <a:pPr lvl="1"/>
             <a:r>
-              <a:rPr lang="en-US" sz="1600" dirty="0"/>
+              <a:rPr lang="en-US"/>
               <a:t>Black means lower value in entry</a:t>
             </a:r>
           </a:p>
           <a:p>
             <a:pPr lvl="1"/>
-            <a:endParaRPr lang="en-US" sz="1600" dirty="0"/>
+            <a:endParaRPr lang="en-US"/>
+          </a:p>
+        </p:txBody>
+      </p:sp>
+      <p:sp>
+        <p:nvSpPr>
+          <p:cNvPr id="19" name="Rectangle 18">
+            <a:extLst>
+              <a:ext uri="{FF2B5EF4-FFF2-40B4-BE49-F238E27FC236}">
+                <a16:creationId xmlns:a16="http://schemas.microsoft.com/office/drawing/2014/main" id="{AAC19CEE-435E-4643-849E-5194A57437C0}"/>
+              </a:ext>
+              <a:ext uri="{C183D7F6-B498-43B3-948B-1728B52AA6E4}">
+                <adec:decorative xmlns:adec="http://schemas.microsoft.com/office/drawing/2017/decorative" val="1"/>
+              </a:ext>
+            </a:extLst>
+          </p:cNvPr>
+          <p:cNvSpPr>
+            <a:spLocks noGrp="1" noRot="1" noChangeAspect="1" noMove="1" noResize="1" noEditPoints="1" noAdjustHandles="1" noChangeArrowheads="1" noChangeShapeType="1" noTextEdit="1"/>
+          </p:cNvSpPr>
+          <p:nvPr>
+            <p:extLst>
+              <p:ext uri="{386F3935-93C4-4BCD-93E2-E3B085C9AB24}">
+                <p16:designElem xmlns:p16="http://schemas.microsoft.com/office/powerpoint/2015/main" val="1"/>
+              </p:ext>
+            </p:extLst>
+          </p:nvPr>
+        </p:nvSpPr>
+        <p:spPr>
+          <a:xfrm>
+            <a:off x="2" y="6453386"/>
+            <a:ext cx="12191998" cy="404614"/>
+          </a:xfrm>
+          <a:prstGeom prst="rect">
+            <a:avLst/>
+          </a:prstGeom>
+          <a:solidFill>
+            <a:schemeClr val="accent1"/>
+          </a:solidFill>
+          <a:ln>
+            <a:noFill/>
+          </a:ln>
+        </p:spPr>
+        <p:style>
+          <a:lnRef idx="2">
+            <a:schemeClr val="accent1">
+              <a:shade val="50000"/>
+            </a:schemeClr>
+          </a:lnRef>
+          <a:fillRef idx="1">
+            <a:schemeClr val="accent1"/>
+          </a:fillRef>
+          <a:effectRef idx="0">
+            <a:schemeClr val="accent1"/>
+          </a:effectRef>
+          <a:fontRef idx="minor">
+            <a:schemeClr val="lt1"/>
+          </a:fontRef>
+        </p:style>
+        <p:txBody>
+          <a:bodyPr/>
+          <a:lstStyle/>
+          <a:p>
+            <a:endParaRPr lang="en-US" dirty="0"/>
           </a:p>
         </p:txBody>
       </p:sp>
@@ -5551,7 +5920,7 @@
     </p:extLst>
   </p:cSld>
   <p:clrMapOvr>
-    <a:masterClrMapping/>
+    <a:overrideClrMapping bg1="dk1" tx1="lt1" bg2="dk2" tx2="lt2" accent1="accent1" accent2="accent2" accent3="accent3" accent4="accent4" accent5="accent5" accent6="accent6" hlink="hlink" folHlink="folHlink"/>
   </p:clrMapOvr>
 </p:sld>
 </file>
@@ -5693,61 +6062,6 @@
       </p:grpSpPr>
       <p:sp>
         <p:nvSpPr>
-          <p:cNvPr id="28" name="Rectangle 27">
-            <a:extLst>
-              <a:ext uri="{FF2B5EF4-FFF2-40B4-BE49-F238E27FC236}">
-                <a16:creationId xmlns:a16="http://schemas.microsoft.com/office/drawing/2014/main" id="{B07103F4-AFE6-4DC5-8934-DA3F400030CF}"/>
-              </a:ext>
-              <a:ext uri="{C183D7F6-B498-43B3-948B-1728B52AA6E4}">
-                <adec:decorative xmlns:adec="http://schemas.microsoft.com/office/drawing/2017/decorative" val="1"/>
-              </a:ext>
-            </a:extLst>
-          </p:cNvPr>
-          <p:cNvSpPr>
-            <a:spLocks noGrp="1" noRot="1" noChangeAspect="1" noMove="1" noResize="1" noEditPoints="1" noAdjustHandles="1" noChangeArrowheads="1" noChangeShapeType="1" noTextEdit="1"/>
-          </p:cNvSpPr>
-          <p:nvPr>
-            <p:extLst>
-              <p:ext uri="{386F3935-93C4-4BCD-93E2-E3B085C9AB24}">
-                <p16:designElem xmlns:p16="http://schemas.microsoft.com/office/powerpoint/2015/main" val="1"/>
-              </p:ext>
-            </p:extLst>
-          </p:nvPr>
-        </p:nvSpPr>
-        <p:spPr>
-          <a:xfrm>
-            <a:off x="478095" y="376"/>
-            <a:ext cx="228600" cy="6858000"/>
-          </a:xfrm>
-          <a:prstGeom prst="rect">
-            <a:avLst/>
-          </a:prstGeom>
-          <a:solidFill>
-            <a:schemeClr val="tx2"/>
-          </a:solidFill>
-          <a:ln>
-            <a:noFill/>
-          </a:ln>
-        </p:spPr>
-        <p:style>
-          <a:lnRef idx="2">
-            <a:schemeClr val="accent1">
-              <a:shade val="50000"/>
-            </a:schemeClr>
-          </a:lnRef>
-          <a:fillRef idx="1">
-            <a:schemeClr val="accent1"/>
-          </a:fillRef>
-          <a:effectRef idx="0">
-            <a:schemeClr val="accent1"/>
-          </a:effectRef>
-          <a:fontRef idx="minor">
-            <a:schemeClr val="lt1"/>
-          </a:fontRef>
-        </p:style>
-      </p:sp>
-      <p:sp>
-        <p:nvSpPr>
           <p:cNvPr id="2" name="Title 1">
             <a:extLst>
               <a:ext uri="{FF2B5EF4-FFF2-40B4-BE49-F238E27FC236}">
@@ -5780,61 +6094,6 @@
             </a:r>
           </a:p>
         </p:txBody>
-      </p:sp>
-      <p:sp>
-        <p:nvSpPr>
-          <p:cNvPr id="30" name="Rectangle 29">
-            <a:extLst>
-              <a:ext uri="{FF2B5EF4-FFF2-40B4-BE49-F238E27FC236}">
-                <a16:creationId xmlns:a16="http://schemas.microsoft.com/office/drawing/2014/main" id="{1F4C3E1F-F848-429E-A6D6-86E45FBD38E7}"/>
-              </a:ext>
-              <a:ext uri="{C183D7F6-B498-43B3-948B-1728B52AA6E4}">
-                <adec:decorative xmlns:adec="http://schemas.microsoft.com/office/drawing/2017/decorative" val="1"/>
-              </a:ext>
-            </a:extLst>
-          </p:cNvPr>
-          <p:cNvSpPr>
-            <a:spLocks noGrp="1" noRot="1" noChangeAspect="1" noMove="1" noResize="1" noEditPoints="1" noAdjustHandles="1" noChangeArrowheads="1" noChangeShapeType="1" noTextEdit="1"/>
-          </p:cNvSpPr>
-          <p:nvPr>
-            <p:extLst>
-              <p:ext uri="{386F3935-93C4-4BCD-93E2-E3B085C9AB24}">
-                <p16:designElem xmlns:p16="http://schemas.microsoft.com/office/powerpoint/2015/main" val="1"/>
-              </p:ext>
-            </p:extLst>
-          </p:nvPr>
-        </p:nvSpPr>
-        <p:spPr>
-          <a:xfrm>
-            <a:off x="478095" y="376"/>
-            <a:ext cx="228600" cy="6858000"/>
-          </a:xfrm>
-          <a:prstGeom prst="rect">
-            <a:avLst/>
-          </a:prstGeom>
-          <a:solidFill>
-            <a:schemeClr val="tx2"/>
-          </a:solidFill>
-          <a:ln>
-            <a:noFill/>
-          </a:ln>
-        </p:spPr>
-        <p:style>
-          <a:lnRef idx="2">
-            <a:schemeClr val="accent1">
-              <a:shade val="50000"/>
-            </a:schemeClr>
-          </a:lnRef>
-          <a:fillRef idx="1">
-            <a:schemeClr val="accent1"/>
-          </a:fillRef>
-          <a:effectRef idx="0">
-            <a:schemeClr val="accent1"/>
-          </a:effectRef>
-          <a:fontRef idx="minor">
-            <a:schemeClr val="lt1"/>
-          </a:fontRef>
-        </p:style>
       </p:sp>
       <p:pic>
         <p:nvPicPr>
@@ -6069,7 +6328,7 @@
               <a:buFont typeface="Franklin Gothic Book" panose="020B0503020102020204" pitchFamily="34" charset="0"/>
             </a:pPr>
             <a:r>
-              <a:rPr lang="en-US">
+              <a:rPr lang="en-US" dirty="0">
                 <a:solidFill>
                   <a:schemeClr val="tx2"/>
                 </a:solidFill>
@@ -6087,7 +6346,7 @@
               </a:spcAft>
               <a:buFont typeface="Franklin Gothic Book" panose="020B0503020102020204" pitchFamily="34" charset="0"/>
             </a:pPr>
-            <a:endParaRPr lang="en-US">
+            <a:endParaRPr lang="en-US" dirty="0">
               <a:solidFill>
                 <a:schemeClr val="tx2"/>
               </a:solidFill>
@@ -6104,7 +6363,7 @@
               <a:buFont typeface="Franklin Gothic Book" panose="020B0503020102020204" pitchFamily="34" charset="0"/>
             </a:pPr>
             <a:r>
-              <a:rPr lang="en-US">
+              <a:rPr lang="en-US" dirty="0">
                 <a:solidFill>
                   <a:schemeClr val="tx2"/>
                 </a:solidFill>
@@ -6123,7 +6382,7 @@
               <a:buFont typeface="Franklin Gothic Book" panose="020B0503020102020204" pitchFamily="34" charset="0"/>
             </a:pPr>
             <a:r>
-              <a:rPr lang="en-US">
+              <a:rPr lang="en-US" dirty="0">
                 <a:solidFill>
                   <a:schemeClr val="tx2"/>
                 </a:solidFill>
@@ -6142,7 +6401,7 @@
               <a:buFont typeface="Franklin Gothic Book" panose="020B0503020102020204" pitchFamily="34" charset="0"/>
             </a:pPr>
             <a:r>
-              <a:rPr lang="en-US">
+              <a:rPr lang="en-US" dirty="0">
                 <a:solidFill>
                   <a:schemeClr val="tx2"/>
                 </a:solidFill>
@@ -6161,12 +6420,12 @@
               <a:buFont typeface="Franklin Gothic Book" panose="020B0503020102020204" pitchFamily="34" charset="0"/>
             </a:pPr>
             <a:r>
-              <a:rPr lang="en-US">
+              <a:rPr lang="en-US" dirty="0">
                 <a:solidFill>
                   <a:schemeClr val="tx2"/>
                 </a:solidFill>
               </a:rPr>
-              <a:t>17 Violin</a:t>
+              <a:t>17 = Viola</a:t>
             </a:r>
           </a:p>
           <a:p>
@@ -6180,12 +6439,12 @@
               <a:buFont typeface="Franklin Gothic Book" panose="020B0503020102020204" pitchFamily="34" charset="0"/>
             </a:pPr>
             <a:r>
-              <a:rPr lang="en-US">
+              <a:rPr lang="en-US" dirty="0">
                 <a:solidFill>
                   <a:schemeClr val="tx2"/>
                 </a:solidFill>
               </a:rPr>
-              <a:t>18 = Viola</a:t>
+              <a:t>18 = Violin</a:t>
             </a:r>
           </a:p>
         </p:txBody>
@@ -6230,61 +6489,6 @@
       </p:grpSpPr>
       <p:sp>
         <p:nvSpPr>
-          <p:cNvPr id="13" name="Rectangle 12">
-            <a:extLst>
-              <a:ext uri="{FF2B5EF4-FFF2-40B4-BE49-F238E27FC236}">
-                <a16:creationId xmlns:a16="http://schemas.microsoft.com/office/drawing/2014/main" id="{B07103F4-AFE6-4DC5-8934-DA3F400030CF}"/>
-              </a:ext>
-              <a:ext uri="{C183D7F6-B498-43B3-948B-1728B52AA6E4}">
-                <adec:decorative xmlns:adec="http://schemas.microsoft.com/office/drawing/2017/decorative" val="1"/>
-              </a:ext>
-            </a:extLst>
-          </p:cNvPr>
-          <p:cNvSpPr>
-            <a:spLocks noGrp="1" noRot="1" noChangeAspect="1" noMove="1" noResize="1" noEditPoints="1" noAdjustHandles="1" noChangeArrowheads="1" noChangeShapeType="1" noTextEdit="1"/>
-          </p:cNvSpPr>
-          <p:nvPr>
-            <p:extLst>
-              <p:ext uri="{386F3935-93C4-4BCD-93E2-E3B085C9AB24}">
-                <p16:designElem xmlns:p16="http://schemas.microsoft.com/office/powerpoint/2015/main" val="1"/>
-              </p:ext>
-            </p:extLst>
-          </p:nvPr>
-        </p:nvSpPr>
-        <p:spPr>
-          <a:xfrm>
-            <a:off x="478095" y="376"/>
-            <a:ext cx="228600" cy="6858000"/>
-          </a:xfrm>
-          <a:prstGeom prst="rect">
-            <a:avLst/>
-          </a:prstGeom>
-          <a:solidFill>
-            <a:schemeClr val="tx2"/>
-          </a:solidFill>
-          <a:ln>
-            <a:noFill/>
-          </a:ln>
-        </p:spPr>
-        <p:style>
-          <a:lnRef idx="2">
-            <a:schemeClr val="accent1">
-              <a:shade val="50000"/>
-            </a:schemeClr>
-          </a:lnRef>
-          <a:fillRef idx="1">
-            <a:schemeClr val="accent1"/>
-          </a:fillRef>
-          <a:effectRef idx="0">
-            <a:schemeClr val="accent1"/>
-          </a:effectRef>
-          <a:fontRef idx="minor">
-            <a:schemeClr val="lt1"/>
-          </a:fontRef>
-        </p:style>
-      </p:sp>
-      <p:sp>
-        <p:nvSpPr>
           <p:cNvPr id="2" name="Title 1">
             <a:extLst>
               <a:ext uri="{FF2B5EF4-FFF2-40B4-BE49-F238E27FC236}">
@@ -6320,58 +6524,52 @@
       </p:sp>
       <p:sp>
         <p:nvSpPr>
-          <p:cNvPr id="15" name="Rectangle 14">
+          <p:cNvPr id="3" name="Content Placeholder 2">
             <a:extLst>
               <a:ext uri="{FF2B5EF4-FFF2-40B4-BE49-F238E27FC236}">
-                <a16:creationId xmlns:a16="http://schemas.microsoft.com/office/drawing/2014/main" id="{1F4C3E1F-F848-429E-A6D6-86E45FBD38E7}"/>
-              </a:ext>
-              <a:ext uri="{C183D7F6-B498-43B3-948B-1728B52AA6E4}">
-                <adec:decorative xmlns:adec="http://schemas.microsoft.com/office/drawing/2017/decorative" val="1"/>
+                <a16:creationId xmlns:a16="http://schemas.microsoft.com/office/drawing/2014/main" id="{F16460D2-296B-44C9-9B00-378E1E25D42F}"/>
               </a:ext>
             </a:extLst>
           </p:cNvPr>
           <p:cNvSpPr>
-            <a:spLocks noGrp="1" noRot="1" noChangeAspect="1" noMove="1" noResize="1" noEditPoints="1" noAdjustHandles="1" noChangeArrowheads="1" noChangeShapeType="1" noTextEdit="1"/>
-          </p:cNvSpPr>
-          <p:nvPr>
-            <p:extLst>
-              <p:ext uri="{386F3935-93C4-4BCD-93E2-E3B085C9AB24}">
-                <p16:designElem xmlns:p16="http://schemas.microsoft.com/office/powerpoint/2015/main" val="1"/>
-              </p:ext>
-            </p:extLst>
+            <a:spLocks noGrp="1"/>
+          </p:cNvSpPr>
+          <p:nvPr>
+            <p:ph sz="half" idx="1"/>
           </p:nvPr>
         </p:nvSpPr>
         <p:spPr>
           <a:xfrm>
-            <a:off x="478095" y="376"/>
-            <a:ext cx="228600" cy="6858000"/>
+            <a:off x="6389914" y="2286000"/>
+            <a:ext cx="5127172" cy="3581400"/>
           </a:xfrm>
-          <a:prstGeom prst="rect">
-            <a:avLst/>
-          </a:prstGeom>
-          <a:solidFill>
-            <a:schemeClr val="tx2"/>
-          </a:solidFill>
-          <a:ln>
-            <a:noFill/>
-          </a:ln>
         </p:spPr>
-        <p:style>
-          <a:lnRef idx="2">
-            <a:schemeClr val="accent1">
-              <a:shade val="50000"/>
-            </a:schemeClr>
-          </a:lnRef>
-          <a:fillRef idx="1">
-            <a:schemeClr val="accent1"/>
-          </a:fillRef>
-          <a:effectRef idx="0">
-            <a:schemeClr val="accent1"/>
-          </a:effectRef>
-          <a:fontRef idx="minor">
-            <a:schemeClr val="lt1"/>
-          </a:fontRef>
-        </p:style>
+        <p:txBody>
+          <a:bodyPr vert="horz" lIns="91440" tIns="45720" rIns="91440" bIns="45720" rtlCol="0">
+            <a:normAutofit/>
+          </a:bodyPr>
+          <a:lstStyle/>
+          <a:p>
+            <a:r>
+              <a:rPr lang="en-US"/>
+              <a:t>3001 Input Layer Features</a:t>
+            </a:r>
+          </a:p>
+          <a:p>
+            <a:endParaRPr lang="en-US"/>
+          </a:p>
+          <a:p>
+            <a:r>
+              <a:rPr lang="en-US"/>
+              <a:t>A Main Diagonal appears </a:t>
+            </a:r>
+            <a:r>
+              <a:rPr lang="en-US" i="1"/>
+              <a:t>slightly</a:t>
+            </a:r>
+            <a:endParaRPr lang="en-US"/>
+          </a:p>
+        </p:txBody>
       </p:sp>
       <p:pic>
         <p:nvPicPr>
@@ -6404,55 +6602,6 @@
           </a:prstGeom>
         </p:spPr>
       </p:pic>
-      <p:sp>
-        <p:nvSpPr>
-          <p:cNvPr id="3" name="Content Placeholder 2">
-            <a:extLst>
-              <a:ext uri="{FF2B5EF4-FFF2-40B4-BE49-F238E27FC236}">
-                <a16:creationId xmlns:a16="http://schemas.microsoft.com/office/drawing/2014/main" id="{F16460D2-296B-44C9-9B00-378E1E25D42F}"/>
-              </a:ext>
-            </a:extLst>
-          </p:cNvPr>
-          <p:cNvSpPr>
-            <a:spLocks noGrp="1"/>
-          </p:cNvSpPr>
-          <p:nvPr>
-            <p:ph sz="half" idx="1"/>
-          </p:nvPr>
-        </p:nvSpPr>
-        <p:spPr>
-          <a:xfrm>
-            <a:off x="6389914" y="2286000"/>
-            <a:ext cx="5127172" cy="3581400"/>
-          </a:xfrm>
-        </p:spPr>
-        <p:txBody>
-          <a:bodyPr vert="horz" lIns="91440" tIns="45720" rIns="91440" bIns="45720" rtlCol="0">
-            <a:normAutofit/>
-          </a:bodyPr>
-          <a:lstStyle/>
-          <a:p>
-            <a:r>
-              <a:rPr lang="en-US"/>
-              <a:t>3001 Input Layer Features</a:t>
-            </a:r>
-          </a:p>
-          <a:p>
-            <a:endParaRPr lang="en-US"/>
-          </a:p>
-          <a:p>
-            <a:r>
-              <a:rPr lang="en-US"/>
-              <a:t>A Main Diagonal appears </a:t>
-            </a:r>
-            <a:r>
-              <a:rPr lang="en-US" i="1"/>
-              <a:t>slightly</a:t>
-            </a:r>
-            <a:endParaRPr lang="en-US"/>
-          </a:p>
-        </p:txBody>
-      </p:sp>
     </p:spTree>
     <p:extLst>
       <p:ext uri="{BB962C8B-B14F-4D97-AF65-F5344CB8AC3E}">
@@ -6493,61 +6642,6 @@
       </p:grpSpPr>
       <p:sp>
         <p:nvSpPr>
-          <p:cNvPr id="23" name="Rectangle 18">
-            <a:extLst>
-              <a:ext uri="{FF2B5EF4-FFF2-40B4-BE49-F238E27FC236}">
-                <a16:creationId xmlns:a16="http://schemas.microsoft.com/office/drawing/2014/main" id="{B07103F4-AFE6-4DC5-8934-DA3F400030CF}"/>
-              </a:ext>
-              <a:ext uri="{C183D7F6-B498-43B3-948B-1728B52AA6E4}">
-                <adec:decorative xmlns:adec="http://schemas.microsoft.com/office/drawing/2017/decorative" val="1"/>
-              </a:ext>
-            </a:extLst>
-          </p:cNvPr>
-          <p:cNvSpPr>
-            <a:spLocks noGrp="1" noRot="1" noChangeAspect="1" noMove="1" noResize="1" noEditPoints="1" noAdjustHandles="1" noChangeArrowheads="1" noChangeShapeType="1" noTextEdit="1"/>
-          </p:cNvSpPr>
-          <p:nvPr>
-            <p:extLst>
-              <p:ext uri="{386F3935-93C4-4BCD-93E2-E3B085C9AB24}">
-                <p16:designElem xmlns:p16="http://schemas.microsoft.com/office/powerpoint/2015/main" val="1"/>
-              </p:ext>
-            </p:extLst>
-          </p:nvPr>
-        </p:nvSpPr>
-        <p:spPr>
-          <a:xfrm>
-            <a:off x="478095" y="376"/>
-            <a:ext cx="228600" cy="6858000"/>
-          </a:xfrm>
-          <a:prstGeom prst="rect">
-            <a:avLst/>
-          </a:prstGeom>
-          <a:solidFill>
-            <a:schemeClr val="tx2"/>
-          </a:solidFill>
-          <a:ln>
-            <a:noFill/>
-          </a:ln>
-        </p:spPr>
-        <p:style>
-          <a:lnRef idx="2">
-            <a:schemeClr val="accent1">
-              <a:shade val="50000"/>
-            </a:schemeClr>
-          </a:lnRef>
-          <a:fillRef idx="1">
-            <a:schemeClr val="accent1"/>
-          </a:fillRef>
-          <a:effectRef idx="0">
-            <a:schemeClr val="accent1"/>
-          </a:effectRef>
-          <a:fontRef idx="minor">
-            <a:schemeClr val="lt1"/>
-          </a:fontRef>
-        </p:style>
-      </p:sp>
-      <p:sp>
-        <p:nvSpPr>
           <p:cNvPr id="2" name="Title 1">
             <a:extLst>
               <a:ext uri="{FF2B5EF4-FFF2-40B4-BE49-F238E27FC236}">
@@ -6583,58 +6677,42 @@
       </p:sp>
       <p:sp>
         <p:nvSpPr>
-          <p:cNvPr id="24" name="Rectangle 20">
+          <p:cNvPr id="3" name="Content Placeholder 2">
             <a:extLst>
               <a:ext uri="{FF2B5EF4-FFF2-40B4-BE49-F238E27FC236}">
-                <a16:creationId xmlns:a16="http://schemas.microsoft.com/office/drawing/2014/main" id="{1F4C3E1F-F848-429E-A6D6-86E45FBD38E7}"/>
-              </a:ext>
-              <a:ext uri="{C183D7F6-B498-43B3-948B-1728B52AA6E4}">
-                <adec:decorative xmlns:adec="http://schemas.microsoft.com/office/drawing/2017/decorative" val="1"/>
+                <a16:creationId xmlns:a16="http://schemas.microsoft.com/office/drawing/2014/main" id="{F16460D2-296B-44C9-9B00-378E1E25D42F}"/>
               </a:ext>
             </a:extLst>
           </p:cNvPr>
           <p:cNvSpPr>
-            <a:spLocks noGrp="1" noRot="1" noChangeAspect="1" noMove="1" noResize="1" noEditPoints="1" noAdjustHandles="1" noChangeArrowheads="1" noChangeShapeType="1" noTextEdit="1"/>
-          </p:cNvSpPr>
-          <p:nvPr>
-            <p:extLst>
-              <p:ext uri="{386F3935-93C4-4BCD-93E2-E3B085C9AB24}">
-                <p16:designElem xmlns:p16="http://schemas.microsoft.com/office/powerpoint/2015/main" val="1"/>
-              </p:ext>
-            </p:extLst>
+            <a:spLocks noGrp="1"/>
+          </p:cNvSpPr>
+          <p:nvPr>
+            <p:ph sz="half" idx="1"/>
           </p:nvPr>
         </p:nvSpPr>
         <p:spPr>
           <a:xfrm>
-            <a:off x="478095" y="376"/>
-            <a:ext cx="228600" cy="6858000"/>
+            <a:off x="6389914" y="2286000"/>
+            <a:ext cx="5127172" cy="3581400"/>
           </a:xfrm>
-          <a:prstGeom prst="rect">
-            <a:avLst/>
-          </a:prstGeom>
-          <a:solidFill>
-            <a:schemeClr val="tx2"/>
-          </a:solidFill>
-          <a:ln>
-            <a:noFill/>
-          </a:ln>
         </p:spPr>
-        <p:style>
-          <a:lnRef idx="2">
-            <a:schemeClr val="accent1">
-              <a:shade val="50000"/>
-            </a:schemeClr>
-          </a:lnRef>
-          <a:fillRef idx="1">
-            <a:schemeClr val="accent1"/>
-          </a:fillRef>
-          <a:effectRef idx="0">
-            <a:schemeClr val="accent1"/>
-          </a:effectRef>
-          <a:fontRef idx="minor">
-            <a:schemeClr val="lt1"/>
-          </a:fontRef>
-        </p:style>
+        <p:txBody>
+          <a:bodyPr vert="horz" lIns="91440" tIns="45720" rIns="91440" bIns="45720" rtlCol="0">
+            <a:normAutofit/>
+          </a:bodyPr>
+          <a:lstStyle/>
+          <a:p>
+            <a:r>
+              <a:rPr lang="en-US"/>
+              <a:t>5001 Input Layer Features</a:t>
+            </a:r>
+          </a:p>
+          <a:p>
+            <a:pPr marL="384048" lvl="1"/>
+            <a:endParaRPr lang="en-US"/>
+          </a:p>
+        </p:txBody>
       </p:sp>
       <p:pic>
         <p:nvPicPr>
@@ -6667,45 +6745,6 @@
           </a:prstGeom>
         </p:spPr>
       </p:pic>
-      <p:sp>
-        <p:nvSpPr>
-          <p:cNvPr id="3" name="Content Placeholder 2">
-            <a:extLst>
-              <a:ext uri="{FF2B5EF4-FFF2-40B4-BE49-F238E27FC236}">
-                <a16:creationId xmlns:a16="http://schemas.microsoft.com/office/drawing/2014/main" id="{F16460D2-296B-44C9-9B00-378E1E25D42F}"/>
-              </a:ext>
-            </a:extLst>
-          </p:cNvPr>
-          <p:cNvSpPr>
-            <a:spLocks noGrp="1"/>
-          </p:cNvSpPr>
-          <p:nvPr>
-            <p:ph sz="half" idx="1"/>
-          </p:nvPr>
-        </p:nvSpPr>
-        <p:spPr>
-          <a:xfrm>
-            <a:off x="6389914" y="2286000"/>
-            <a:ext cx="5127172" cy="3581400"/>
-          </a:xfrm>
-        </p:spPr>
-        <p:txBody>
-          <a:bodyPr vert="horz" lIns="91440" tIns="45720" rIns="91440" bIns="45720" rtlCol="0">
-            <a:normAutofit/>
-          </a:bodyPr>
-          <a:lstStyle/>
-          <a:p>
-            <a:r>
-              <a:rPr lang="en-US"/>
-              <a:t>5001 Input Layer Features</a:t>
-            </a:r>
-          </a:p>
-          <a:p>
-            <a:pPr marL="384048" lvl="1"/>
-            <a:endParaRPr lang="en-US"/>
-          </a:p>
-        </p:txBody>
-      </p:sp>
     </p:spTree>
     <p:extLst>
       <p:ext uri="{BB962C8B-B14F-4D97-AF65-F5344CB8AC3E}">
@@ -6746,61 +6785,6 @@
       </p:grpSpPr>
       <p:sp>
         <p:nvSpPr>
-          <p:cNvPr id="13" name="Rectangle 12">
-            <a:extLst>
-              <a:ext uri="{FF2B5EF4-FFF2-40B4-BE49-F238E27FC236}">
-                <a16:creationId xmlns:a16="http://schemas.microsoft.com/office/drawing/2014/main" id="{B07103F4-AFE6-4DC5-8934-DA3F400030CF}"/>
-              </a:ext>
-              <a:ext uri="{C183D7F6-B498-43B3-948B-1728B52AA6E4}">
-                <adec:decorative xmlns:adec="http://schemas.microsoft.com/office/drawing/2017/decorative" val="1"/>
-              </a:ext>
-            </a:extLst>
-          </p:cNvPr>
-          <p:cNvSpPr>
-            <a:spLocks noGrp="1" noRot="1" noChangeAspect="1" noMove="1" noResize="1" noEditPoints="1" noAdjustHandles="1" noChangeArrowheads="1" noChangeShapeType="1" noTextEdit="1"/>
-          </p:cNvSpPr>
-          <p:nvPr>
-            <p:extLst>
-              <p:ext uri="{386F3935-93C4-4BCD-93E2-E3B085C9AB24}">
-                <p16:designElem xmlns:p16="http://schemas.microsoft.com/office/powerpoint/2015/main" val="1"/>
-              </p:ext>
-            </p:extLst>
-          </p:nvPr>
-        </p:nvSpPr>
-        <p:spPr>
-          <a:xfrm>
-            <a:off x="478095" y="376"/>
-            <a:ext cx="228600" cy="6858000"/>
-          </a:xfrm>
-          <a:prstGeom prst="rect">
-            <a:avLst/>
-          </a:prstGeom>
-          <a:solidFill>
-            <a:schemeClr val="tx2"/>
-          </a:solidFill>
-          <a:ln>
-            <a:noFill/>
-          </a:ln>
-        </p:spPr>
-        <p:style>
-          <a:lnRef idx="2">
-            <a:schemeClr val="accent1">
-              <a:shade val="50000"/>
-            </a:schemeClr>
-          </a:lnRef>
-          <a:fillRef idx="1">
-            <a:schemeClr val="accent1"/>
-          </a:fillRef>
-          <a:effectRef idx="0">
-            <a:schemeClr val="accent1"/>
-          </a:effectRef>
-          <a:fontRef idx="minor">
-            <a:schemeClr val="lt1"/>
-          </a:fontRef>
-        </p:style>
-      </p:sp>
-      <p:sp>
-        <p:nvSpPr>
           <p:cNvPr id="2" name="Title 1">
             <a:extLst>
               <a:ext uri="{FF2B5EF4-FFF2-40B4-BE49-F238E27FC236}">
@@ -6836,58 +6820,42 @@
       </p:sp>
       <p:sp>
         <p:nvSpPr>
-          <p:cNvPr id="15" name="Rectangle 14">
+          <p:cNvPr id="3" name="Content Placeholder 2">
             <a:extLst>
               <a:ext uri="{FF2B5EF4-FFF2-40B4-BE49-F238E27FC236}">
-                <a16:creationId xmlns:a16="http://schemas.microsoft.com/office/drawing/2014/main" id="{1F4C3E1F-F848-429E-A6D6-86E45FBD38E7}"/>
-              </a:ext>
-              <a:ext uri="{C183D7F6-B498-43B3-948B-1728B52AA6E4}">
-                <adec:decorative xmlns:adec="http://schemas.microsoft.com/office/drawing/2017/decorative" val="1"/>
+                <a16:creationId xmlns:a16="http://schemas.microsoft.com/office/drawing/2014/main" id="{F16460D2-296B-44C9-9B00-378E1E25D42F}"/>
               </a:ext>
             </a:extLst>
           </p:cNvPr>
           <p:cNvSpPr>
-            <a:spLocks noGrp="1" noRot="1" noChangeAspect="1" noMove="1" noResize="1" noEditPoints="1" noAdjustHandles="1" noChangeArrowheads="1" noChangeShapeType="1" noTextEdit="1"/>
-          </p:cNvSpPr>
-          <p:nvPr>
-            <p:extLst>
-              <p:ext uri="{386F3935-93C4-4BCD-93E2-E3B085C9AB24}">
-                <p16:designElem xmlns:p16="http://schemas.microsoft.com/office/powerpoint/2015/main" val="1"/>
-              </p:ext>
-            </p:extLst>
+            <a:spLocks noGrp="1"/>
+          </p:cNvSpPr>
+          <p:nvPr>
+            <p:ph sz="half" idx="1"/>
           </p:nvPr>
         </p:nvSpPr>
         <p:spPr>
           <a:xfrm>
-            <a:off x="478095" y="376"/>
-            <a:ext cx="228600" cy="6858000"/>
+            <a:off x="6389914" y="2286000"/>
+            <a:ext cx="5127172" cy="3581400"/>
           </a:xfrm>
-          <a:prstGeom prst="rect">
-            <a:avLst/>
-          </a:prstGeom>
-          <a:solidFill>
-            <a:schemeClr val="tx2"/>
-          </a:solidFill>
-          <a:ln>
-            <a:noFill/>
-          </a:ln>
         </p:spPr>
-        <p:style>
-          <a:lnRef idx="2">
-            <a:schemeClr val="accent1">
-              <a:shade val="50000"/>
-            </a:schemeClr>
-          </a:lnRef>
-          <a:fillRef idx="1">
-            <a:schemeClr val="accent1"/>
-          </a:fillRef>
-          <a:effectRef idx="0">
-            <a:schemeClr val="accent1"/>
-          </a:effectRef>
-          <a:fontRef idx="minor">
-            <a:schemeClr val="lt1"/>
-          </a:fontRef>
-        </p:style>
+        <p:txBody>
+          <a:bodyPr vert="horz" lIns="91440" tIns="45720" rIns="91440" bIns="45720" rtlCol="0">
+            <a:normAutofit/>
+          </a:bodyPr>
+          <a:lstStyle/>
+          <a:p>
+            <a:r>
+              <a:rPr lang="en-US"/>
+              <a:t>5001 Input Layer Features</a:t>
+            </a:r>
+          </a:p>
+          <a:p>
+            <a:pPr marL="384048" lvl="1"/>
+            <a:endParaRPr lang="en-US"/>
+          </a:p>
+        </p:txBody>
       </p:sp>
       <p:pic>
         <p:nvPicPr>
@@ -6920,45 +6888,6 @@
           </a:prstGeom>
         </p:spPr>
       </p:pic>
-      <p:sp>
-        <p:nvSpPr>
-          <p:cNvPr id="3" name="Content Placeholder 2">
-            <a:extLst>
-              <a:ext uri="{FF2B5EF4-FFF2-40B4-BE49-F238E27FC236}">
-                <a16:creationId xmlns:a16="http://schemas.microsoft.com/office/drawing/2014/main" id="{F16460D2-296B-44C9-9B00-378E1E25D42F}"/>
-              </a:ext>
-            </a:extLst>
-          </p:cNvPr>
-          <p:cNvSpPr>
-            <a:spLocks noGrp="1"/>
-          </p:cNvSpPr>
-          <p:nvPr>
-            <p:ph sz="half" idx="1"/>
-          </p:nvPr>
-        </p:nvSpPr>
-        <p:spPr>
-          <a:xfrm>
-            <a:off x="6389914" y="2286000"/>
-            <a:ext cx="5127172" cy="3581400"/>
-          </a:xfrm>
-        </p:spPr>
-        <p:txBody>
-          <a:bodyPr vert="horz" lIns="91440" tIns="45720" rIns="91440" bIns="45720" rtlCol="0">
-            <a:normAutofit/>
-          </a:bodyPr>
-          <a:lstStyle/>
-          <a:p>
-            <a:r>
-              <a:rPr lang="en-US"/>
-              <a:t>5001 Input Layer Features</a:t>
-            </a:r>
-          </a:p>
-          <a:p>
-            <a:pPr marL="384048" lvl="1"/>
-            <a:endParaRPr lang="en-US"/>
-          </a:p>
-        </p:txBody>
-      </p:sp>
     </p:spTree>
     <p:extLst>
       <p:ext uri="{BB962C8B-B14F-4D97-AF65-F5344CB8AC3E}">
@@ -6999,61 +6928,6 @@
       </p:grpSpPr>
       <p:sp>
         <p:nvSpPr>
-          <p:cNvPr id="12" name="Rectangle 11">
-            <a:extLst>
-              <a:ext uri="{FF2B5EF4-FFF2-40B4-BE49-F238E27FC236}">
-                <a16:creationId xmlns:a16="http://schemas.microsoft.com/office/drawing/2014/main" id="{B07103F4-AFE6-4DC5-8934-DA3F400030CF}"/>
-              </a:ext>
-              <a:ext uri="{C183D7F6-B498-43B3-948B-1728B52AA6E4}">
-                <adec:decorative xmlns:adec="http://schemas.microsoft.com/office/drawing/2017/decorative" val="1"/>
-              </a:ext>
-            </a:extLst>
-          </p:cNvPr>
-          <p:cNvSpPr>
-            <a:spLocks noGrp="1" noRot="1" noChangeAspect="1" noMove="1" noResize="1" noEditPoints="1" noAdjustHandles="1" noChangeArrowheads="1" noChangeShapeType="1" noTextEdit="1"/>
-          </p:cNvSpPr>
-          <p:nvPr>
-            <p:extLst>
-              <p:ext uri="{386F3935-93C4-4BCD-93E2-E3B085C9AB24}">
-                <p16:designElem xmlns:p16="http://schemas.microsoft.com/office/powerpoint/2015/main" val="1"/>
-              </p:ext>
-            </p:extLst>
-          </p:nvPr>
-        </p:nvSpPr>
-        <p:spPr>
-          <a:xfrm>
-            <a:off x="478095" y="376"/>
-            <a:ext cx="228600" cy="6858000"/>
-          </a:xfrm>
-          <a:prstGeom prst="rect">
-            <a:avLst/>
-          </a:prstGeom>
-          <a:solidFill>
-            <a:schemeClr val="tx2"/>
-          </a:solidFill>
-          <a:ln>
-            <a:noFill/>
-          </a:ln>
-        </p:spPr>
-        <p:style>
-          <a:lnRef idx="2">
-            <a:schemeClr val="accent1">
-              <a:shade val="50000"/>
-            </a:schemeClr>
-          </a:lnRef>
-          <a:fillRef idx="1">
-            <a:schemeClr val="accent1"/>
-          </a:fillRef>
-          <a:effectRef idx="0">
-            <a:schemeClr val="accent1"/>
-          </a:effectRef>
-          <a:fontRef idx="minor">
-            <a:schemeClr val="lt1"/>
-          </a:fontRef>
-        </p:style>
-      </p:sp>
-      <p:sp>
-        <p:nvSpPr>
           <p:cNvPr id="2" name="Title 1">
             <a:extLst>
               <a:ext uri="{FF2B5EF4-FFF2-40B4-BE49-F238E27FC236}">
@@ -7089,58 +6963,42 @@
       </p:sp>
       <p:sp>
         <p:nvSpPr>
-          <p:cNvPr id="14" name="Rectangle 13">
+          <p:cNvPr id="3" name="Content Placeholder 2">
             <a:extLst>
               <a:ext uri="{FF2B5EF4-FFF2-40B4-BE49-F238E27FC236}">
-                <a16:creationId xmlns:a16="http://schemas.microsoft.com/office/drawing/2014/main" id="{1F4C3E1F-F848-429E-A6D6-86E45FBD38E7}"/>
-              </a:ext>
-              <a:ext uri="{C183D7F6-B498-43B3-948B-1728B52AA6E4}">
-                <adec:decorative xmlns:adec="http://schemas.microsoft.com/office/drawing/2017/decorative" val="1"/>
+                <a16:creationId xmlns:a16="http://schemas.microsoft.com/office/drawing/2014/main" id="{F16460D2-296B-44C9-9B00-378E1E25D42F}"/>
               </a:ext>
             </a:extLst>
           </p:cNvPr>
           <p:cNvSpPr>
-            <a:spLocks noGrp="1" noRot="1" noChangeAspect="1" noMove="1" noResize="1" noEditPoints="1" noAdjustHandles="1" noChangeArrowheads="1" noChangeShapeType="1" noTextEdit="1"/>
-          </p:cNvSpPr>
-          <p:nvPr>
-            <p:extLst>
-              <p:ext uri="{386F3935-93C4-4BCD-93E2-E3B085C9AB24}">
-                <p16:designElem xmlns:p16="http://schemas.microsoft.com/office/powerpoint/2015/main" val="1"/>
-              </p:ext>
-            </p:extLst>
+            <a:spLocks noGrp="1"/>
+          </p:cNvSpPr>
+          <p:nvPr>
+            <p:ph sz="half" idx="1"/>
           </p:nvPr>
         </p:nvSpPr>
         <p:spPr>
           <a:xfrm>
-            <a:off x="478095" y="376"/>
-            <a:ext cx="228600" cy="6858000"/>
+            <a:off x="6389914" y="2286000"/>
+            <a:ext cx="5127172" cy="3581400"/>
           </a:xfrm>
-          <a:prstGeom prst="rect">
-            <a:avLst/>
-          </a:prstGeom>
-          <a:solidFill>
-            <a:schemeClr val="tx2"/>
-          </a:solidFill>
-          <a:ln>
-            <a:noFill/>
-          </a:ln>
         </p:spPr>
-        <p:style>
-          <a:lnRef idx="2">
-            <a:schemeClr val="accent1">
-              <a:shade val="50000"/>
-            </a:schemeClr>
-          </a:lnRef>
-          <a:fillRef idx="1">
-            <a:schemeClr val="accent1"/>
-          </a:fillRef>
-          <a:effectRef idx="0">
-            <a:schemeClr val="accent1"/>
-          </a:effectRef>
-          <a:fontRef idx="minor">
-            <a:schemeClr val="lt1"/>
-          </a:fontRef>
-        </p:style>
+        <p:txBody>
+          <a:bodyPr vert="horz" lIns="91440" tIns="45720" rIns="91440" bIns="45720" rtlCol="0">
+            <a:normAutofit/>
+          </a:bodyPr>
+          <a:lstStyle/>
+          <a:p>
+            <a:r>
+              <a:rPr lang="en-US"/>
+              <a:t>5001 Input Layer Features</a:t>
+            </a:r>
+          </a:p>
+          <a:p>
+            <a:pPr marL="384048" lvl="1"/>
+            <a:endParaRPr lang="en-US"/>
+          </a:p>
+        </p:txBody>
       </p:sp>
       <p:pic>
         <p:nvPicPr>
@@ -7173,45 +7031,6 @@
           </a:prstGeom>
         </p:spPr>
       </p:pic>
-      <p:sp>
-        <p:nvSpPr>
-          <p:cNvPr id="3" name="Content Placeholder 2">
-            <a:extLst>
-              <a:ext uri="{FF2B5EF4-FFF2-40B4-BE49-F238E27FC236}">
-                <a16:creationId xmlns:a16="http://schemas.microsoft.com/office/drawing/2014/main" id="{F16460D2-296B-44C9-9B00-378E1E25D42F}"/>
-              </a:ext>
-            </a:extLst>
-          </p:cNvPr>
-          <p:cNvSpPr>
-            <a:spLocks noGrp="1"/>
-          </p:cNvSpPr>
-          <p:nvPr>
-            <p:ph sz="half" idx="1"/>
-          </p:nvPr>
-        </p:nvSpPr>
-        <p:spPr>
-          <a:xfrm>
-            <a:off x="6389914" y="2286000"/>
-            <a:ext cx="5127172" cy="3581400"/>
-          </a:xfrm>
-        </p:spPr>
-        <p:txBody>
-          <a:bodyPr vert="horz" lIns="91440" tIns="45720" rIns="91440" bIns="45720" rtlCol="0">
-            <a:normAutofit/>
-          </a:bodyPr>
-          <a:lstStyle/>
-          <a:p>
-            <a:r>
-              <a:rPr lang="en-US"/>
-              <a:t>5001 Input Layer Features</a:t>
-            </a:r>
-          </a:p>
-          <a:p>
-            <a:pPr marL="384048" lvl="1"/>
-            <a:endParaRPr lang="en-US"/>
-          </a:p>
-        </p:txBody>
-      </p:sp>
     </p:spTree>
     <p:extLst>
       <p:ext uri="{BB962C8B-B14F-4D97-AF65-F5344CB8AC3E}">
@@ -7365,61 +7184,6 @@
       </p:grpSpPr>
       <p:sp>
         <p:nvSpPr>
-          <p:cNvPr id="17" name="Rectangle 12">
-            <a:extLst>
-              <a:ext uri="{FF2B5EF4-FFF2-40B4-BE49-F238E27FC236}">
-                <a16:creationId xmlns:a16="http://schemas.microsoft.com/office/drawing/2014/main" id="{B07103F4-AFE6-4DC5-8934-DA3F400030CF}"/>
-              </a:ext>
-              <a:ext uri="{C183D7F6-B498-43B3-948B-1728B52AA6E4}">
-                <adec:decorative xmlns:adec="http://schemas.microsoft.com/office/drawing/2017/decorative" val="1"/>
-              </a:ext>
-            </a:extLst>
-          </p:cNvPr>
-          <p:cNvSpPr>
-            <a:spLocks noGrp="1" noRot="1" noChangeAspect="1" noMove="1" noResize="1" noEditPoints="1" noAdjustHandles="1" noChangeArrowheads="1" noChangeShapeType="1" noTextEdit="1"/>
-          </p:cNvSpPr>
-          <p:nvPr>
-            <p:extLst>
-              <p:ext uri="{386F3935-93C4-4BCD-93E2-E3B085C9AB24}">
-                <p16:designElem xmlns:p16="http://schemas.microsoft.com/office/powerpoint/2015/main" val="1"/>
-              </p:ext>
-            </p:extLst>
-          </p:nvPr>
-        </p:nvSpPr>
-        <p:spPr>
-          <a:xfrm>
-            <a:off x="478095" y="376"/>
-            <a:ext cx="228600" cy="6858000"/>
-          </a:xfrm>
-          <a:prstGeom prst="rect">
-            <a:avLst/>
-          </a:prstGeom>
-          <a:solidFill>
-            <a:schemeClr val="tx2"/>
-          </a:solidFill>
-          <a:ln>
-            <a:noFill/>
-          </a:ln>
-        </p:spPr>
-        <p:style>
-          <a:lnRef idx="2">
-            <a:schemeClr val="accent1">
-              <a:shade val="50000"/>
-            </a:schemeClr>
-          </a:lnRef>
-          <a:fillRef idx="1">
-            <a:schemeClr val="accent1"/>
-          </a:fillRef>
-          <a:effectRef idx="0">
-            <a:schemeClr val="accent1"/>
-          </a:effectRef>
-          <a:fontRef idx="minor">
-            <a:schemeClr val="lt1"/>
-          </a:fontRef>
-        </p:style>
-      </p:sp>
-      <p:sp>
-        <p:nvSpPr>
           <p:cNvPr id="2" name="Title 1">
             <a:extLst>
               <a:ext uri="{FF2B5EF4-FFF2-40B4-BE49-F238E27FC236}">
@@ -7455,58 +7219,59 @@
       </p:sp>
       <p:sp>
         <p:nvSpPr>
-          <p:cNvPr id="18" name="Rectangle 14">
+          <p:cNvPr id="3" name="Content Placeholder 2">
             <a:extLst>
               <a:ext uri="{FF2B5EF4-FFF2-40B4-BE49-F238E27FC236}">
-                <a16:creationId xmlns:a16="http://schemas.microsoft.com/office/drawing/2014/main" id="{1F4C3E1F-F848-429E-A6D6-86E45FBD38E7}"/>
-              </a:ext>
-              <a:ext uri="{C183D7F6-B498-43B3-948B-1728B52AA6E4}">
-                <adec:decorative xmlns:adec="http://schemas.microsoft.com/office/drawing/2017/decorative" val="1"/>
+                <a16:creationId xmlns:a16="http://schemas.microsoft.com/office/drawing/2014/main" id="{F16460D2-296B-44C9-9B00-378E1E25D42F}"/>
               </a:ext>
             </a:extLst>
           </p:cNvPr>
           <p:cNvSpPr>
-            <a:spLocks noGrp="1" noRot="1" noChangeAspect="1" noMove="1" noResize="1" noEditPoints="1" noAdjustHandles="1" noChangeArrowheads="1" noChangeShapeType="1" noTextEdit="1"/>
-          </p:cNvSpPr>
-          <p:nvPr>
-            <p:extLst>
-              <p:ext uri="{386F3935-93C4-4BCD-93E2-E3B085C9AB24}">
-                <p16:designElem xmlns:p16="http://schemas.microsoft.com/office/powerpoint/2015/main" val="1"/>
-              </p:ext>
-            </p:extLst>
+            <a:spLocks noGrp="1"/>
+          </p:cNvSpPr>
+          <p:nvPr>
+            <p:ph sz="half" idx="1"/>
           </p:nvPr>
         </p:nvSpPr>
         <p:spPr>
           <a:xfrm>
-            <a:off x="478095" y="376"/>
-            <a:ext cx="228600" cy="6858000"/>
+            <a:off x="6389914" y="2286000"/>
+            <a:ext cx="5127172" cy="3581400"/>
           </a:xfrm>
-          <a:prstGeom prst="rect">
-            <a:avLst/>
-          </a:prstGeom>
-          <a:solidFill>
-            <a:schemeClr val="tx2"/>
-          </a:solidFill>
-          <a:ln>
-            <a:noFill/>
-          </a:ln>
         </p:spPr>
-        <p:style>
-          <a:lnRef idx="2">
-            <a:schemeClr val="accent1">
-              <a:shade val="50000"/>
-            </a:schemeClr>
-          </a:lnRef>
-          <a:fillRef idx="1">
-            <a:schemeClr val="accent1"/>
-          </a:fillRef>
-          <a:effectRef idx="0">
-            <a:schemeClr val="accent1"/>
-          </a:effectRef>
-          <a:fontRef idx="minor">
-            <a:schemeClr val="lt1"/>
-          </a:fontRef>
-        </p:style>
+        <p:txBody>
+          <a:bodyPr vert="horz" lIns="91440" tIns="45720" rIns="91440" bIns="45720" rtlCol="0">
+            <a:normAutofit/>
+          </a:bodyPr>
+          <a:lstStyle/>
+          <a:p>
+            <a:r>
+              <a:rPr lang="en-US"/>
+              <a:t>5001 Input Layer Features</a:t>
+            </a:r>
+          </a:p>
+          <a:p>
+            <a:endParaRPr lang="en-US"/>
+          </a:p>
+          <a:p>
+            <a:r>
+              <a:rPr lang="en-US"/>
+              <a:t>A Main Diagonal appears </a:t>
+            </a:r>
+            <a:r>
+              <a:rPr lang="en-US" i="1"/>
+              <a:t>slightly</a:t>
+            </a:r>
+            <a:endParaRPr lang="en-US"/>
+          </a:p>
+          <a:p>
+            <a:endParaRPr lang="en-US"/>
+          </a:p>
+          <a:p>
+            <a:pPr marL="384048" lvl="1"/>
+            <a:endParaRPr lang="en-US"/>
+          </a:p>
+        </p:txBody>
       </p:sp>
       <p:pic>
         <p:nvPicPr>
@@ -7539,62 +7304,6 @@
           </a:prstGeom>
         </p:spPr>
       </p:pic>
-      <p:sp>
-        <p:nvSpPr>
-          <p:cNvPr id="3" name="Content Placeholder 2">
-            <a:extLst>
-              <a:ext uri="{FF2B5EF4-FFF2-40B4-BE49-F238E27FC236}">
-                <a16:creationId xmlns:a16="http://schemas.microsoft.com/office/drawing/2014/main" id="{F16460D2-296B-44C9-9B00-378E1E25D42F}"/>
-              </a:ext>
-            </a:extLst>
-          </p:cNvPr>
-          <p:cNvSpPr>
-            <a:spLocks noGrp="1"/>
-          </p:cNvSpPr>
-          <p:nvPr>
-            <p:ph sz="half" idx="1"/>
-          </p:nvPr>
-        </p:nvSpPr>
-        <p:spPr>
-          <a:xfrm>
-            <a:off x="6389914" y="2286000"/>
-            <a:ext cx="5127172" cy="3581400"/>
-          </a:xfrm>
-        </p:spPr>
-        <p:txBody>
-          <a:bodyPr vert="horz" lIns="91440" tIns="45720" rIns="91440" bIns="45720" rtlCol="0">
-            <a:normAutofit/>
-          </a:bodyPr>
-          <a:lstStyle/>
-          <a:p>
-            <a:r>
-              <a:rPr lang="en-US"/>
-              <a:t>5001 Input Layer Features</a:t>
-            </a:r>
-          </a:p>
-          <a:p>
-            <a:endParaRPr lang="en-US"/>
-          </a:p>
-          <a:p>
-            <a:r>
-              <a:rPr lang="en-US"/>
-              <a:t>A Main Diagonal appears </a:t>
-            </a:r>
-            <a:r>
-              <a:rPr lang="en-US" i="1"/>
-              <a:t>slightly</a:t>
-            </a:r>
-            <a:endParaRPr lang="en-US"/>
-          </a:p>
-          <a:p>
-            <a:endParaRPr lang="en-US"/>
-          </a:p>
-          <a:p>
-            <a:pPr marL="384048" lvl="1"/>
-            <a:endParaRPr lang="en-US"/>
-          </a:p>
-        </p:txBody>
-      </p:sp>
     </p:spTree>
     <p:extLst>
       <p:ext uri="{BB962C8B-B14F-4D97-AF65-F5344CB8AC3E}">
@@ -7635,61 +7344,6 @@
       </p:grpSpPr>
       <p:sp>
         <p:nvSpPr>
-          <p:cNvPr id="12" name="Rectangle 11">
-            <a:extLst>
-              <a:ext uri="{FF2B5EF4-FFF2-40B4-BE49-F238E27FC236}">
-                <a16:creationId xmlns:a16="http://schemas.microsoft.com/office/drawing/2014/main" id="{B07103F4-AFE6-4DC5-8934-DA3F400030CF}"/>
-              </a:ext>
-              <a:ext uri="{C183D7F6-B498-43B3-948B-1728B52AA6E4}">
-                <adec:decorative xmlns:adec="http://schemas.microsoft.com/office/drawing/2017/decorative" val="1"/>
-              </a:ext>
-            </a:extLst>
-          </p:cNvPr>
-          <p:cNvSpPr>
-            <a:spLocks noGrp="1" noRot="1" noChangeAspect="1" noMove="1" noResize="1" noEditPoints="1" noAdjustHandles="1" noChangeArrowheads="1" noChangeShapeType="1" noTextEdit="1"/>
-          </p:cNvSpPr>
-          <p:nvPr>
-            <p:extLst>
-              <p:ext uri="{386F3935-93C4-4BCD-93E2-E3B085C9AB24}">
-                <p16:designElem xmlns:p16="http://schemas.microsoft.com/office/powerpoint/2015/main" val="1"/>
-              </p:ext>
-            </p:extLst>
-          </p:nvPr>
-        </p:nvSpPr>
-        <p:spPr>
-          <a:xfrm>
-            <a:off x="478095" y="376"/>
-            <a:ext cx="228600" cy="6858000"/>
-          </a:xfrm>
-          <a:prstGeom prst="rect">
-            <a:avLst/>
-          </a:prstGeom>
-          <a:solidFill>
-            <a:schemeClr val="tx2"/>
-          </a:solidFill>
-          <a:ln>
-            <a:noFill/>
-          </a:ln>
-        </p:spPr>
-        <p:style>
-          <a:lnRef idx="2">
-            <a:schemeClr val="accent1">
-              <a:shade val="50000"/>
-            </a:schemeClr>
-          </a:lnRef>
-          <a:fillRef idx="1">
-            <a:schemeClr val="accent1"/>
-          </a:fillRef>
-          <a:effectRef idx="0">
-            <a:schemeClr val="accent1"/>
-          </a:effectRef>
-          <a:fontRef idx="minor">
-            <a:schemeClr val="lt1"/>
-          </a:fontRef>
-        </p:style>
-      </p:sp>
-      <p:sp>
-        <p:nvSpPr>
           <p:cNvPr id="2" name="Title 1">
             <a:extLst>
               <a:ext uri="{FF2B5EF4-FFF2-40B4-BE49-F238E27FC236}">
@@ -7725,58 +7379,42 @@
       </p:sp>
       <p:sp>
         <p:nvSpPr>
-          <p:cNvPr id="14" name="Rectangle 13">
+          <p:cNvPr id="3" name="Content Placeholder 2">
             <a:extLst>
               <a:ext uri="{FF2B5EF4-FFF2-40B4-BE49-F238E27FC236}">
-                <a16:creationId xmlns:a16="http://schemas.microsoft.com/office/drawing/2014/main" id="{1F4C3E1F-F848-429E-A6D6-86E45FBD38E7}"/>
-              </a:ext>
-              <a:ext uri="{C183D7F6-B498-43B3-948B-1728B52AA6E4}">
-                <adec:decorative xmlns:adec="http://schemas.microsoft.com/office/drawing/2017/decorative" val="1"/>
+                <a16:creationId xmlns:a16="http://schemas.microsoft.com/office/drawing/2014/main" id="{F16460D2-296B-44C9-9B00-378E1E25D42F}"/>
               </a:ext>
             </a:extLst>
           </p:cNvPr>
           <p:cNvSpPr>
-            <a:spLocks noGrp="1" noRot="1" noChangeAspect="1" noMove="1" noResize="1" noEditPoints="1" noAdjustHandles="1" noChangeArrowheads="1" noChangeShapeType="1" noTextEdit="1"/>
-          </p:cNvSpPr>
-          <p:nvPr>
-            <p:extLst>
-              <p:ext uri="{386F3935-93C4-4BCD-93E2-E3B085C9AB24}">
-                <p16:designElem xmlns:p16="http://schemas.microsoft.com/office/powerpoint/2015/main" val="1"/>
-              </p:ext>
-            </p:extLst>
+            <a:spLocks noGrp="1"/>
+          </p:cNvSpPr>
+          <p:nvPr>
+            <p:ph sz="half" idx="1"/>
           </p:nvPr>
         </p:nvSpPr>
         <p:spPr>
           <a:xfrm>
-            <a:off x="478095" y="376"/>
-            <a:ext cx="228600" cy="6858000"/>
+            <a:off x="6389914" y="2286000"/>
+            <a:ext cx="5127172" cy="3581400"/>
           </a:xfrm>
-          <a:prstGeom prst="rect">
-            <a:avLst/>
-          </a:prstGeom>
-          <a:solidFill>
-            <a:schemeClr val="tx2"/>
-          </a:solidFill>
-          <a:ln>
-            <a:noFill/>
-          </a:ln>
         </p:spPr>
-        <p:style>
-          <a:lnRef idx="2">
-            <a:schemeClr val="accent1">
-              <a:shade val="50000"/>
-            </a:schemeClr>
-          </a:lnRef>
-          <a:fillRef idx="1">
-            <a:schemeClr val="accent1"/>
-          </a:fillRef>
-          <a:effectRef idx="0">
-            <a:schemeClr val="accent1"/>
-          </a:effectRef>
-          <a:fontRef idx="minor">
-            <a:schemeClr val="lt1"/>
-          </a:fontRef>
-        </p:style>
+        <p:txBody>
+          <a:bodyPr vert="horz" lIns="91440" tIns="45720" rIns="91440" bIns="45720" rtlCol="0">
+            <a:normAutofit/>
+          </a:bodyPr>
+          <a:lstStyle/>
+          <a:p>
+            <a:r>
+              <a:rPr lang="en-US"/>
+              <a:t>5001 Input Layer Features</a:t>
+            </a:r>
+          </a:p>
+          <a:p>
+            <a:pPr marL="384048" lvl="1"/>
+            <a:endParaRPr lang="en-US"/>
+          </a:p>
+        </p:txBody>
       </p:sp>
       <p:pic>
         <p:nvPicPr>
@@ -7809,45 +7447,6 @@
           </a:prstGeom>
         </p:spPr>
       </p:pic>
-      <p:sp>
-        <p:nvSpPr>
-          <p:cNvPr id="3" name="Content Placeholder 2">
-            <a:extLst>
-              <a:ext uri="{FF2B5EF4-FFF2-40B4-BE49-F238E27FC236}">
-                <a16:creationId xmlns:a16="http://schemas.microsoft.com/office/drawing/2014/main" id="{F16460D2-296B-44C9-9B00-378E1E25D42F}"/>
-              </a:ext>
-            </a:extLst>
-          </p:cNvPr>
-          <p:cNvSpPr>
-            <a:spLocks noGrp="1"/>
-          </p:cNvSpPr>
-          <p:nvPr>
-            <p:ph sz="half" idx="1"/>
-          </p:nvPr>
-        </p:nvSpPr>
-        <p:spPr>
-          <a:xfrm>
-            <a:off x="6389914" y="2286000"/>
-            <a:ext cx="5127172" cy="3581400"/>
-          </a:xfrm>
-        </p:spPr>
-        <p:txBody>
-          <a:bodyPr vert="horz" lIns="91440" tIns="45720" rIns="91440" bIns="45720" rtlCol="0">
-            <a:normAutofit/>
-          </a:bodyPr>
-          <a:lstStyle/>
-          <a:p>
-            <a:r>
-              <a:rPr lang="en-US"/>
-              <a:t>5001 Input Layer Features</a:t>
-            </a:r>
-          </a:p>
-          <a:p>
-            <a:pPr marL="384048" lvl="1"/>
-            <a:endParaRPr lang="en-US"/>
-          </a:p>
-        </p:txBody>
-      </p:sp>
     </p:spTree>
     <p:extLst>
       <p:ext uri="{BB962C8B-B14F-4D97-AF65-F5344CB8AC3E}">
@@ -7888,61 +7487,6 @@
       </p:grpSpPr>
       <p:sp>
         <p:nvSpPr>
-          <p:cNvPr id="13" name="Rectangle 12">
-            <a:extLst>
-              <a:ext uri="{FF2B5EF4-FFF2-40B4-BE49-F238E27FC236}">
-                <a16:creationId xmlns:a16="http://schemas.microsoft.com/office/drawing/2014/main" id="{B07103F4-AFE6-4DC5-8934-DA3F400030CF}"/>
-              </a:ext>
-              <a:ext uri="{C183D7F6-B498-43B3-948B-1728B52AA6E4}">
-                <adec:decorative xmlns:adec="http://schemas.microsoft.com/office/drawing/2017/decorative" val="1"/>
-              </a:ext>
-            </a:extLst>
-          </p:cNvPr>
-          <p:cNvSpPr>
-            <a:spLocks noGrp="1" noRot="1" noChangeAspect="1" noMove="1" noResize="1" noEditPoints="1" noAdjustHandles="1" noChangeArrowheads="1" noChangeShapeType="1" noTextEdit="1"/>
-          </p:cNvSpPr>
-          <p:nvPr>
-            <p:extLst>
-              <p:ext uri="{386F3935-93C4-4BCD-93E2-E3B085C9AB24}">
-                <p16:designElem xmlns:p16="http://schemas.microsoft.com/office/powerpoint/2015/main" val="1"/>
-              </p:ext>
-            </p:extLst>
-          </p:nvPr>
-        </p:nvSpPr>
-        <p:spPr>
-          <a:xfrm>
-            <a:off x="478095" y="376"/>
-            <a:ext cx="228600" cy="6858000"/>
-          </a:xfrm>
-          <a:prstGeom prst="rect">
-            <a:avLst/>
-          </a:prstGeom>
-          <a:solidFill>
-            <a:schemeClr val="tx2"/>
-          </a:solidFill>
-          <a:ln>
-            <a:noFill/>
-          </a:ln>
-        </p:spPr>
-        <p:style>
-          <a:lnRef idx="2">
-            <a:schemeClr val="accent1">
-              <a:shade val="50000"/>
-            </a:schemeClr>
-          </a:lnRef>
-          <a:fillRef idx="1">
-            <a:schemeClr val="accent1"/>
-          </a:fillRef>
-          <a:effectRef idx="0">
-            <a:schemeClr val="accent1"/>
-          </a:effectRef>
-          <a:fontRef idx="minor">
-            <a:schemeClr val="lt1"/>
-          </a:fontRef>
-        </p:style>
-      </p:sp>
-      <p:sp>
-        <p:nvSpPr>
           <p:cNvPr id="2" name="Title 1">
             <a:extLst>
               <a:ext uri="{FF2B5EF4-FFF2-40B4-BE49-F238E27FC236}">
@@ -7978,58 +7522,75 @@
       </p:sp>
       <p:sp>
         <p:nvSpPr>
-          <p:cNvPr id="15" name="Rectangle 14">
+          <p:cNvPr id="3" name="Content Placeholder 2">
             <a:extLst>
               <a:ext uri="{FF2B5EF4-FFF2-40B4-BE49-F238E27FC236}">
-                <a16:creationId xmlns:a16="http://schemas.microsoft.com/office/drawing/2014/main" id="{1F4C3E1F-F848-429E-A6D6-86E45FBD38E7}"/>
-              </a:ext>
-              <a:ext uri="{C183D7F6-B498-43B3-948B-1728B52AA6E4}">
-                <adec:decorative xmlns:adec="http://schemas.microsoft.com/office/drawing/2017/decorative" val="1"/>
+                <a16:creationId xmlns:a16="http://schemas.microsoft.com/office/drawing/2014/main" id="{F16460D2-296B-44C9-9B00-378E1E25D42F}"/>
               </a:ext>
             </a:extLst>
           </p:cNvPr>
           <p:cNvSpPr>
-            <a:spLocks noGrp="1" noRot="1" noChangeAspect="1" noMove="1" noResize="1" noEditPoints="1" noAdjustHandles="1" noChangeArrowheads="1" noChangeShapeType="1" noTextEdit="1"/>
-          </p:cNvSpPr>
-          <p:nvPr>
-            <p:extLst>
-              <p:ext uri="{386F3935-93C4-4BCD-93E2-E3B085C9AB24}">
-                <p16:designElem xmlns:p16="http://schemas.microsoft.com/office/powerpoint/2015/main" val="1"/>
-              </p:ext>
-            </p:extLst>
+            <a:spLocks noGrp="1"/>
+          </p:cNvSpPr>
+          <p:nvPr>
+            <p:ph sz="half" idx="1"/>
           </p:nvPr>
         </p:nvSpPr>
         <p:spPr>
           <a:xfrm>
-            <a:off x="478095" y="376"/>
-            <a:ext cx="228600" cy="6858000"/>
+            <a:off x="6389914" y="2286000"/>
+            <a:ext cx="5127172" cy="3581400"/>
           </a:xfrm>
-          <a:prstGeom prst="rect">
-            <a:avLst/>
-          </a:prstGeom>
-          <a:solidFill>
-            <a:schemeClr val="tx2"/>
-          </a:solidFill>
-          <a:ln>
-            <a:noFill/>
-          </a:ln>
         </p:spPr>
-        <p:style>
-          <a:lnRef idx="2">
-            <a:schemeClr val="accent1">
-              <a:shade val="50000"/>
-            </a:schemeClr>
-          </a:lnRef>
-          <a:fillRef idx="1">
-            <a:schemeClr val="accent1"/>
-          </a:fillRef>
-          <a:effectRef idx="0">
-            <a:schemeClr val="accent1"/>
-          </a:effectRef>
-          <a:fontRef idx="minor">
-            <a:schemeClr val="lt1"/>
-          </a:fontRef>
-        </p:style>
+        <p:txBody>
+          <a:bodyPr vert="horz" lIns="91440" tIns="45720" rIns="91440" bIns="45720" rtlCol="0">
+            <a:normAutofit/>
+          </a:bodyPr>
+          <a:lstStyle/>
+          <a:p>
+            <a:r>
+              <a:rPr lang="en-US"/>
+              <a:t>5001 Input Layer Features</a:t>
+            </a:r>
+          </a:p>
+          <a:p>
+            <a:endParaRPr lang="en-US"/>
+          </a:p>
+          <a:p>
+            <a:r>
+              <a:rPr lang="en-US"/>
+              <a:t>Values almost exclusive to 3 columns</a:t>
+            </a:r>
+          </a:p>
+          <a:p>
+            <a:pPr marL="384048" lvl="1"/>
+            <a:r>
+              <a:rPr lang="en-US"/>
+              <a:t>1 = Salto Sax</a:t>
+            </a:r>
+          </a:p>
+          <a:p>
+            <a:pPr marL="384048" lvl="1"/>
+            <a:r>
+              <a:rPr lang="en-US"/>
+              <a:t>12 = Oboe</a:t>
+            </a:r>
+          </a:p>
+          <a:p>
+            <a:pPr marL="384048" lvl="1"/>
+            <a:r>
+              <a:rPr lang="en-US"/>
+              <a:t>18 = Violin</a:t>
+            </a:r>
+          </a:p>
+          <a:p>
+            <a:endParaRPr lang="en-US"/>
+          </a:p>
+          <a:p>
+            <a:pPr marL="384048" lvl="1"/>
+            <a:endParaRPr lang="en-US"/>
+          </a:p>
+        </p:txBody>
       </p:sp>
       <p:pic>
         <p:nvPicPr>
@@ -8062,78 +7623,6 @@
           </a:prstGeom>
         </p:spPr>
       </p:pic>
-      <p:sp>
-        <p:nvSpPr>
-          <p:cNvPr id="3" name="Content Placeholder 2">
-            <a:extLst>
-              <a:ext uri="{FF2B5EF4-FFF2-40B4-BE49-F238E27FC236}">
-                <a16:creationId xmlns:a16="http://schemas.microsoft.com/office/drawing/2014/main" id="{F16460D2-296B-44C9-9B00-378E1E25D42F}"/>
-              </a:ext>
-            </a:extLst>
-          </p:cNvPr>
-          <p:cNvSpPr>
-            <a:spLocks noGrp="1"/>
-          </p:cNvSpPr>
-          <p:nvPr>
-            <p:ph sz="half" idx="1"/>
-          </p:nvPr>
-        </p:nvSpPr>
-        <p:spPr>
-          <a:xfrm>
-            <a:off x="6389914" y="2286000"/>
-            <a:ext cx="5127172" cy="3581400"/>
-          </a:xfrm>
-        </p:spPr>
-        <p:txBody>
-          <a:bodyPr vert="horz" lIns="91440" tIns="45720" rIns="91440" bIns="45720" rtlCol="0">
-            <a:normAutofit/>
-          </a:bodyPr>
-          <a:lstStyle/>
-          <a:p>
-            <a:r>
-              <a:rPr lang="en-US"/>
-              <a:t>5001 Input Layer Features</a:t>
-            </a:r>
-          </a:p>
-          <a:p>
-            <a:endParaRPr lang="en-US"/>
-          </a:p>
-          <a:p>
-            <a:r>
-              <a:rPr lang="en-US"/>
-              <a:t>Values almost exclusive to 3 columns</a:t>
-            </a:r>
-          </a:p>
-          <a:p>
-            <a:pPr marL="384048" lvl="1"/>
-            <a:r>
-              <a:rPr lang="en-US"/>
-              <a:t>1 = Salto Sax</a:t>
-            </a:r>
-          </a:p>
-          <a:p>
-            <a:pPr marL="384048" lvl="1"/>
-            <a:r>
-              <a:rPr lang="en-US"/>
-              <a:t>12 = Oboe</a:t>
-            </a:r>
-          </a:p>
-          <a:p>
-            <a:pPr marL="384048" lvl="1"/>
-            <a:r>
-              <a:rPr lang="en-US"/>
-              <a:t>18 = Violin</a:t>
-            </a:r>
-          </a:p>
-          <a:p>
-            <a:endParaRPr lang="en-US"/>
-          </a:p>
-          <a:p>
-            <a:pPr marL="384048" lvl="1"/>
-            <a:endParaRPr lang="en-US"/>
-          </a:p>
-        </p:txBody>
-      </p:sp>
     </p:spTree>
     <p:extLst>
       <p:ext uri="{BB962C8B-B14F-4D97-AF65-F5344CB8AC3E}">
@@ -8174,61 +7663,6 @@
       </p:grpSpPr>
       <p:sp>
         <p:nvSpPr>
-          <p:cNvPr id="12" name="Rectangle 11">
-            <a:extLst>
-              <a:ext uri="{FF2B5EF4-FFF2-40B4-BE49-F238E27FC236}">
-                <a16:creationId xmlns:a16="http://schemas.microsoft.com/office/drawing/2014/main" id="{B07103F4-AFE6-4DC5-8934-DA3F400030CF}"/>
-              </a:ext>
-              <a:ext uri="{C183D7F6-B498-43B3-948B-1728B52AA6E4}">
-                <adec:decorative xmlns:adec="http://schemas.microsoft.com/office/drawing/2017/decorative" val="1"/>
-              </a:ext>
-            </a:extLst>
-          </p:cNvPr>
-          <p:cNvSpPr>
-            <a:spLocks noGrp="1" noRot="1" noChangeAspect="1" noMove="1" noResize="1" noEditPoints="1" noAdjustHandles="1" noChangeArrowheads="1" noChangeShapeType="1" noTextEdit="1"/>
-          </p:cNvSpPr>
-          <p:nvPr>
-            <p:extLst>
-              <p:ext uri="{386F3935-93C4-4BCD-93E2-E3B085C9AB24}">
-                <p16:designElem xmlns:p16="http://schemas.microsoft.com/office/powerpoint/2015/main" val="1"/>
-              </p:ext>
-            </p:extLst>
-          </p:nvPr>
-        </p:nvSpPr>
-        <p:spPr>
-          <a:xfrm>
-            <a:off x="478095" y="376"/>
-            <a:ext cx="228600" cy="6858000"/>
-          </a:xfrm>
-          <a:prstGeom prst="rect">
-            <a:avLst/>
-          </a:prstGeom>
-          <a:solidFill>
-            <a:schemeClr val="tx2"/>
-          </a:solidFill>
-          <a:ln>
-            <a:noFill/>
-          </a:ln>
-        </p:spPr>
-        <p:style>
-          <a:lnRef idx="2">
-            <a:schemeClr val="accent1">
-              <a:shade val="50000"/>
-            </a:schemeClr>
-          </a:lnRef>
-          <a:fillRef idx="1">
-            <a:schemeClr val="accent1"/>
-          </a:fillRef>
-          <a:effectRef idx="0">
-            <a:schemeClr val="accent1"/>
-          </a:effectRef>
-          <a:fontRef idx="minor">
-            <a:schemeClr val="lt1"/>
-          </a:fontRef>
-        </p:style>
-      </p:sp>
-      <p:sp>
-        <p:nvSpPr>
           <p:cNvPr id="2" name="Title 1">
             <a:extLst>
               <a:ext uri="{FF2B5EF4-FFF2-40B4-BE49-F238E27FC236}">
@@ -8264,58 +7698,78 @@
       </p:sp>
       <p:sp>
         <p:nvSpPr>
-          <p:cNvPr id="14" name="Rectangle 13">
+          <p:cNvPr id="3" name="Content Placeholder 2">
             <a:extLst>
               <a:ext uri="{FF2B5EF4-FFF2-40B4-BE49-F238E27FC236}">
-                <a16:creationId xmlns:a16="http://schemas.microsoft.com/office/drawing/2014/main" id="{1F4C3E1F-F848-429E-A6D6-86E45FBD38E7}"/>
-              </a:ext>
-              <a:ext uri="{C183D7F6-B498-43B3-948B-1728B52AA6E4}">
-                <adec:decorative xmlns:adec="http://schemas.microsoft.com/office/drawing/2017/decorative" val="1"/>
+                <a16:creationId xmlns:a16="http://schemas.microsoft.com/office/drawing/2014/main" id="{F16460D2-296B-44C9-9B00-378E1E25D42F}"/>
               </a:ext>
             </a:extLst>
           </p:cNvPr>
           <p:cNvSpPr>
-            <a:spLocks noGrp="1" noRot="1" noChangeAspect="1" noMove="1" noResize="1" noEditPoints="1" noAdjustHandles="1" noChangeArrowheads="1" noChangeShapeType="1" noTextEdit="1"/>
-          </p:cNvSpPr>
-          <p:nvPr>
-            <p:extLst>
-              <p:ext uri="{386F3935-93C4-4BCD-93E2-E3B085C9AB24}">
-                <p16:designElem xmlns:p16="http://schemas.microsoft.com/office/powerpoint/2015/main" val="1"/>
-              </p:ext>
-            </p:extLst>
+            <a:spLocks noGrp="1"/>
+          </p:cNvSpPr>
+          <p:nvPr>
+            <p:ph sz="half" idx="1"/>
           </p:nvPr>
         </p:nvSpPr>
         <p:spPr>
           <a:xfrm>
-            <a:off x="478095" y="376"/>
-            <a:ext cx="228600" cy="6858000"/>
+            <a:off x="6389914" y="2286000"/>
+            <a:ext cx="5127172" cy="3581400"/>
           </a:xfrm>
-          <a:prstGeom prst="rect">
-            <a:avLst/>
-          </a:prstGeom>
-          <a:solidFill>
-            <a:schemeClr val="tx2"/>
-          </a:solidFill>
-          <a:ln>
-            <a:noFill/>
-          </a:ln>
         </p:spPr>
-        <p:style>
-          <a:lnRef idx="2">
-            <a:schemeClr val="accent1">
-              <a:shade val="50000"/>
-            </a:schemeClr>
-          </a:lnRef>
-          <a:fillRef idx="1">
-            <a:schemeClr val="accent1"/>
-          </a:fillRef>
-          <a:effectRef idx="0">
-            <a:schemeClr val="accent1"/>
-          </a:effectRef>
-          <a:fontRef idx="minor">
-            <a:schemeClr val="lt1"/>
-          </a:fontRef>
-        </p:style>
+        <p:txBody>
+          <a:bodyPr vert="horz" lIns="91440" tIns="45720" rIns="91440" bIns="45720" rtlCol="0">
+            <a:normAutofit/>
+          </a:bodyPr>
+          <a:lstStyle/>
+          <a:p>
+            <a:r>
+              <a:rPr lang="en-US"/>
+              <a:t>5001 Input Layer Features</a:t>
+            </a:r>
+          </a:p>
+          <a:p>
+            <a:endParaRPr lang="en-US"/>
+          </a:p>
+          <a:p>
+            <a:r>
+              <a:rPr lang="en-US"/>
+              <a:t>Values almost exclusive to 3 columns</a:t>
+            </a:r>
+          </a:p>
+          <a:p>
+            <a:pPr marL="384048" lvl="1"/>
+            <a:r>
+              <a:rPr lang="en-US"/>
+              <a:t>1 = Salto Sax</a:t>
+            </a:r>
+          </a:p>
+          <a:p>
+            <a:pPr marL="384048" lvl="1"/>
+            <a:r>
+              <a:rPr lang="en-US"/>
+              <a:t>12 = Oboe</a:t>
+            </a:r>
+          </a:p>
+          <a:p>
+            <a:pPr marL="384048" lvl="1"/>
+            <a:r>
+              <a:rPr lang="en-US"/>
+              <a:t>18 = Violin</a:t>
+            </a:r>
+          </a:p>
+          <a:p>
+            <a:pPr marL="384048" lvl="1"/>
+            <a:endParaRPr lang="en-US"/>
+          </a:p>
+          <a:p>
+            <a:r>
+              <a:rPr lang="en-US"/>
+              <a:t>Same columns as previous bands</a:t>
+            </a:r>
+          </a:p>
+        </p:txBody>
       </p:sp>
       <p:pic>
         <p:nvPicPr>
@@ -8348,81 +7802,6 @@
           </a:prstGeom>
         </p:spPr>
       </p:pic>
-      <p:sp>
-        <p:nvSpPr>
-          <p:cNvPr id="3" name="Content Placeholder 2">
-            <a:extLst>
-              <a:ext uri="{FF2B5EF4-FFF2-40B4-BE49-F238E27FC236}">
-                <a16:creationId xmlns:a16="http://schemas.microsoft.com/office/drawing/2014/main" id="{F16460D2-296B-44C9-9B00-378E1E25D42F}"/>
-              </a:ext>
-            </a:extLst>
-          </p:cNvPr>
-          <p:cNvSpPr>
-            <a:spLocks noGrp="1"/>
-          </p:cNvSpPr>
-          <p:nvPr>
-            <p:ph sz="half" idx="1"/>
-          </p:nvPr>
-        </p:nvSpPr>
-        <p:spPr>
-          <a:xfrm>
-            <a:off x="6389914" y="2286000"/>
-            <a:ext cx="5127172" cy="3581400"/>
-          </a:xfrm>
-        </p:spPr>
-        <p:txBody>
-          <a:bodyPr vert="horz" lIns="91440" tIns="45720" rIns="91440" bIns="45720" rtlCol="0">
-            <a:normAutofit/>
-          </a:bodyPr>
-          <a:lstStyle/>
-          <a:p>
-            <a:r>
-              <a:rPr lang="en-US"/>
-              <a:t>5001 Input Layer Features</a:t>
-            </a:r>
-          </a:p>
-          <a:p>
-            <a:endParaRPr lang="en-US"/>
-          </a:p>
-          <a:p>
-            <a:r>
-              <a:rPr lang="en-US"/>
-              <a:t>Values almost exclusive to 3 columns</a:t>
-            </a:r>
-          </a:p>
-          <a:p>
-            <a:pPr marL="384048" lvl="1"/>
-            <a:r>
-              <a:rPr lang="en-US"/>
-              <a:t>1 = Salto Sax</a:t>
-            </a:r>
-          </a:p>
-          <a:p>
-            <a:pPr marL="384048" lvl="1"/>
-            <a:r>
-              <a:rPr lang="en-US"/>
-              <a:t>12 = Oboe</a:t>
-            </a:r>
-          </a:p>
-          <a:p>
-            <a:pPr marL="384048" lvl="1"/>
-            <a:r>
-              <a:rPr lang="en-US"/>
-              <a:t>18 = Violin</a:t>
-            </a:r>
-          </a:p>
-          <a:p>
-            <a:pPr marL="384048" lvl="1"/>
-            <a:endParaRPr lang="en-US"/>
-          </a:p>
-          <a:p>
-            <a:r>
-              <a:rPr lang="en-US"/>
-              <a:t>Same columns as previous bands</a:t>
-            </a:r>
-          </a:p>
-        </p:txBody>
-      </p:sp>
     </p:spTree>
     <p:extLst>
       <p:ext uri="{BB962C8B-B14F-4D97-AF65-F5344CB8AC3E}">
@@ -8660,7 +8039,7 @@
           <a:p>
             <a:r>
               <a:rPr lang="en-US" dirty="0"/>
-              <a:t>Analysis</a:t>
+              <a:t>Analysis (cont.)</a:t>
             </a:r>
           </a:p>
         </p:txBody>
@@ -9413,7 +8792,10 @@
     <p:bg>
       <p:bgPr>
         <a:solidFill>
-          <a:schemeClr val="bg1"/>
+          <a:schemeClr val="bg2">
+            <a:tint val="95000"/>
+            <a:satMod val="170000"/>
+          </a:schemeClr>
         </a:solidFill>
         <a:effectLst/>
       </p:bgPr>
@@ -9434,6 +8816,61 @@
       </p:grpSpPr>
       <p:sp>
         <p:nvSpPr>
+          <p:cNvPr id="13" name="Rectangle 7">
+            <a:extLst>
+              <a:ext uri="{FF2B5EF4-FFF2-40B4-BE49-F238E27FC236}">
+                <a16:creationId xmlns:a16="http://schemas.microsoft.com/office/drawing/2014/main" id="{0A25AC1C-93A8-4F32-8BA0-8EF0ED6438A6}"/>
+              </a:ext>
+              <a:ext uri="{C183D7F6-B498-43B3-948B-1728B52AA6E4}">
+                <adec:decorative xmlns:adec="http://schemas.microsoft.com/office/drawing/2017/decorative" val="1"/>
+              </a:ext>
+            </a:extLst>
+          </p:cNvPr>
+          <p:cNvSpPr>
+            <a:spLocks noGrp="1" noRot="1" noChangeAspect="1" noMove="1" noResize="1" noEditPoints="1" noAdjustHandles="1" noChangeArrowheads="1" noChangeShapeType="1" noTextEdit="1"/>
+          </p:cNvSpPr>
+          <p:nvPr>
+            <p:extLst>
+              <p:ext uri="{386F3935-93C4-4BCD-93E2-E3B085C9AB24}">
+                <p16:designElem xmlns:p16="http://schemas.microsoft.com/office/powerpoint/2015/main" val="1"/>
+              </p:ext>
+            </p:extLst>
+          </p:nvPr>
+        </p:nvSpPr>
+        <p:spPr>
+          <a:xfrm>
+            <a:off x="1" y="0"/>
+            <a:ext cx="12186310" cy="6858000"/>
+          </a:xfrm>
+          <a:prstGeom prst="rect">
+            <a:avLst/>
+          </a:prstGeom>
+          <a:solidFill>
+            <a:srgbClr val="C6C7C3"/>
+          </a:solidFill>
+          <a:ln>
+            <a:noFill/>
+          </a:ln>
+        </p:spPr>
+        <p:style>
+          <a:lnRef idx="2">
+            <a:schemeClr val="accent1">
+              <a:shade val="50000"/>
+            </a:schemeClr>
+          </a:lnRef>
+          <a:fillRef idx="1">
+            <a:schemeClr val="accent1"/>
+          </a:fillRef>
+          <a:effectRef idx="0">
+            <a:schemeClr val="accent1"/>
+          </a:effectRef>
+          <a:fontRef idx="minor">
+            <a:schemeClr val="lt1"/>
+          </a:fontRef>
+        </p:style>
+      </p:sp>
+      <p:sp>
+        <p:nvSpPr>
           <p:cNvPr id="2" name="Title 1">
             <a:extLst>
               <a:ext uri="{FF2B5EF4-FFF2-40B4-BE49-F238E27FC236}">
@@ -9450,8 +8887,8 @@
         </p:nvSpPr>
         <p:spPr>
           <a:xfrm>
-            <a:off x="841248" y="426720"/>
-            <a:ext cx="10506456" cy="1919141"/>
+            <a:off x="643467" y="893930"/>
+            <a:ext cx="5690286" cy="5070142"/>
           </a:xfrm>
         </p:spPr>
         <p:txBody>
@@ -9460,10 +8897,137 @@
           </a:bodyPr>
           <a:lstStyle/>
           <a:p>
-            <a:r>
-              <a:rPr lang="en-US" sz="6000"/>
+            <a:pPr algn="r"/>
+            <a:r>
+              <a:rPr lang="en-US" sz="7200">
+                <a:solidFill>
+                  <a:srgbClr val="000000"/>
+                </a:solidFill>
+              </a:rPr>
               <a:t>What Now?</a:t>
             </a:r>
+          </a:p>
+        </p:txBody>
+      </p:sp>
+      <p:sp>
+        <p:nvSpPr>
+          <p:cNvPr id="14" name="Rectangle 9">
+            <a:extLst>
+              <a:ext uri="{FF2B5EF4-FFF2-40B4-BE49-F238E27FC236}">
+                <a16:creationId xmlns:a16="http://schemas.microsoft.com/office/drawing/2014/main" id="{D0F91D99-379D-4726-B7B3-8967FC44F6FD}"/>
+              </a:ext>
+              <a:ext uri="{C183D7F6-B498-43B3-948B-1728B52AA6E4}">
+                <adec:decorative xmlns:adec="http://schemas.microsoft.com/office/drawing/2017/decorative" val="1"/>
+              </a:ext>
+            </a:extLst>
+          </p:cNvPr>
+          <p:cNvSpPr>
+            <a:spLocks noGrp="1" noRot="1" noChangeAspect="1" noMove="1" noResize="1" noEditPoints="1" noAdjustHandles="1" noChangeArrowheads="1" noChangeShapeType="1" noTextEdit="1"/>
+          </p:cNvSpPr>
+          <p:nvPr>
+            <p:extLst>
+              <p:ext uri="{386F3935-93C4-4BCD-93E2-E3B085C9AB24}">
+                <p16:designElem xmlns:p16="http://schemas.microsoft.com/office/powerpoint/2015/main" val="1"/>
+              </p:ext>
+            </p:extLst>
+          </p:nvPr>
+        </p:nvSpPr>
+        <p:spPr>
+          <a:xfrm>
+            <a:off x="6982908" y="376"/>
+            <a:ext cx="228600" cy="6858000"/>
+          </a:xfrm>
+          <a:prstGeom prst="rect">
+            <a:avLst/>
+          </a:prstGeom>
+          <a:solidFill>
+            <a:schemeClr val="accent1">
+              <a:lumMod val="75000"/>
+            </a:schemeClr>
+          </a:solidFill>
+          <a:ln>
+            <a:noFill/>
+          </a:ln>
+        </p:spPr>
+        <p:style>
+          <a:lnRef idx="2">
+            <a:schemeClr val="accent1">
+              <a:shade val="50000"/>
+            </a:schemeClr>
+          </a:lnRef>
+          <a:fillRef idx="1">
+            <a:schemeClr val="accent1"/>
+          </a:fillRef>
+          <a:effectRef idx="0">
+            <a:schemeClr val="accent1"/>
+          </a:effectRef>
+          <a:fontRef idx="minor">
+            <a:schemeClr val="lt1"/>
+          </a:fontRef>
+        </p:style>
+      </p:sp>
+      <p:sp>
+        <p:nvSpPr>
+          <p:cNvPr id="12" name="Rectangle 11">
+            <a:extLst>
+              <a:ext uri="{FF2B5EF4-FFF2-40B4-BE49-F238E27FC236}">
+                <a16:creationId xmlns:a16="http://schemas.microsoft.com/office/drawing/2014/main" id="{B239223A-E317-40B7-B86E-6EF7BC45F671}"/>
+              </a:ext>
+              <a:ext uri="{C183D7F6-B498-43B3-948B-1728B52AA6E4}">
+                <adec:decorative xmlns:adec="http://schemas.microsoft.com/office/drawing/2017/decorative" val="1"/>
+              </a:ext>
+            </a:extLst>
+          </p:cNvPr>
+          <p:cNvSpPr>
+            <a:spLocks noGrp="1" noRot="1" noChangeAspect="1" noMove="1" noResize="1" noEditPoints="1" noAdjustHandles="1" noChangeArrowheads="1" noChangeShapeType="1" noTextEdit="1"/>
+          </p:cNvSpPr>
+          <p:nvPr>
+            <p:extLst>
+              <p:ext uri="{386F3935-93C4-4BCD-93E2-E3B085C9AB24}">
+                <p16:designElem xmlns:p16="http://schemas.microsoft.com/office/powerpoint/2015/main" val="1"/>
+              </p:ext>
+            </p:extLst>
+          </p:nvPr>
+        </p:nvSpPr>
+        <p:spPr>
+          <a:xfrm>
+            <a:off x="7211508" y="0"/>
+            <a:ext cx="4980492" cy="6858000"/>
+          </a:xfrm>
+          <a:prstGeom prst="rect">
+            <a:avLst/>
+          </a:prstGeom>
+          <a:solidFill>
+            <a:schemeClr val="bg1">
+              <a:lumMod val="85000"/>
+            </a:schemeClr>
+          </a:solidFill>
+          <a:ln>
+            <a:noFill/>
+          </a:ln>
+        </p:spPr>
+        <p:style>
+          <a:lnRef idx="2">
+            <a:schemeClr val="accent1">
+              <a:shade val="50000"/>
+            </a:schemeClr>
+          </a:lnRef>
+          <a:fillRef idx="1">
+            <a:schemeClr val="accent1"/>
+          </a:fillRef>
+          <a:effectRef idx="0">
+            <a:schemeClr val="accent1"/>
+          </a:effectRef>
+          <a:fontRef idx="minor">
+            <a:schemeClr val="lt1"/>
+          </a:fontRef>
+        </p:style>
+        <p:txBody>
+          <a:bodyPr rtlCol="0" anchor="ctr"/>
+          <a:lstStyle/>
+          <a:p>
+            <a:pPr algn="ctr"/>
+            <a:endParaRPr lang="en-US"/>
           </a:p>
         </p:txBody>
       </p:sp>
@@ -9485,59 +9049,95 @@
         </p:nvSpPr>
         <p:spPr>
           <a:xfrm>
-            <a:off x="841248" y="3337269"/>
-            <a:ext cx="10509504" cy="2905686"/>
+            <a:off x="7860667" y="893931"/>
+            <a:ext cx="3656419" cy="5070142"/>
           </a:xfrm>
         </p:spPr>
         <p:txBody>
-          <a:bodyPr>
+          <a:bodyPr anchor="t">
             <a:normAutofit/>
           </a:bodyPr>
           <a:lstStyle/>
           <a:p>
             <a:r>
-              <a:rPr lang="en-US" sz="2000" dirty="0"/>
+              <a:rPr lang="en-US">
+                <a:solidFill>
+                  <a:schemeClr val="tx1"/>
+                </a:solidFill>
+              </a:rPr>
               <a:t>Best Guess: Confused by </a:t>
             </a:r>
             <a:r>
-              <a:rPr lang="en-US" sz="2000" i="1" dirty="0"/>
+              <a:rPr lang="en-US" i="1">
+                <a:solidFill>
+                  <a:schemeClr val="tx1"/>
+                </a:solidFill>
+              </a:rPr>
               <a:t>position</a:t>
             </a:r>
             <a:r>
-              <a:rPr lang="en-US" sz="2000" dirty="0"/>
+              <a:rPr lang="en-US">
+                <a:solidFill>
+                  <a:schemeClr val="tx1"/>
+                </a:solidFill>
+              </a:rPr>
               <a:t> of Spikes in the FFT Spectrum</a:t>
             </a:r>
           </a:p>
           <a:p>
-            <a:endParaRPr lang="en-US" sz="2000" dirty="0"/>
-          </a:p>
-          <a:p>
-            <a:r>
-              <a:rPr lang="en-US" sz="2000" dirty="0"/>
+            <a:endParaRPr lang="en-US">
+              <a:solidFill>
+                <a:schemeClr val="tx1"/>
+              </a:solidFill>
+            </a:endParaRPr>
+          </a:p>
+          <a:p>
+            <a:r>
+              <a:rPr lang="en-US">
+                <a:solidFill>
+                  <a:schemeClr val="tx1"/>
+                </a:solidFill>
+              </a:rPr>
               <a:t>Example:</a:t>
             </a:r>
           </a:p>
           <a:p>
             <a:pPr lvl="1"/>
             <a:r>
-              <a:rPr lang="en-US" sz="2000" dirty="0"/>
+              <a:rPr lang="en-US">
+                <a:solidFill>
+                  <a:schemeClr val="tx1"/>
+                </a:solidFill>
+              </a:rPr>
               <a:t>Cello at A3 ~ Trombone at A3</a:t>
             </a:r>
           </a:p>
           <a:p>
             <a:pPr lvl="1"/>
             <a:r>
-              <a:rPr lang="en-US" sz="2000" dirty="0"/>
+              <a:rPr lang="en-US">
+                <a:solidFill>
+                  <a:schemeClr val="tx1"/>
+                </a:solidFill>
+              </a:rPr>
               <a:t>Cello at Eb3 ≠ Cello at A4</a:t>
             </a:r>
           </a:p>
           <a:p>
             <a:pPr lvl="1"/>
-            <a:endParaRPr lang="en-US" sz="2000" dirty="0"/>
-          </a:p>
-          <a:p>
-            <a:r>
-              <a:rPr lang="en-US" sz="2400" dirty="0"/>
+            <a:endParaRPr lang="en-US">
+              <a:solidFill>
+                <a:schemeClr val="tx1"/>
+              </a:solidFill>
+            </a:endParaRPr>
+          </a:p>
+          <a:p>
+            <a:r>
+              <a:rPr lang="en-US">
+                <a:solidFill>
+                  <a:schemeClr val="tx1"/>
+                </a:solidFill>
+              </a:rPr>
               <a:t>Some of Landon’s Possible Solutions :</a:t>
             </a:r>
           </a:p>
@@ -9551,7 +9151,7 @@
     </p:extLst>
   </p:cSld>
   <p:clrMapOvr>
-    <a:masterClrMapping/>
+    <a:overrideClrMapping bg1="dk1" tx1="lt1" bg2="dk2" tx2="lt2" accent1="accent1" accent2="accent2" accent3="accent3" accent4="accent4" accent5="accent5" accent6="accent6" hlink="hlink" folHlink="folHlink"/>
   </p:clrMapOvr>
 </p:sld>
 </file>
@@ -9562,7 +9162,7 @@
     <p:bg>
       <p:bgPr>
         <a:solidFill>
-          <a:schemeClr val="bg1"/>
+          <a:schemeClr val="bg2"/>
         </a:solidFill>
         <a:effectLst/>
       </p:bgPr>
@@ -9583,10 +9183,65 @@
       </p:grpSpPr>
       <p:sp>
         <p:nvSpPr>
+          <p:cNvPr id="5" name="Rectangle 7">
+            <a:extLst>
+              <a:ext uri="{FF2B5EF4-FFF2-40B4-BE49-F238E27FC236}">
+                <a16:creationId xmlns:a16="http://schemas.microsoft.com/office/drawing/2014/main" id="{3362DFFC-4DCC-48EE-B781-94D04B95F1E8}"/>
+              </a:ext>
+              <a:ext uri="{C183D7F6-B498-43B3-948B-1728B52AA6E4}">
+                <adec:decorative xmlns:adec="http://schemas.microsoft.com/office/drawing/2017/decorative" val="1"/>
+              </a:ext>
+            </a:extLst>
+          </p:cNvPr>
+          <p:cNvSpPr>
+            <a:spLocks noGrp="1" noRot="1" noChangeAspect="1" noMove="1" noResize="1" noEditPoints="1" noAdjustHandles="1" noChangeArrowheads="1" noChangeShapeType="1" noTextEdit="1"/>
+          </p:cNvSpPr>
+          <p:nvPr>
+            <p:extLst>
+              <p:ext uri="{386F3935-93C4-4BCD-93E2-E3B085C9AB24}">
+                <p16:designElem xmlns:p16="http://schemas.microsoft.com/office/powerpoint/2015/main" val="1"/>
+              </p:ext>
+            </p:extLst>
+          </p:nvPr>
+        </p:nvSpPr>
+        <p:spPr>
+          <a:xfrm>
+            <a:off x="0" y="376"/>
+            <a:ext cx="5303520" cy="6857624"/>
+          </a:xfrm>
+          <a:prstGeom prst="rect">
+            <a:avLst/>
+          </a:prstGeom>
+          <a:solidFill>
+            <a:schemeClr val="tx2"/>
+          </a:solidFill>
+          <a:ln>
+            <a:noFill/>
+          </a:ln>
+        </p:spPr>
+        <p:style>
+          <a:lnRef idx="2">
+            <a:schemeClr val="accent1">
+              <a:shade val="50000"/>
+            </a:schemeClr>
+          </a:lnRef>
+          <a:fillRef idx="1">
+            <a:schemeClr val="accent1"/>
+          </a:fillRef>
+          <a:effectRef idx="0">
+            <a:schemeClr val="accent1"/>
+          </a:effectRef>
+          <a:fontRef idx="minor">
+            <a:schemeClr val="lt1"/>
+          </a:fontRef>
+        </p:style>
+      </p:sp>
+      <p:sp>
+        <p:nvSpPr>
           <p:cNvPr id="2" name="Title 1">
             <a:extLst>
               <a:ext uri="{FF2B5EF4-FFF2-40B4-BE49-F238E27FC236}">
-                <a16:creationId xmlns:a16="http://schemas.microsoft.com/office/drawing/2014/main" id="{CBD623A3-339F-4EA8-A8DE-479E7DD2ECF5}"/>
+                <a16:creationId xmlns:a16="http://schemas.microsoft.com/office/drawing/2014/main" id="{FF7F4C1F-CE54-4E7F-8188-310C9A871187}"/>
               </a:ext>
             </a:extLst>
           </p:cNvPr>
@@ -9599,29 +9254,91 @@
         </p:nvSpPr>
         <p:spPr>
           <a:xfrm>
-            <a:off x="841248" y="426720"/>
-            <a:ext cx="10506456" cy="1919141"/>
+            <a:off x="640081" y="791570"/>
+            <a:ext cx="4018839" cy="5262390"/>
           </a:xfrm>
         </p:spPr>
         <p:txBody>
-          <a:bodyPr anchor="b">
+          <a:bodyPr anchor="ctr">
             <a:normAutofit/>
           </a:bodyPr>
           <a:lstStyle/>
           <a:p>
-            <a:r>
-              <a:rPr lang="en-US" sz="6000"/>
-              <a:t>The Goal</a:t>
+            <a:pPr algn="r"/>
+            <a:r>
+              <a:rPr lang="en-US" sz="5400">
+                <a:solidFill>
+                  <a:schemeClr val="bg2"/>
+                </a:solidFill>
+              </a:rPr>
+              <a:t>Raw Data Set</a:t>
             </a:r>
           </a:p>
         </p:txBody>
+      </p:sp>
+      <p:sp>
+        <p:nvSpPr>
+          <p:cNvPr id="6" name="Rectangle 9">
+            <a:extLst>
+              <a:ext uri="{FF2B5EF4-FFF2-40B4-BE49-F238E27FC236}">
+                <a16:creationId xmlns:a16="http://schemas.microsoft.com/office/drawing/2014/main" id="{18B8B265-E68C-4B64-9238-781F0102C57B}"/>
+              </a:ext>
+              <a:ext uri="{C183D7F6-B498-43B3-948B-1728B52AA6E4}">
+                <adec:decorative xmlns:adec="http://schemas.microsoft.com/office/drawing/2017/decorative" val="1"/>
+              </a:ext>
+            </a:extLst>
+          </p:cNvPr>
+          <p:cNvSpPr>
+            <a:spLocks noGrp="1" noRot="1" noChangeAspect="1" noMove="1" noResize="1" noEditPoints="1" noAdjustHandles="1" noChangeArrowheads="1" noChangeShapeType="1" noTextEdit="1"/>
+          </p:cNvSpPr>
+          <p:nvPr>
+            <p:extLst>
+              <p:ext uri="{386F3935-93C4-4BCD-93E2-E3B085C9AB24}">
+                <p16:designElem xmlns:p16="http://schemas.microsoft.com/office/powerpoint/2015/main" val="1"/>
+              </p:ext>
+            </p:extLst>
+          </p:nvPr>
+        </p:nvSpPr>
+        <p:spPr>
+          <a:xfrm>
+            <a:off x="5303520" y="376"/>
+            <a:ext cx="228600" cy="6858000"/>
+          </a:xfrm>
+          <a:prstGeom prst="rect">
+            <a:avLst/>
+          </a:prstGeom>
+          <a:solidFill>
+            <a:schemeClr val="accent1">
+              <a:lumMod val="75000"/>
+            </a:schemeClr>
+          </a:solidFill>
+          <a:ln>
+            <a:noFill/>
+          </a:ln>
+        </p:spPr>
+        <p:style>
+          <a:lnRef idx="2">
+            <a:schemeClr val="accent1">
+              <a:shade val="50000"/>
+            </a:schemeClr>
+          </a:lnRef>
+          <a:fillRef idx="1">
+            <a:schemeClr val="accent1"/>
+          </a:fillRef>
+          <a:effectRef idx="0">
+            <a:schemeClr val="accent1"/>
+          </a:effectRef>
+          <a:fontRef idx="minor">
+            <a:schemeClr val="lt1"/>
+          </a:fontRef>
+        </p:style>
       </p:sp>
       <p:sp>
         <p:nvSpPr>
           <p:cNvPr id="3" name="Content Placeholder 2">
             <a:extLst>
               <a:ext uri="{FF2B5EF4-FFF2-40B4-BE49-F238E27FC236}">
-                <a16:creationId xmlns:a16="http://schemas.microsoft.com/office/drawing/2014/main" id="{3738E2A7-5A16-4702-BDF9-5807C56B0EB1}"/>
+                <a16:creationId xmlns:a16="http://schemas.microsoft.com/office/drawing/2014/main" id="{8EA71E38-65E9-45B2-ABF5-875BEC09523A}"/>
               </a:ext>
             </a:extLst>
           </p:cNvPr>
@@ -9634,37 +9351,46 @@
         </p:nvSpPr>
         <p:spPr>
           <a:xfrm>
-            <a:off x="841248" y="3337269"/>
-            <a:ext cx="10509504" cy="2905686"/>
+            <a:off x="6176720" y="791570"/>
+            <a:ext cx="4892308" cy="5262390"/>
           </a:xfrm>
         </p:spPr>
         <p:txBody>
-          <a:bodyPr>
+          <a:bodyPr anchor="ctr">
             <a:normAutofit/>
           </a:bodyPr>
           <a:lstStyle/>
           <a:p>
             <a:r>
-              <a:rPr lang="en-US" sz="2000"/>
-              <a:t>Build a Stochastic Gradient Descent Classifier Object</a:t>
-            </a:r>
-          </a:p>
-          <a:p>
-            <a:endParaRPr lang="en-US" sz="2000"/>
-          </a:p>
-          <a:p>
-            <a:r>
-              <a:rPr lang="en-US" sz="2000"/>
-              <a:t>Classify any arbitrary waveform into one of 19 instrument classes</a:t>
-            </a:r>
-          </a:p>
-          <a:p>
-            <a:endParaRPr lang="en-US" sz="2000"/>
-          </a:p>
-          <a:p>
-            <a:r>
-              <a:rPr lang="en-US" sz="2000"/>
-              <a:t>Classes are labeled 0 - 18</a:t>
+              <a:rPr lang="en-US" sz="1800"/>
+              <a:t>Approximately 1050 raw ‘.aif’ audio file stored locally</a:t>
+            </a:r>
+          </a:p>
+          <a:p>
+            <a:endParaRPr lang="en-US" sz="1800"/>
+          </a:p>
+          <a:p>
+            <a:r>
+              <a:rPr lang="en-US" sz="1800"/>
+              <a:t>Use MATLAB to read them, isolate L &amp; R channels</a:t>
+            </a:r>
+          </a:p>
+          <a:p>
+            <a:endParaRPr lang="en-US" sz="1800"/>
+          </a:p>
+          <a:p>
+            <a:r>
+              <a:rPr lang="en-US" sz="1800"/>
+              <a:t>Rewrite them as L &amp; R Mono ‘.wav’ files</a:t>
+            </a:r>
+          </a:p>
+          <a:p>
+            <a:endParaRPr lang="en-US" sz="1800"/>
+          </a:p>
+          <a:p>
+            <a:r>
+              <a:rPr lang="en-US" sz="1800"/>
+              <a:t>Now, 2100 raw ‘.wav’ files</a:t>
             </a:r>
           </a:p>
         </p:txBody>
@@ -9672,7 +9398,7 @@
     </p:spTree>
     <p:extLst>
       <p:ext uri="{BB962C8B-B14F-4D97-AF65-F5344CB8AC3E}">
-        <p14:creationId xmlns:p14="http://schemas.microsoft.com/office/powerpoint/2010/main" val="265939572"/>
+        <p14:creationId xmlns:p14="http://schemas.microsoft.com/office/powerpoint/2010/main" val="5618361"/>
       </p:ext>
     </p:extLst>
   </p:cSld>
@@ -10245,7 +9971,7 @@
       </p:grpSpPr>
       <p:sp>
         <p:nvSpPr>
-          <p:cNvPr id="8" name="Rectangle 7">
+          <p:cNvPr id="14" name="Rectangle 7">
             <a:extLst>
               <a:ext uri="{FF2B5EF4-FFF2-40B4-BE49-F238E27FC236}">
                 <a16:creationId xmlns:a16="http://schemas.microsoft.com/office/drawing/2014/main" id="{3362DFFC-4DCC-48EE-B781-94D04B95F1E8}"/>
@@ -10328,19 +10054,24 @@
           <a:p>
             <a:pPr algn="r"/>
             <a:r>
-              <a:rPr lang="en-US" sz="5400" dirty="0">
+              <a:rPr lang="en-US" sz="5400">
                 <a:solidFill>
                   <a:schemeClr val="bg2"/>
                 </a:solidFill>
               </a:rPr>
               <a:t>Build a More General Classifier</a:t>
             </a:r>
+            <a:endParaRPr lang="en-US" sz="5400" dirty="0">
+              <a:solidFill>
+                <a:schemeClr val="bg2"/>
+              </a:solidFill>
+            </a:endParaRPr>
           </a:p>
         </p:txBody>
       </p:sp>
       <p:sp>
         <p:nvSpPr>
-          <p:cNvPr id="10" name="Rectangle 9">
+          <p:cNvPr id="15" name="Rectangle 9">
             <a:extLst>
               <a:ext uri="{FF2B5EF4-FFF2-40B4-BE49-F238E27FC236}">
                 <a16:creationId xmlns:a16="http://schemas.microsoft.com/office/drawing/2014/main" id="{18B8B265-E68C-4B64-9238-781F0102C57B}"/>
@@ -10431,7 +10162,7 @@
           <a:p>
             <a:pPr lvl="1"/>
             <a:r>
-              <a:rPr lang="en-US" sz="1800" dirty="0"/>
+              <a:rPr lang="en-US" sz="1800"/>
               <a:t>Winds vs. Brass vs. Strings vs …</a:t>
             </a:r>
           </a:p>
@@ -11096,7 +10827,7 @@
               <a:t>One vs. One (</a:t>
             </a:r>
             <a:r>
-              <a:rPr lang="en-US" sz="5400" i="1" dirty="0" err="1">
+              <a:rPr lang="en-US" sz="5400" i="1">
                 <a:solidFill>
                   <a:schemeClr val="bg2"/>
                 </a:solidFill>
@@ -11171,8 +10902,8 @@
           </a:fontRef>
         </p:style>
       </p:sp>
-      <mc:AlternateContent xmlns:mc="http://schemas.openxmlformats.org/markup-compatibility/2006">
-        <mc:Choice xmlns:a14="http://schemas.microsoft.com/office/drawing/2010/main" Requires="a14">
+      <mc:AlternateContent xmlns:mc="http://schemas.openxmlformats.org/markup-compatibility/2006" xmlns:a14="http://schemas.microsoft.com/office/drawing/2010/main">
+        <mc:Choice Requires="a14">
           <p:sp>
             <p:nvSpPr>
               <p:cNvPr id="3" name="Content Placeholder 2">
@@ -11285,7 +11016,7 @@
             </p:txBody>
           </p:sp>
         </mc:Choice>
-        <mc:Fallback>
+        <mc:Fallback xmlns="">
           <p:sp>
             <p:nvSpPr>
               <p:cNvPr id="3" name="Content Placeholder 2">
@@ -12144,7 +11875,7 @@
     <p:bg>
       <p:bgPr>
         <a:solidFill>
-          <a:schemeClr val="bg1"/>
+          <a:schemeClr val="bg2"/>
         </a:solidFill>
         <a:effectLst/>
       </p:bgPr>
@@ -12165,10 +11896,65 @@
       </p:grpSpPr>
       <p:sp>
         <p:nvSpPr>
+          <p:cNvPr id="5" name="Rectangle 7">
+            <a:extLst>
+              <a:ext uri="{FF2B5EF4-FFF2-40B4-BE49-F238E27FC236}">
+                <a16:creationId xmlns:a16="http://schemas.microsoft.com/office/drawing/2014/main" id="{3362DFFC-4DCC-48EE-B781-94D04B95F1E8}"/>
+              </a:ext>
+              <a:ext uri="{C183D7F6-B498-43B3-948B-1728B52AA6E4}">
+                <adec:decorative xmlns:adec="http://schemas.microsoft.com/office/drawing/2017/decorative" val="1"/>
+              </a:ext>
+            </a:extLst>
+          </p:cNvPr>
+          <p:cNvSpPr>
+            <a:spLocks noGrp="1" noRot="1" noChangeAspect="1" noMove="1" noResize="1" noEditPoints="1" noAdjustHandles="1" noChangeArrowheads="1" noChangeShapeType="1" noTextEdit="1"/>
+          </p:cNvSpPr>
+          <p:nvPr>
+            <p:extLst>
+              <p:ext uri="{386F3935-93C4-4BCD-93E2-E3B085C9AB24}">
+                <p16:designElem xmlns:p16="http://schemas.microsoft.com/office/powerpoint/2015/main" val="1"/>
+              </p:ext>
+            </p:extLst>
+          </p:nvPr>
+        </p:nvSpPr>
+        <p:spPr>
+          <a:xfrm>
+            <a:off x="0" y="376"/>
+            <a:ext cx="5303520" cy="6857624"/>
+          </a:xfrm>
+          <a:prstGeom prst="rect">
+            <a:avLst/>
+          </a:prstGeom>
+          <a:solidFill>
+            <a:schemeClr val="tx2"/>
+          </a:solidFill>
+          <a:ln>
+            <a:noFill/>
+          </a:ln>
+        </p:spPr>
+        <p:style>
+          <a:lnRef idx="2">
+            <a:schemeClr val="accent1">
+              <a:shade val="50000"/>
+            </a:schemeClr>
+          </a:lnRef>
+          <a:fillRef idx="1">
+            <a:schemeClr val="accent1"/>
+          </a:fillRef>
+          <a:effectRef idx="0">
+            <a:schemeClr val="accent1"/>
+          </a:effectRef>
+          <a:fontRef idx="minor">
+            <a:schemeClr val="lt1"/>
+          </a:fontRef>
+        </p:style>
+      </p:sp>
+      <p:sp>
+        <p:nvSpPr>
           <p:cNvPr id="2" name="Title 1">
             <a:extLst>
               <a:ext uri="{FF2B5EF4-FFF2-40B4-BE49-F238E27FC236}">
-                <a16:creationId xmlns:a16="http://schemas.microsoft.com/office/drawing/2014/main" id="{FF7F4C1F-CE54-4E7F-8188-310C9A871187}"/>
+                <a16:creationId xmlns:a16="http://schemas.microsoft.com/office/drawing/2014/main" id="{CBD623A3-339F-4EA8-A8DE-479E7DD2ECF5}"/>
               </a:ext>
             </a:extLst>
           </p:cNvPr>
@@ -12181,29 +11967,91 @@
         </p:nvSpPr>
         <p:spPr>
           <a:xfrm>
-            <a:off x="841248" y="426720"/>
-            <a:ext cx="10506456" cy="1919141"/>
+            <a:off x="640081" y="791570"/>
+            <a:ext cx="4018839" cy="5262390"/>
           </a:xfrm>
         </p:spPr>
         <p:txBody>
-          <a:bodyPr anchor="b">
+          <a:bodyPr anchor="ctr">
             <a:normAutofit/>
           </a:bodyPr>
           <a:lstStyle/>
           <a:p>
-            <a:r>
-              <a:rPr lang="en-US" sz="6000"/>
-              <a:t>Raw Data Set</a:t>
+            <a:pPr algn="r"/>
+            <a:r>
+              <a:rPr lang="en-US" sz="5400">
+                <a:solidFill>
+                  <a:schemeClr val="bg2"/>
+                </a:solidFill>
+              </a:rPr>
+              <a:t>The Goal</a:t>
             </a:r>
           </a:p>
         </p:txBody>
+      </p:sp>
+      <p:sp>
+        <p:nvSpPr>
+          <p:cNvPr id="6" name="Rectangle 9">
+            <a:extLst>
+              <a:ext uri="{FF2B5EF4-FFF2-40B4-BE49-F238E27FC236}">
+                <a16:creationId xmlns:a16="http://schemas.microsoft.com/office/drawing/2014/main" id="{18B8B265-E68C-4B64-9238-781F0102C57B}"/>
+              </a:ext>
+              <a:ext uri="{C183D7F6-B498-43B3-948B-1728B52AA6E4}">
+                <adec:decorative xmlns:adec="http://schemas.microsoft.com/office/drawing/2017/decorative" val="1"/>
+              </a:ext>
+            </a:extLst>
+          </p:cNvPr>
+          <p:cNvSpPr>
+            <a:spLocks noGrp="1" noRot="1" noChangeAspect="1" noMove="1" noResize="1" noEditPoints="1" noAdjustHandles="1" noChangeArrowheads="1" noChangeShapeType="1" noTextEdit="1"/>
+          </p:cNvSpPr>
+          <p:nvPr>
+            <p:extLst>
+              <p:ext uri="{386F3935-93C4-4BCD-93E2-E3B085C9AB24}">
+                <p16:designElem xmlns:p16="http://schemas.microsoft.com/office/powerpoint/2015/main" val="1"/>
+              </p:ext>
+            </p:extLst>
+          </p:nvPr>
+        </p:nvSpPr>
+        <p:spPr>
+          <a:xfrm>
+            <a:off x="5303520" y="376"/>
+            <a:ext cx="228600" cy="6858000"/>
+          </a:xfrm>
+          <a:prstGeom prst="rect">
+            <a:avLst/>
+          </a:prstGeom>
+          <a:solidFill>
+            <a:schemeClr val="accent1">
+              <a:lumMod val="75000"/>
+            </a:schemeClr>
+          </a:solidFill>
+          <a:ln>
+            <a:noFill/>
+          </a:ln>
+        </p:spPr>
+        <p:style>
+          <a:lnRef idx="2">
+            <a:schemeClr val="accent1">
+              <a:shade val="50000"/>
+            </a:schemeClr>
+          </a:lnRef>
+          <a:fillRef idx="1">
+            <a:schemeClr val="accent1"/>
+          </a:fillRef>
+          <a:effectRef idx="0">
+            <a:schemeClr val="accent1"/>
+          </a:effectRef>
+          <a:fontRef idx="minor">
+            <a:schemeClr val="lt1"/>
+          </a:fontRef>
+        </p:style>
       </p:sp>
       <p:sp>
         <p:nvSpPr>
           <p:cNvPr id="3" name="Content Placeholder 2">
             <a:extLst>
               <a:ext uri="{FF2B5EF4-FFF2-40B4-BE49-F238E27FC236}">
-                <a16:creationId xmlns:a16="http://schemas.microsoft.com/office/drawing/2014/main" id="{8EA71E38-65E9-45B2-ABF5-875BEC09523A}"/>
+                <a16:creationId xmlns:a16="http://schemas.microsoft.com/office/drawing/2014/main" id="{3738E2A7-5A16-4702-BDF9-5807C56B0EB1}"/>
               </a:ext>
             </a:extLst>
           </p:cNvPr>
@@ -12216,81 +12064,37 @@
         </p:nvSpPr>
         <p:spPr>
           <a:xfrm>
-            <a:off x="841248" y="3337269"/>
-            <a:ext cx="10509504" cy="2905686"/>
+            <a:off x="6176720" y="791570"/>
+            <a:ext cx="4892308" cy="5262390"/>
           </a:xfrm>
         </p:spPr>
         <p:txBody>
-          <a:bodyPr>
-            <a:normAutofit lnSpcReduction="10000"/>
+          <a:bodyPr anchor="ctr">
+            <a:normAutofit/>
           </a:bodyPr>
           <a:lstStyle/>
           <a:p>
-            <a:pPr>
-              <a:lnSpc>
-                <a:spcPct val="100000"/>
-              </a:lnSpc>
-            </a:pPr>
-            <a:r>
-              <a:rPr lang="en-US" sz="1900"/>
-              <a:t>Approximately 1050 raw ‘.aif’ audio file stored locally</a:t>
-            </a:r>
-          </a:p>
-          <a:p>
-            <a:pPr>
-              <a:lnSpc>
-                <a:spcPct val="100000"/>
-              </a:lnSpc>
-            </a:pPr>
-            <a:endParaRPr lang="en-US" sz="1900"/>
-          </a:p>
-          <a:p>
-            <a:pPr>
-              <a:lnSpc>
-                <a:spcPct val="100000"/>
-              </a:lnSpc>
-            </a:pPr>
-            <a:r>
-              <a:rPr lang="en-US" sz="1900"/>
-              <a:t>Use MATLAB to read them, isolate L &amp; R channels</a:t>
-            </a:r>
-          </a:p>
-          <a:p>
-            <a:pPr>
-              <a:lnSpc>
-                <a:spcPct val="100000"/>
-              </a:lnSpc>
-            </a:pPr>
-            <a:endParaRPr lang="en-US" sz="1900"/>
-          </a:p>
-          <a:p>
-            <a:pPr>
-              <a:lnSpc>
-                <a:spcPct val="100000"/>
-              </a:lnSpc>
-            </a:pPr>
-            <a:r>
-              <a:rPr lang="en-US" sz="1900"/>
-              <a:t>Rewrite them as L &amp; R Mono ‘.wav’ files</a:t>
-            </a:r>
-          </a:p>
-          <a:p>
-            <a:pPr>
-              <a:lnSpc>
-                <a:spcPct val="100000"/>
-              </a:lnSpc>
-            </a:pPr>
-            <a:endParaRPr lang="en-US" sz="1900"/>
-          </a:p>
-          <a:p>
-            <a:pPr>
-              <a:lnSpc>
-                <a:spcPct val="100000"/>
-              </a:lnSpc>
-            </a:pPr>
-            <a:r>
-              <a:rPr lang="en-US" sz="1900"/>
-              <a:t>Now, 2100 raw ‘.wav’ files</a:t>
+            <a:r>
+              <a:rPr lang="en-US" sz="1800"/>
+              <a:t>Build a Stochastic Gradient Descent Classifier Object</a:t>
+            </a:r>
+          </a:p>
+          <a:p>
+            <a:endParaRPr lang="en-US" sz="1800"/>
+          </a:p>
+          <a:p>
+            <a:r>
+              <a:rPr lang="en-US" sz="1800"/>
+              <a:t>Classify any arbitrary waveform into one of 19 instrument classes</a:t>
+            </a:r>
+          </a:p>
+          <a:p>
+            <a:endParaRPr lang="en-US" sz="1800"/>
+          </a:p>
+          <a:p>
+            <a:r>
+              <a:rPr lang="en-US" sz="1800"/>
+              <a:t>Classes are labeled 0 - 18</a:t>
             </a:r>
           </a:p>
         </p:txBody>
@@ -12298,7 +12102,7 @@
     </p:spTree>
     <p:extLst>
       <p:ext uri="{BB962C8B-B14F-4D97-AF65-F5344CB8AC3E}">
-        <p14:creationId xmlns:p14="http://schemas.microsoft.com/office/powerpoint/2010/main" val="5618361"/>
+        <p14:creationId xmlns:p14="http://schemas.microsoft.com/office/powerpoint/2010/main" val="265939572"/>
       </p:ext>
     </p:extLst>
   </p:cSld>
@@ -13221,12 +13025,8 @@
           <a:p>
             <a:pPr lvl="1"/>
             <a:r>
-              <a:rPr lang="en-US" dirty="0" err="1"/>
-              <a:t>Normlized</a:t>
-            </a:r>
-            <a:r>
               <a:rPr lang="en-US" dirty="0"/>
-              <a:t> Amplitude</a:t>
+              <a:t>Normalized Amplitude</a:t>
             </a:r>
           </a:p>
           <a:p>
@@ -13404,7 +13204,7 @@
         </p:nvGraphicFramePr>
         <p:xfrm>
           <a:off x="1371600" y="2286000"/>
-          <a:ext cx="9601200" cy="3581400"/>
+          <a:ext cx="9601200" cy="3708400"/>
         </p:xfrm>
         <a:graphic>
           <a:graphicData uri="http://schemas.openxmlformats.org/drawingml/2006/table">
@@ -13948,7 +13748,7 @@
     <p:bg>
       <p:bgPr>
         <a:solidFill>
-          <a:schemeClr val="bg1"/>
+          <a:schemeClr val="bg2"/>
         </a:solidFill>
         <a:effectLst/>
       </p:bgPr>
@@ -13985,18 +13785,18 @@
         </p:nvSpPr>
         <p:spPr>
           <a:xfrm>
-            <a:off x="429768" y="411480"/>
-            <a:ext cx="11201400" cy="1106424"/>
+            <a:off x="1371600" y="685800"/>
+            <a:ext cx="3282695" cy="1485900"/>
           </a:xfrm>
         </p:spPr>
         <p:txBody>
-          <a:bodyPr vert="horz" lIns="91440" tIns="45720" rIns="91440" bIns="45720" rtlCol="0" anchor="ctr">
+          <a:bodyPr vert="horz" lIns="91440" tIns="45720" rIns="91440" bIns="45720" rtlCol="0" anchor="t">
             <a:normAutofit/>
           </a:bodyPr>
           <a:lstStyle/>
           <a:p>
             <a:r>
-              <a:rPr lang="en-US" sz="3600"/>
+              <a:rPr lang="en-US"/>
               <a:t>Finished Data set</a:t>
             </a:r>
           </a:p>
@@ -14020,12 +13820,12 @@
         </p:nvSpPr>
         <p:spPr>
           <a:xfrm>
-            <a:off x="7938752" y="2020824"/>
-            <a:ext cx="3455097" cy="3959352"/>
+            <a:off x="1371600" y="2286000"/>
+            <a:ext cx="3282694" cy="3581400"/>
           </a:xfrm>
         </p:spPr>
         <p:txBody>
-          <a:bodyPr vert="horz" lIns="91440" tIns="45720" rIns="91440" bIns="45720" rtlCol="0" anchor="ctr">
+          <a:bodyPr vert="horz" lIns="91440" tIns="45720" rIns="91440" bIns="45720" rtlCol="0">
             <a:normAutofit/>
           </a:bodyPr>
           <a:lstStyle/>
@@ -14078,26 +13878,28 @@
             </a:r>
           </a:p>
           <a:p>
-            <a:pPr lvl="1"/>
+            <a:pPr marL="384048" lvl="1"/>
             <a:r>
               <a:rPr lang="en-US" sz="1700" dirty="0"/>
               <a:t>N samples x M features</a:t>
             </a:r>
-          </a:p>
-          <a:p>
-            <a:pPr lvl="1"/>
+            <a:endParaRPr lang="en-US" sz="1700"/>
+          </a:p>
+          <a:p>
+            <a:pPr marL="384048" lvl="1"/>
             <a:r>
               <a:rPr lang="en-US" sz="1700" dirty="0"/>
               <a:t>Ready to be used by </a:t>
             </a:r>
             <a:r>
-              <a:rPr lang="en-US" sz="1700" dirty="0" err="1"/>
+              <a:rPr lang="en-US" sz="1700"/>
               <a:t>scikit</a:t>
             </a:r>
             <a:r>
               <a:rPr lang="en-US" sz="1700" dirty="0"/>
               <a:t> learn</a:t>
             </a:r>
+            <a:endParaRPr lang="en-US" sz="1700"/>
           </a:p>
         </p:txBody>
       </p:sp>
@@ -14117,65 +13919,65 @@
             <p:ph sz="half" idx="2"/>
             <p:extLst>
               <p:ext uri="{D42A27DB-BD31-4B8C-83A1-F6EECF244321}">
-                <p14:modId xmlns:p14="http://schemas.microsoft.com/office/powerpoint/2010/main" val="3412503300"/>
+                <p14:modId xmlns:p14="http://schemas.microsoft.com/office/powerpoint/2010/main" val="3737360539"/>
               </p:ext>
             </p:extLst>
           </p:nvPr>
         </p:nvGraphicFramePr>
         <p:xfrm>
-          <a:off x="429768" y="2049804"/>
-          <a:ext cx="6702553" cy="3855678"/>
+          <a:off x="5031467" y="871352"/>
+          <a:ext cx="6517069" cy="4795260"/>
         </p:xfrm>
         <a:graphic>
           <a:graphicData uri="http://schemas.openxmlformats.org/drawingml/2006/table">
             <a:tbl>
               <a:tblPr firstRow="1" bandRow="1">
-                <a:tableStyleId>{BC89EF96-8CEA-46FF-86C4-4CE0E7609802}</a:tableStyleId>
+                <a:tableStyleId>{8EC20E35-A176-4012-BC5E-935CFFF8708E}</a:tableStyleId>
               </a:tblPr>
               <a:tblGrid>
-                <a:gridCol w="1000099">
+                <a:gridCol w="1195452">
                   <a:extLst>
                     <a:ext uri="{9D8B030D-6E8A-4147-A177-3AD203B41FA5}">
                       <a16:colId xmlns:a16="http://schemas.microsoft.com/office/drawing/2014/main" val="3423861241"/>
                     </a:ext>
                   </a:extLst>
                 </a:gridCol>
-                <a:gridCol w="1109623">
+                <a:gridCol w="1324646">
                   <a:extLst>
                     <a:ext uri="{9D8B030D-6E8A-4147-A177-3AD203B41FA5}">
                       <a16:colId xmlns:a16="http://schemas.microsoft.com/office/drawing/2014/main" val="2949854474"/>
                     </a:ext>
                   </a:extLst>
                 </a:gridCol>
-                <a:gridCol w="858482">
+                <a:gridCol w="656474">
                   <a:extLst>
                     <a:ext uri="{9D8B030D-6E8A-4147-A177-3AD203B41FA5}">
                       <a16:colId xmlns:a16="http://schemas.microsoft.com/office/drawing/2014/main" val="1340553725"/>
                     </a:ext>
                   </a:extLst>
                 </a:gridCol>
-                <a:gridCol w="858482">
+                <a:gridCol w="656474">
                   <a:extLst>
                     <a:ext uri="{9D8B030D-6E8A-4147-A177-3AD203B41FA5}">
                       <a16:colId xmlns:a16="http://schemas.microsoft.com/office/drawing/2014/main" val="1429899374"/>
                     </a:ext>
                   </a:extLst>
                 </a:gridCol>
-                <a:gridCol w="858482">
+                <a:gridCol w="656474">
                   <a:extLst>
                     <a:ext uri="{9D8B030D-6E8A-4147-A177-3AD203B41FA5}">
                       <a16:colId xmlns:a16="http://schemas.microsoft.com/office/drawing/2014/main" val="1676956533"/>
                     </a:ext>
                   </a:extLst>
                 </a:gridCol>
-                <a:gridCol w="858482">
+                <a:gridCol w="656474">
                   <a:extLst>
                     <a:ext uri="{9D8B030D-6E8A-4147-A177-3AD203B41FA5}">
                       <a16:colId xmlns:a16="http://schemas.microsoft.com/office/drawing/2014/main" val="2886568227"/>
                     </a:ext>
                   </a:extLst>
                 </a:gridCol>
-                <a:gridCol w="1158903">
+                <a:gridCol w="1371075">
                   <a:extLst>
                     <a:ext uri="{9D8B030D-6E8A-4147-A177-3AD203B41FA5}">
                       <a16:colId xmlns:a16="http://schemas.microsoft.com/office/drawing/2014/main" val="2328482146"/>
@@ -14183,7 +13985,7 @@
                   </a:extLst>
                 </a:gridCol>
               </a:tblGrid>
-              <a:tr h="756942">
+              <a:tr h="952685">
                 <a:tc>
                   <a:txBody>
                     <a:bodyPr/>
@@ -14191,13 +13993,13 @@
                     <a:p>
                       <a:pPr algn="ctr"/>
                       <a:r>
-                        <a:rPr lang="en-US" sz="1300" dirty="0"/>
+                        <a:rPr lang="en-US" sz="1700"/>
                         <a:t>-</a:t>
                       </a:r>
-                      <a:endParaRPr lang="en-US" sz="1300" b="1" dirty="0"/>
-                    </a:p>
-                  </a:txBody>
-                  <a:tcPr marL="118272" marR="118272" marT="59136" marB="59136" anchor="ctr"/>
+                      <a:endParaRPr lang="en-US" sz="1700" b="1"/>
+                    </a:p>
+                  </a:txBody>
+                  <a:tcPr marL="150393" marR="150393" marT="75197" marB="75197" anchor="ctr"/>
                 </a:tc>
                 <a:tc>
                   <a:txBody>
@@ -14206,20 +14008,20 @@
                     <a:p>
                       <a:pPr algn="ctr"/>
                       <a:r>
-                        <a:rPr lang="en-US" sz="1300" dirty="0"/>
+                        <a:rPr lang="en-US" sz="1700"/>
                         <a:t>Low Freq</a:t>
                       </a:r>
                     </a:p>
                     <a:p>
                       <a:pPr algn="ctr"/>
                       <a:r>
-                        <a:rPr lang="en-US" sz="1300" dirty="0"/>
+                        <a:rPr lang="en-US" sz="1700"/>
                         <a:t>[Hz]</a:t>
                       </a:r>
-                      <a:endParaRPr lang="en-US" sz="1300" b="1" dirty="0"/>
-                    </a:p>
-                  </a:txBody>
-                  <a:tcPr marL="118272" marR="118272" marT="59136" marB="59136" anchor="ctr"/>
+                      <a:endParaRPr lang="en-US" sz="1700" b="1"/>
+                    </a:p>
+                  </a:txBody>
+                  <a:tcPr marL="150393" marR="150393" marT="75197" marB="75197" anchor="ctr"/>
                 </a:tc>
                 <a:tc>
                   <a:txBody>
@@ -14228,13 +14030,13 @@
                     <a:p>
                       <a:pPr algn="ctr"/>
                       <a:r>
-                        <a:rPr lang="en-US" sz="1300"/>
+                        <a:rPr lang="en-US" sz="1700"/>
                         <a:t>…</a:t>
                       </a:r>
-                      <a:endParaRPr lang="en-US" sz="1300" b="1"/>
-                    </a:p>
-                  </a:txBody>
-                  <a:tcPr marL="118272" marR="118272" marT="59136" marB="59136" anchor="ctr"/>
+                      <a:endParaRPr lang="en-US" sz="1700" b="1"/>
+                    </a:p>
+                  </a:txBody>
+                  <a:tcPr marL="150393" marR="150393" marT="75197" marB="75197" anchor="ctr"/>
                 </a:tc>
                 <a:tc>
                   <a:txBody>
@@ -14243,13 +14045,13 @@
                     <a:p>
                       <a:pPr algn="ctr"/>
                       <a:r>
-                        <a:rPr lang="en-US" sz="1300"/>
+                        <a:rPr lang="en-US" sz="1700"/>
                         <a:t>…</a:t>
                       </a:r>
-                      <a:endParaRPr lang="en-US" sz="1300" b="1"/>
-                    </a:p>
-                  </a:txBody>
-                  <a:tcPr marL="118272" marR="118272" marT="59136" marB="59136" anchor="ctr"/>
+                      <a:endParaRPr lang="en-US" sz="1700" b="1"/>
+                    </a:p>
+                  </a:txBody>
+                  <a:tcPr marL="150393" marR="150393" marT="75197" marB="75197" anchor="ctr"/>
                 </a:tc>
                 <a:tc>
                   <a:txBody>
@@ -14258,13 +14060,13 @@
                     <a:p>
                       <a:pPr algn="ctr"/>
                       <a:r>
-                        <a:rPr lang="en-US" sz="1300"/>
+                        <a:rPr lang="en-US" sz="1700"/>
                         <a:t>…</a:t>
                       </a:r>
-                      <a:endParaRPr lang="en-US" sz="1300" b="1"/>
-                    </a:p>
-                  </a:txBody>
-                  <a:tcPr marL="118272" marR="118272" marT="59136" marB="59136" anchor="ctr"/>
+                      <a:endParaRPr lang="en-US" sz="1700" b="1"/>
+                    </a:p>
+                  </a:txBody>
+                  <a:tcPr marL="150393" marR="150393" marT="75197" marB="75197" anchor="ctr"/>
                 </a:tc>
                 <a:tc>
                   <a:txBody>
@@ -14273,13 +14075,13 @@
                     <a:p>
                       <a:pPr algn="ctr"/>
                       <a:r>
-                        <a:rPr lang="en-US" sz="1300"/>
+                        <a:rPr lang="en-US" sz="1700"/>
                         <a:t>…</a:t>
                       </a:r>
-                      <a:endParaRPr lang="en-US" sz="1300" b="1"/>
-                    </a:p>
-                  </a:txBody>
-                  <a:tcPr marL="118272" marR="118272" marT="59136" marB="59136" anchor="ctr"/>
+                      <a:endParaRPr lang="en-US" sz="1700" b="1"/>
+                    </a:p>
+                  </a:txBody>
+                  <a:tcPr marL="150393" marR="150393" marT="75197" marB="75197" anchor="ctr"/>
                 </a:tc>
                 <a:tc>
                   <a:txBody>
@@ -14288,23 +14090,23 @@
                     <a:p>
                       <a:pPr algn="ctr"/>
                       <a:r>
-                        <a:rPr lang="en-US" sz="1300"/>
+                        <a:rPr lang="en-US" sz="1700"/>
                         <a:t>High Freq</a:t>
                       </a:r>
                     </a:p>
                     <a:p>
                       <a:pPr algn="ctr"/>
                       <a:r>
-                        <a:rPr lang="en-US" sz="1300"/>
+                        <a:rPr lang="en-US" sz="1700"/>
                         <a:t>[Hz]</a:t>
                       </a:r>
                     </a:p>
                     <a:p>
                       <a:pPr algn="ctr"/>
-                      <a:endParaRPr lang="en-US" sz="1300" b="1"/>
-                    </a:p>
-                  </a:txBody>
-                  <a:tcPr marL="118272" marR="118272" marT="59136" marB="59136" anchor="ctr"/>
+                      <a:endParaRPr lang="en-US" sz="1700" b="1"/>
+                    </a:p>
+                  </a:txBody>
+                  <a:tcPr marL="150393" marR="150393" marT="75197" marB="75197" anchor="ctr"/>
                 </a:tc>
                 <a:extLst>
                   <a:ext uri="{0D108BD9-81ED-4DB2-BD59-A6C34878D82A}">
@@ -14312,7 +14114,7 @@
                   </a:ext>
                 </a:extLst>
               </a:tr>
-              <a:tr h="362702">
+              <a:tr h="448831">
                 <a:tc>
                   <a:txBody>
                     <a:bodyPr/>
@@ -14320,13 +14122,13 @@
                     <a:p>
                       <a:pPr algn="ctr"/>
                       <a:r>
-                        <a:rPr lang="en-US" sz="1300"/>
+                        <a:rPr lang="en-US" sz="1700"/>
                         <a:t>File#1 L</a:t>
                       </a:r>
-                      <a:endParaRPr lang="en-US" sz="1300" b="1"/>
-                    </a:p>
-                  </a:txBody>
-                  <a:tcPr marL="118272" marR="118272" marT="59136" marB="59136" anchor="ctr"/>
+                      <a:endParaRPr lang="en-US" sz="1700" b="1"/>
+                    </a:p>
+                  </a:txBody>
+                  <a:tcPr marL="150393" marR="150393" marT="75197" marB="75197" anchor="ctr"/>
                 </a:tc>
                 <a:tc>
                   <a:txBody>
@@ -14334,10 +14136,10 @@
                     <a:lstStyle/>
                     <a:p>
                       <a:pPr algn="ctr"/>
-                      <a:endParaRPr lang="en-US" sz="1300" dirty="0"/>
-                    </a:p>
-                  </a:txBody>
-                  <a:tcPr marL="118272" marR="118272" marT="59136" marB="59136" anchor="ctr"/>
+                      <a:endParaRPr lang="en-US" sz="1700"/>
+                    </a:p>
+                  </a:txBody>
+                  <a:tcPr marL="150393" marR="150393" marT="75197" marB="75197" anchor="ctr"/>
                 </a:tc>
                 <a:tc>
                   <a:txBody>
@@ -14345,10 +14147,10 @@
                     <a:lstStyle/>
                     <a:p>
                       <a:pPr algn="ctr"/>
-                      <a:endParaRPr lang="en-US" sz="1300"/>
-                    </a:p>
-                  </a:txBody>
-                  <a:tcPr marL="118272" marR="118272" marT="59136" marB="59136" anchor="ctr"/>
+                      <a:endParaRPr lang="en-US" sz="1700"/>
+                    </a:p>
+                  </a:txBody>
+                  <a:tcPr marL="150393" marR="150393" marT="75197" marB="75197" anchor="ctr"/>
                 </a:tc>
                 <a:tc>
                   <a:txBody>
@@ -14357,12 +14159,12 @@
                     <a:p>
                       <a:pPr algn="ctr"/>
                       <a:r>
-                        <a:rPr lang="en-US" sz="1300"/>
+                        <a:rPr lang="en-US" sz="1700"/>
                         <a:t>…</a:t>
                       </a:r>
                     </a:p>
                   </a:txBody>
-                  <a:tcPr marL="118272" marR="118272" marT="59136" marB="59136" anchor="ctr"/>
+                  <a:tcPr marL="150393" marR="150393" marT="75197" marB="75197" anchor="ctr"/>
                 </a:tc>
                 <a:tc>
                   <a:txBody>
@@ -14371,12 +14173,12 @@
                     <a:p>
                       <a:pPr algn="ctr"/>
                       <a:r>
-                        <a:rPr lang="en-US" sz="1300"/>
+                        <a:rPr lang="en-US" sz="1700"/>
                         <a:t>…</a:t>
                       </a:r>
                     </a:p>
                   </a:txBody>
-                  <a:tcPr marL="118272" marR="118272" marT="59136" marB="59136" anchor="ctr"/>
+                  <a:tcPr marL="150393" marR="150393" marT="75197" marB="75197" anchor="ctr"/>
                 </a:tc>
                 <a:tc>
                   <a:txBody>
@@ -14384,10 +14186,10 @@
                     <a:lstStyle/>
                     <a:p>
                       <a:pPr algn="ctr"/>
-                      <a:endParaRPr lang="en-US" sz="1300"/>
-                    </a:p>
-                  </a:txBody>
-                  <a:tcPr marL="118272" marR="118272" marT="59136" marB="59136" anchor="ctr"/>
+                      <a:endParaRPr lang="en-US" sz="1700"/>
+                    </a:p>
+                  </a:txBody>
+                  <a:tcPr marL="150393" marR="150393" marT="75197" marB="75197" anchor="ctr"/>
                 </a:tc>
                 <a:tc>
                   <a:txBody>
@@ -14395,10 +14197,10 @@
                     <a:lstStyle/>
                     <a:p>
                       <a:pPr algn="ctr"/>
-                      <a:endParaRPr lang="en-US" sz="1300"/>
-                    </a:p>
-                  </a:txBody>
-                  <a:tcPr marL="118272" marR="118272" marT="59136" marB="59136" anchor="ctr"/>
+                      <a:endParaRPr lang="en-US" sz="1700"/>
+                    </a:p>
+                  </a:txBody>
+                  <a:tcPr marL="150393" marR="150393" marT="75197" marB="75197" anchor="ctr"/>
                 </a:tc>
                 <a:extLst>
                   <a:ext uri="{0D108BD9-81ED-4DB2-BD59-A6C34878D82A}">
@@ -14406,7 +14208,7 @@
                   </a:ext>
                 </a:extLst>
               </a:tr>
-              <a:tr h="559822">
+              <a:tr h="700758">
                 <a:tc>
                   <a:txBody>
                     <a:bodyPr/>
@@ -14430,16 +14232,16 @@
                         <a:defRPr/>
                       </a:pPr>
                       <a:r>
-                        <a:rPr lang="en-US" sz="1300"/>
+                        <a:rPr lang="en-US" sz="1700"/>
                         <a:t>File#1 R</a:t>
                       </a:r>
                     </a:p>
                     <a:p>
                       <a:pPr algn="ctr"/>
-                      <a:endParaRPr lang="en-US" sz="1300" b="1"/>
-                    </a:p>
-                  </a:txBody>
-                  <a:tcPr marL="118272" marR="118272" marT="59136" marB="59136" anchor="ctr"/>
+                      <a:endParaRPr lang="en-US" sz="1700" b="1"/>
+                    </a:p>
+                  </a:txBody>
+                  <a:tcPr marL="150393" marR="150393" marT="75197" marB="75197" anchor="ctr"/>
                 </a:tc>
                 <a:tc>
                   <a:txBody>
@@ -14447,10 +14249,10 @@
                     <a:lstStyle/>
                     <a:p>
                       <a:pPr algn="ctr"/>
-                      <a:endParaRPr lang="en-US" sz="1300" dirty="0"/>
-                    </a:p>
-                  </a:txBody>
-                  <a:tcPr marL="118272" marR="118272" marT="59136" marB="59136" anchor="ctr"/>
+                      <a:endParaRPr lang="en-US" sz="1700"/>
+                    </a:p>
+                  </a:txBody>
+                  <a:tcPr marL="150393" marR="150393" marT="75197" marB="75197" anchor="ctr"/>
                 </a:tc>
                 <a:tc>
                   <a:txBody>
@@ -14458,10 +14260,10 @@
                     <a:lstStyle/>
                     <a:p>
                       <a:pPr algn="ctr"/>
-                      <a:endParaRPr lang="en-US" sz="1300" dirty="0"/>
-                    </a:p>
-                  </a:txBody>
-                  <a:tcPr marL="118272" marR="118272" marT="59136" marB="59136" anchor="ctr"/>
+                      <a:endParaRPr lang="en-US" sz="1700"/>
+                    </a:p>
+                  </a:txBody>
+                  <a:tcPr marL="150393" marR="150393" marT="75197" marB="75197" anchor="ctr"/>
                 </a:tc>
                 <a:tc>
                   <a:txBody>
@@ -14470,12 +14272,12 @@
                     <a:p>
                       <a:pPr algn="ctr"/>
                       <a:r>
-                        <a:rPr lang="en-US" sz="1300"/>
+                        <a:rPr lang="en-US" sz="1700"/>
                         <a:t>…</a:t>
                       </a:r>
                     </a:p>
                   </a:txBody>
-                  <a:tcPr marL="118272" marR="118272" marT="59136" marB="59136" anchor="ctr"/>
+                  <a:tcPr marL="150393" marR="150393" marT="75197" marB="75197" anchor="ctr"/>
                 </a:tc>
                 <a:tc>
                   <a:txBody>
@@ -14484,12 +14286,12 @@
                     <a:p>
                       <a:pPr algn="ctr"/>
                       <a:r>
-                        <a:rPr lang="en-US" sz="1300"/>
+                        <a:rPr lang="en-US" sz="1700"/>
                         <a:t>…</a:t>
                       </a:r>
                     </a:p>
                   </a:txBody>
-                  <a:tcPr marL="118272" marR="118272" marT="59136" marB="59136" anchor="ctr"/>
+                  <a:tcPr marL="150393" marR="150393" marT="75197" marB="75197" anchor="ctr"/>
                 </a:tc>
                 <a:tc>
                   <a:txBody>
@@ -14497,10 +14299,10 @@
                     <a:lstStyle/>
                     <a:p>
                       <a:pPr algn="ctr"/>
-                      <a:endParaRPr lang="en-US" sz="1300"/>
-                    </a:p>
-                  </a:txBody>
-                  <a:tcPr marL="118272" marR="118272" marT="59136" marB="59136" anchor="ctr"/>
+                      <a:endParaRPr lang="en-US" sz="1700"/>
+                    </a:p>
+                  </a:txBody>
+                  <a:tcPr marL="150393" marR="150393" marT="75197" marB="75197" anchor="ctr"/>
                 </a:tc>
                 <a:tc>
                   <a:txBody>
@@ -14508,10 +14310,10 @@
                     <a:lstStyle/>
                     <a:p>
                       <a:pPr algn="ctr"/>
-                      <a:endParaRPr lang="en-US" sz="1300"/>
-                    </a:p>
-                  </a:txBody>
-                  <a:tcPr marL="118272" marR="118272" marT="59136" marB="59136" anchor="ctr"/>
+                      <a:endParaRPr lang="en-US" sz="1700"/>
+                    </a:p>
+                  </a:txBody>
+                  <a:tcPr marL="150393" marR="150393" marT="75197" marB="75197" anchor="ctr"/>
                 </a:tc>
                 <a:extLst>
                   <a:ext uri="{0D108BD9-81ED-4DB2-BD59-A6C34878D82A}">
@@ -14519,7 +14321,7 @@
                   </a:ext>
                 </a:extLst>
               </a:tr>
-              <a:tr h="362702">
+              <a:tr h="448831">
                 <a:tc>
                   <a:txBody>
                     <a:bodyPr/>
@@ -14527,13 +14329,13 @@
                     <a:p>
                       <a:pPr algn="ctr"/>
                       <a:r>
-                        <a:rPr lang="en-US" sz="1300"/>
+                        <a:rPr lang="en-US" sz="1700"/>
                         <a:t>File#2 L</a:t>
                       </a:r>
-                      <a:endParaRPr lang="en-US" sz="1300" b="1"/>
-                    </a:p>
-                  </a:txBody>
-                  <a:tcPr marL="118272" marR="118272" marT="59136" marB="59136" anchor="ctr"/>
+                      <a:endParaRPr lang="en-US" sz="1700" b="1"/>
+                    </a:p>
+                  </a:txBody>
+                  <a:tcPr marL="150393" marR="150393" marT="75197" marB="75197" anchor="ctr"/>
                 </a:tc>
                 <a:tc>
                   <a:txBody>
@@ -14541,10 +14343,10 @@
                     <a:lstStyle/>
                     <a:p>
                       <a:pPr algn="ctr"/>
-                      <a:endParaRPr lang="en-US" sz="1300"/>
-                    </a:p>
-                  </a:txBody>
-                  <a:tcPr marL="118272" marR="118272" marT="59136" marB="59136" anchor="ctr"/>
+                      <a:endParaRPr lang="en-US" sz="1700"/>
+                    </a:p>
+                  </a:txBody>
+                  <a:tcPr marL="150393" marR="150393" marT="75197" marB="75197" anchor="ctr"/>
                 </a:tc>
                 <a:tc>
                   <a:txBody>
@@ -14552,10 +14354,10 @@
                     <a:lstStyle/>
                     <a:p>
                       <a:pPr algn="ctr"/>
-                      <a:endParaRPr lang="en-US" sz="1300" dirty="0"/>
-                    </a:p>
-                  </a:txBody>
-                  <a:tcPr marL="118272" marR="118272" marT="59136" marB="59136" anchor="ctr"/>
+                      <a:endParaRPr lang="en-US" sz="1700"/>
+                    </a:p>
+                  </a:txBody>
+                  <a:tcPr marL="150393" marR="150393" marT="75197" marB="75197" anchor="ctr"/>
                 </a:tc>
                 <a:tc>
                   <a:txBody>
@@ -14564,12 +14366,12 @@
                     <a:p>
                       <a:pPr algn="ctr"/>
                       <a:r>
-                        <a:rPr lang="en-US" sz="1300" dirty="0"/>
+                        <a:rPr lang="en-US" sz="1700"/>
                         <a:t>…</a:t>
                       </a:r>
                     </a:p>
                   </a:txBody>
-                  <a:tcPr marL="118272" marR="118272" marT="59136" marB="59136" anchor="ctr"/>
+                  <a:tcPr marL="150393" marR="150393" marT="75197" marB="75197" anchor="ctr"/>
                 </a:tc>
                 <a:tc>
                   <a:txBody>
@@ -14578,12 +14380,12 @@
                     <a:p>
                       <a:pPr algn="ctr"/>
                       <a:r>
-                        <a:rPr lang="en-US" sz="1300"/>
+                        <a:rPr lang="en-US" sz="1700"/>
                         <a:t>…</a:t>
                       </a:r>
                     </a:p>
                   </a:txBody>
-                  <a:tcPr marL="118272" marR="118272" marT="59136" marB="59136" anchor="ctr"/>
+                  <a:tcPr marL="150393" marR="150393" marT="75197" marB="75197" anchor="ctr"/>
                 </a:tc>
                 <a:tc>
                   <a:txBody>
@@ -14591,10 +14393,10 @@
                     <a:lstStyle/>
                     <a:p>
                       <a:pPr algn="ctr"/>
-                      <a:endParaRPr lang="en-US" sz="1300"/>
-                    </a:p>
-                  </a:txBody>
-                  <a:tcPr marL="118272" marR="118272" marT="59136" marB="59136" anchor="ctr"/>
+                      <a:endParaRPr lang="en-US" sz="1700"/>
+                    </a:p>
+                  </a:txBody>
+                  <a:tcPr marL="150393" marR="150393" marT="75197" marB="75197" anchor="ctr"/>
                 </a:tc>
                 <a:tc>
                   <a:txBody>
@@ -14602,10 +14404,10 @@
                     <a:lstStyle/>
                     <a:p>
                       <a:pPr algn="ctr"/>
-                      <a:endParaRPr lang="en-US" sz="1300"/>
-                    </a:p>
-                  </a:txBody>
-                  <a:tcPr marL="118272" marR="118272" marT="59136" marB="59136" anchor="ctr"/>
+                      <a:endParaRPr lang="en-US" sz="1700"/>
+                    </a:p>
+                  </a:txBody>
+                  <a:tcPr marL="150393" marR="150393" marT="75197" marB="75197" anchor="ctr"/>
                 </a:tc>
                 <a:extLst>
                   <a:ext uri="{0D108BD9-81ED-4DB2-BD59-A6C34878D82A}">
@@ -14613,7 +14415,7 @@
                   </a:ext>
                 </a:extLst>
               </a:tr>
-              <a:tr h="362702">
+              <a:tr h="448831">
                 <a:tc>
                   <a:txBody>
                     <a:bodyPr/>
@@ -14637,13 +14439,13 @@
                         <a:defRPr/>
                       </a:pPr>
                       <a:r>
-                        <a:rPr lang="en-US" sz="1300"/>
+                        <a:rPr lang="en-US" sz="1700"/>
                         <a:t>File#2 R</a:t>
                       </a:r>
-                      <a:endParaRPr lang="en-US" sz="1300" b="1"/>
-                    </a:p>
-                  </a:txBody>
-                  <a:tcPr marL="118272" marR="118272" marT="59136" marB="59136" anchor="ctr"/>
+                      <a:endParaRPr lang="en-US" sz="1700" b="1"/>
+                    </a:p>
+                  </a:txBody>
+                  <a:tcPr marL="150393" marR="150393" marT="75197" marB="75197" anchor="ctr"/>
                 </a:tc>
                 <a:tc>
                   <a:txBody>
@@ -14651,10 +14453,10 @@
                     <a:lstStyle/>
                     <a:p>
                       <a:pPr algn="ctr"/>
-                      <a:endParaRPr lang="en-US" sz="1300"/>
-                    </a:p>
-                  </a:txBody>
-                  <a:tcPr marL="118272" marR="118272" marT="59136" marB="59136" anchor="ctr"/>
+                      <a:endParaRPr lang="en-US" sz="1700"/>
+                    </a:p>
+                  </a:txBody>
+                  <a:tcPr marL="150393" marR="150393" marT="75197" marB="75197" anchor="ctr"/>
                 </a:tc>
                 <a:tc>
                   <a:txBody>
@@ -14662,10 +14464,10 @@
                     <a:lstStyle/>
                     <a:p>
                       <a:pPr algn="ctr"/>
-                      <a:endParaRPr lang="en-US" sz="1300"/>
-                    </a:p>
-                  </a:txBody>
-                  <a:tcPr marL="118272" marR="118272" marT="59136" marB="59136" anchor="ctr"/>
+                      <a:endParaRPr lang="en-US" sz="1700"/>
+                    </a:p>
+                  </a:txBody>
+                  <a:tcPr marL="150393" marR="150393" marT="75197" marB="75197" anchor="ctr"/>
                 </a:tc>
                 <a:tc>
                   <a:txBody>
@@ -14674,12 +14476,12 @@
                     <a:p>
                       <a:pPr algn="ctr"/>
                       <a:r>
-                        <a:rPr lang="en-US" sz="1300" dirty="0"/>
+                        <a:rPr lang="en-US" sz="1700"/>
                         <a:t>…</a:t>
                       </a:r>
                     </a:p>
                   </a:txBody>
-                  <a:tcPr marL="118272" marR="118272" marT="59136" marB="59136" anchor="ctr"/>
+                  <a:tcPr marL="150393" marR="150393" marT="75197" marB="75197" anchor="ctr"/>
                 </a:tc>
                 <a:tc>
                   <a:txBody>
@@ -14688,12 +14490,12 @@
                     <a:p>
                       <a:pPr algn="ctr"/>
                       <a:r>
-                        <a:rPr lang="en-US" sz="1300"/>
+                        <a:rPr lang="en-US" sz="1700"/>
                         <a:t>…</a:t>
                       </a:r>
                     </a:p>
                   </a:txBody>
-                  <a:tcPr marL="118272" marR="118272" marT="59136" marB="59136" anchor="ctr"/>
+                  <a:tcPr marL="150393" marR="150393" marT="75197" marB="75197" anchor="ctr"/>
                 </a:tc>
                 <a:tc>
                   <a:txBody>
@@ -14701,10 +14503,10 @@
                     <a:lstStyle/>
                     <a:p>
                       <a:pPr algn="ctr"/>
-                      <a:endParaRPr lang="en-US" sz="1300"/>
-                    </a:p>
-                  </a:txBody>
-                  <a:tcPr marL="118272" marR="118272" marT="59136" marB="59136" anchor="ctr"/>
+                      <a:endParaRPr lang="en-US" sz="1700"/>
+                    </a:p>
+                  </a:txBody>
+                  <a:tcPr marL="150393" marR="150393" marT="75197" marB="75197" anchor="ctr"/>
                 </a:tc>
                 <a:tc>
                   <a:txBody>
@@ -14712,10 +14514,10 @@
                     <a:lstStyle/>
                     <a:p>
                       <a:pPr algn="ctr"/>
-                      <a:endParaRPr lang="en-US" sz="1300"/>
-                    </a:p>
-                  </a:txBody>
-                  <a:tcPr marL="118272" marR="118272" marT="59136" marB="59136" anchor="ctr"/>
+                      <a:endParaRPr lang="en-US" sz="1700"/>
+                    </a:p>
+                  </a:txBody>
+                  <a:tcPr marL="150393" marR="150393" marT="75197" marB="75197" anchor="ctr"/>
                 </a:tc>
                 <a:extLst>
                   <a:ext uri="{0D108BD9-81ED-4DB2-BD59-A6C34878D82A}">
@@ -14723,7 +14525,7 @@
                   </a:ext>
                 </a:extLst>
               </a:tr>
-              <a:tr h="362702">
+              <a:tr h="448831">
                 <a:tc>
                   <a:txBody>
                     <a:bodyPr/>
@@ -14731,13 +14533,13 @@
                     <a:p>
                       <a:pPr algn="ctr"/>
                       <a:r>
-                        <a:rPr lang="en-US" sz="1300"/>
+                        <a:rPr lang="en-US" sz="1700"/>
                         <a:t>…</a:t>
                       </a:r>
-                      <a:endParaRPr lang="en-US" sz="1300" b="1"/>
-                    </a:p>
-                  </a:txBody>
-                  <a:tcPr marL="118272" marR="118272" marT="59136" marB="59136" anchor="ctr"/>
+                      <a:endParaRPr lang="en-US" sz="1700" b="1"/>
+                    </a:p>
+                  </a:txBody>
+                  <a:tcPr marL="150393" marR="150393" marT="75197" marB="75197" anchor="ctr"/>
                 </a:tc>
                 <a:tc>
                   <a:txBody>
@@ -14746,12 +14548,12 @@
                     <a:p>
                       <a:pPr algn="ctr"/>
                       <a:r>
-                        <a:rPr lang="en-US" sz="1300"/>
+                        <a:rPr lang="en-US" sz="1700"/>
                         <a:t>…</a:t>
                       </a:r>
                     </a:p>
                   </a:txBody>
-                  <a:tcPr marL="118272" marR="118272" marT="59136" marB="59136" anchor="ctr"/>
+                  <a:tcPr marL="150393" marR="150393" marT="75197" marB="75197" anchor="ctr"/>
                 </a:tc>
                 <a:tc>
                   <a:txBody>
@@ -14760,12 +14562,12 @@
                     <a:p>
                       <a:pPr algn="ctr"/>
                       <a:r>
-                        <a:rPr lang="en-US" sz="1300"/>
+                        <a:rPr lang="en-US" sz="1700"/>
                         <a:t>…</a:t>
                       </a:r>
                     </a:p>
                   </a:txBody>
-                  <a:tcPr marL="118272" marR="118272" marT="59136" marB="59136" anchor="ctr"/>
+                  <a:tcPr marL="150393" marR="150393" marT="75197" marB="75197" anchor="ctr"/>
                 </a:tc>
                 <a:tc>
                   <a:txBody>
@@ -14774,12 +14576,12 @@
                     <a:p>
                       <a:pPr algn="ctr"/>
                       <a:r>
-                        <a:rPr lang="en-US" sz="1300"/>
+                        <a:rPr lang="en-US" sz="1700"/>
                         <a:t>…</a:t>
                       </a:r>
                     </a:p>
                   </a:txBody>
-                  <a:tcPr marL="118272" marR="118272" marT="59136" marB="59136" anchor="ctr"/>
+                  <a:tcPr marL="150393" marR="150393" marT="75197" marB="75197" anchor="ctr"/>
                 </a:tc>
                 <a:tc>
                   <a:txBody>
@@ -14788,12 +14590,12 @@
                     <a:p>
                       <a:pPr algn="ctr"/>
                       <a:r>
-                        <a:rPr lang="en-US" sz="1300" dirty="0"/>
+                        <a:rPr lang="en-US" sz="1700"/>
                         <a:t>…</a:t>
                       </a:r>
                     </a:p>
                   </a:txBody>
-                  <a:tcPr marL="118272" marR="118272" marT="59136" marB="59136" anchor="ctr"/>
+                  <a:tcPr marL="150393" marR="150393" marT="75197" marB="75197" anchor="ctr"/>
                 </a:tc>
                 <a:tc>
                   <a:txBody>
@@ -14802,12 +14604,12 @@
                     <a:p>
                       <a:pPr algn="ctr"/>
                       <a:r>
-                        <a:rPr lang="en-US" sz="1300"/>
+                        <a:rPr lang="en-US" sz="1700"/>
                         <a:t>…</a:t>
                       </a:r>
                     </a:p>
                   </a:txBody>
-                  <a:tcPr marL="118272" marR="118272" marT="59136" marB="59136" anchor="ctr"/>
+                  <a:tcPr marL="150393" marR="150393" marT="75197" marB="75197" anchor="ctr"/>
                 </a:tc>
                 <a:tc>
                   <a:txBody>
@@ -14816,12 +14618,12 @@
                     <a:p>
                       <a:pPr algn="ctr"/>
                       <a:r>
-                        <a:rPr lang="en-US" sz="1300"/>
+                        <a:rPr lang="en-US" sz="1700"/>
                         <a:t>…</a:t>
                       </a:r>
                     </a:p>
                   </a:txBody>
-                  <a:tcPr marL="118272" marR="118272" marT="59136" marB="59136" anchor="ctr"/>
+                  <a:tcPr marL="150393" marR="150393" marT="75197" marB="75197" anchor="ctr"/>
                 </a:tc>
                 <a:extLst>
                   <a:ext uri="{0D108BD9-81ED-4DB2-BD59-A6C34878D82A}">
@@ -14829,7 +14631,7 @@
                   </a:ext>
                 </a:extLst>
               </a:tr>
-              <a:tr h="362702">
+              <a:tr h="448831">
                 <a:tc>
                   <a:txBody>
                     <a:bodyPr/>
@@ -14837,13 +14639,13 @@
                     <a:p>
                       <a:pPr algn="ctr"/>
                       <a:r>
-                        <a:rPr lang="en-US" sz="1300"/>
+                        <a:rPr lang="en-US" sz="1700"/>
                         <a:t>…</a:t>
                       </a:r>
-                      <a:endParaRPr lang="en-US" sz="1300" b="1"/>
-                    </a:p>
-                  </a:txBody>
-                  <a:tcPr marL="118272" marR="118272" marT="59136" marB="59136" anchor="ctr"/>
+                      <a:endParaRPr lang="en-US" sz="1700" b="1"/>
+                    </a:p>
+                  </a:txBody>
+                  <a:tcPr marL="150393" marR="150393" marT="75197" marB="75197" anchor="ctr"/>
                 </a:tc>
                 <a:tc>
                   <a:txBody>
@@ -14852,12 +14654,12 @@
                     <a:p>
                       <a:pPr algn="ctr"/>
                       <a:r>
-                        <a:rPr lang="en-US" sz="1300"/>
+                        <a:rPr lang="en-US" sz="1700"/>
                         <a:t>…</a:t>
                       </a:r>
                     </a:p>
                   </a:txBody>
-                  <a:tcPr marL="118272" marR="118272" marT="59136" marB="59136" anchor="ctr"/>
+                  <a:tcPr marL="150393" marR="150393" marT="75197" marB="75197" anchor="ctr"/>
                 </a:tc>
                 <a:tc>
                   <a:txBody>
@@ -14866,12 +14668,12 @@
                     <a:p>
                       <a:pPr algn="ctr"/>
                       <a:r>
-                        <a:rPr lang="en-US" sz="1300"/>
+                        <a:rPr lang="en-US" sz="1700"/>
                         <a:t>…</a:t>
                       </a:r>
                     </a:p>
                   </a:txBody>
-                  <a:tcPr marL="118272" marR="118272" marT="59136" marB="59136" anchor="ctr"/>
+                  <a:tcPr marL="150393" marR="150393" marT="75197" marB="75197" anchor="ctr"/>
                 </a:tc>
                 <a:tc>
                   <a:txBody>
@@ -14880,12 +14682,12 @@
                     <a:p>
                       <a:pPr algn="ctr"/>
                       <a:r>
-                        <a:rPr lang="en-US" sz="1300"/>
+                        <a:rPr lang="en-US" sz="1700"/>
                         <a:t>…</a:t>
                       </a:r>
                     </a:p>
                   </a:txBody>
-                  <a:tcPr marL="118272" marR="118272" marT="59136" marB="59136" anchor="ctr"/>
+                  <a:tcPr marL="150393" marR="150393" marT="75197" marB="75197" anchor="ctr"/>
                 </a:tc>
                 <a:tc>
                   <a:txBody>
@@ -14894,12 +14696,12 @@
                     <a:p>
                       <a:pPr algn="ctr"/>
                       <a:r>
-                        <a:rPr lang="en-US" sz="1300" dirty="0"/>
+                        <a:rPr lang="en-US" sz="1700"/>
                         <a:t>…</a:t>
                       </a:r>
                     </a:p>
                   </a:txBody>
-                  <a:tcPr marL="118272" marR="118272" marT="59136" marB="59136" anchor="ctr"/>
+                  <a:tcPr marL="150393" marR="150393" marT="75197" marB="75197" anchor="ctr"/>
                 </a:tc>
                 <a:tc>
                   <a:txBody>
@@ -14908,12 +14710,12 @@
                     <a:p>
                       <a:pPr algn="ctr"/>
                       <a:r>
-                        <a:rPr lang="en-US" sz="1300" dirty="0"/>
+                        <a:rPr lang="en-US" sz="1700"/>
                         <a:t>…</a:t>
                       </a:r>
                     </a:p>
                   </a:txBody>
-                  <a:tcPr marL="118272" marR="118272" marT="59136" marB="59136" anchor="ctr"/>
+                  <a:tcPr marL="150393" marR="150393" marT="75197" marB="75197" anchor="ctr"/>
                 </a:tc>
                 <a:tc>
                   <a:txBody>
@@ -14922,12 +14724,12 @@
                     <a:p>
                       <a:pPr algn="ctr"/>
                       <a:r>
-                        <a:rPr lang="en-US" sz="1300"/>
+                        <a:rPr lang="en-US" sz="1700"/>
                         <a:t>…</a:t>
                       </a:r>
                     </a:p>
                   </a:txBody>
-                  <a:tcPr marL="118272" marR="118272" marT="59136" marB="59136" anchor="ctr"/>
+                  <a:tcPr marL="150393" marR="150393" marT="75197" marB="75197" anchor="ctr"/>
                 </a:tc>
                 <a:extLst>
                   <a:ext uri="{0D108BD9-81ED-4DB2-BD59-A6C34878D82A}">
@@ -14935,7 +14737,7 @@
                   </a:ext>
                 </a:extLst>
               </a:tr>
-              <a:tr h="362702">
+              <a:tr h="448831">
                 <a:tc>
                   <a:txBody>
                     <a:bodyPr/>
@@ -14943,13 +14745,13 @@
                     <a:p>
                       <a:pPr algn="ctr"/>
                       <a:r>
-                        <a:rPr lang="en-US" sz="1300"/>
+                        <a:rPr lang="en-US" sz="1700"/>
                         <a:t>File#N L</a:t>
                       </a:r>
-                      <a:endParaRPr lang="en-US" sz="1300" b="1"/>
-                    </a:p>
-                  </a:txBody>
-                  <a:tcPr marL="118272" marR="118272" marT="59136" marB="59136" anchor="ctr"/>
+                      <a:endParaRPr lang="en-US" sz="1700" b="1"/>
+                    </a:p>
+                  </a:txBody>
+                  <a:tcPr marL="150393" marR="150393" marT="75197" marB="75197" anchor="ctr"/>
                 </a:tc>
                 <a:tc>
                   <a:txBody>
@@ -14957,10 +14759,10 @@
                     <a:lstStyle/>
                     <a:p>
                       <a:pPr algn="ctr"/>
-                      <a:endParaRPr lang="en-US" sz="1300"/>
-                    </a:p>
-                  </a:txBody>
-                  <a:tcPr marL="118272" marR="118272" marT="59136" marB="59136" anchor="ctr"/>
+                      <a:endParaRPr lang="en-US" sz="1700"/>
+                    </a:p>
+                  </a:txBody>
+                  <a:tcPr marL="150393" marR="150393" marT="75197" marB="75197" anchor="ctr"/>
                 </a:tc>
                 <a:tc>
                   <a:txBody>
@@ -14968,10 +14770,10 @@
                     <a:lstStyle/>
                     <a:p>
                       <a:pPr algn="ctr"/>
-                      <a:endParaRPr lang="en-US" sz="1300"/>
-                    </a:p>
-                  </a:txBody>
-                  <a:tcPr marL="118272" marR="118272" marT="59136" marB="59136" anchor="ctr"/>
+                      <a:endParaRPr lang="en-US" sz="1700"/>
+                    </a:p>
+                  </a:txBody>
+                  <a:tcPr marL="150393" marR="150393" marT="75197" marB="75197" anchor="ctr"/>
                 </a:tc>
                 <a:tc>
                   <a:txBody>
@@ -14980,12 +14782,12 @@
                     <a:p>
                       <a:pPr algn="ctr"/>
                       <a:r>
-                        <a:rPr lang="en-US" sz="1300"/>
+                        <a:rPr lang="en-US" sz="1700"/>
                         <a:t>…</a:t>
                       </a:r>
                     </a:p>
                   </a:txBody>
-                  <a:tcPr marL="118272" marR="118272" marT="59136" marB="59136" anchor="ctr"/>
+                  <a:tcPr marL="150393" marR="150393" marT="75197" marB="75197" anchor="ctr"/>
                 </a:tc>
                 <a:tc>
                   <a:txBody>
@@ -14994,12 +14796,12 @@
                     <a:p>
                       <a:pPr algn="ctr"/>
                       <a:r>
-                        <a:rPr lang="en-US" sz="1300"/>
+                        <a:rPr lang="en-US" sz="1700"/>
                         <a:t>…</a:t>
                       </a:r>
                     </a:p>
                   </a:txBody>
-                  <a:tcPr marL="118272" marR="118272" marT="59136" marB="59136" anchor="ctr"/>
+                  <a:tcPr marL="150393" marR="150393" marT="75197" marB="75197" anchor="ctr"/>
                 </a:tc>
                 <a:tc>
                   <a:txBody>
@@ -15007,10 +14809,10 @@
                     <a:lstStyle/>
                     <a:p>
                       <a:pPr algn="ctr"/>
-                      <a:endParaRPr lang="en-US" sz="1300" dirty="0"/>
-                    </a:p>
-                  </a:txBody>
-                  <a:tcPr marL="118272" marR="118272" marT="59136" marB="59136" anchor="ctr"/>
+                      <a:endParaRPr lang="en-US" sz="1700"/>
+                    </a:p>
+                  </a:txBody>
+                  <a:tcPr marL="150393" marR="150393" marT="75197" marB="75197" anchor="ctr"/>
                 </a:tc>
                 <a:tc>
                   <a:txBody>
@@ -15018,10 +14820,10 @@
                     <a:lstStyle/>
                     <a:p>
                       <a:pPr algn="ctr"/>
-                      <a:endParaRPr lang="en-US" sz="1300" dirty="0"/>
-                    </a:p>
-                  </a:txBody>
-                  <a:tcPr marL="118272" marR="118272" marT="59136" marB="59136" anchor="ctr"/>
+                      <a:endParaRPr lang="en-US" sz="1700"/>
+                    </a:p>
+                  </a:txBody>
+                  <a:tcPr marL="150393" marR="150393" marT="75197" marB="75197" anchor="ctr"/>
                 </a:tc>
                 <a:extLst>
                   <a:ext uri="{0D108BD9-81ED-4DB2-BD59-A6C34878D82A}">
@@ -15029,7 +14831,7 @@
                   </a:ext>
                 </a:extLst>
               </a:tr>
-              <a:tr h="362702">
+              <a:tr h="448831">
                 <a:tc>
                   <a:txBody>
                     <a:bodyPr/>
@@ -15053,13 +14855,13 @@
                         <a:defRPr/>
                       </a:pPr>
                       <a:r>
-                        <a:rPr lang="en-US" sz="1300"/>
+                        <a:rPr lang="en-US" sz="1700"/>
                         <a:t>File#N R</a:t>
                       </a:r>
-                      <a:endParaRPr lang="en-US" sz="1300" b="1"/>
-                    </a:p>
-                  </a:txBody>
-                  <a:tcPr marL="118272" marR="118272" marT="59136" marB="59136" anchor="ctr"/>
+                      <a:endParaRPr lang="en-US" sz="1700" b="1"/>
+                    </a:p>
+                  </a:txBody>
+                  <a:tcPr marL="150393" marR="150393" marT="75197" marB="75197" anchor="ctr"/>
                 </a:tc>
                 <a:tc>
                   <a:txBody>
@@ -15067,10 +14869,10 @@
                     <a:lstStyle/>
                     <a:p>
                       <a:pPr algn="ctr"/>
-                      <a:endParaRPr lang="en-US" sz="1300"/>
-                    </a:p>
-                  </a:txBody>
-                  <a:tcPr marL="118272" marR="118272" marT="59136" marB="59136" anchor="ctr"/>
+                      <a:endParaRPr lang="en-US" sz="1700"/>
+                    </a:p>
+                  </a:txBody>
+                  <a:tcPr marL="150393" marR="150393" marT="75197" marB="75197" anchor="ctr"/>
                 </a:tc>
                 <a:tc>
                   <a:txBody>
@@ -15078,10 +14880,10 @@
                     <a:lstStyle/>
                     <a:p>
                       <a:pPr algn="ctr"/>
-                      <a:endParaRPr lang="en-US" sz="1300"/>
-                    </a:p>
-                  </a:txBody>
-                  <a:tcPr marL="118272" marR="118272" marT="59136" marB="59136" anchor="ctr"/>
+                      <a:endParaRPr lang="en-US" sz="1700"/>
+                    </a:p>
+                  </a:txBody>
+                  <a:tcPr marL="150393" marR="150393" marT="75197" marB="75197" anchor="ctr"/>
                 </a:tc>
                 <a:tc>
                   <a:txBody>
@@ -15090,12 +14892,12 @@
                     <a:p>
                       <a:pPr algn="ctr"/>
                       <a:r>
-                        <a:rPr lang="en-US" sz="1300"/>
+                        <a:rPr lang="en-US" sz="1700"/>
                         <a:t>…</a:t>
                       </a:r>
                     </a:p>
                   </a:txBody>
-                  <a:tcPr marL="118272" marR="118272" marT="59136" marB="59136" anchor="ctr"/>
+                  <a:tcPr marL="150393" marR="150393" marT="75197" marB="75197" anchor="ctr"/>
                 </a:tc>
                 <a:tc>
                   <a:txBody>
@@ -15104,12 +14906,12 @@
                     <a:p>
                       <a:pPr algn="ctr"/>
                       <a:r>
-                        <a:rPr lang="en-US" sz="1300"/>
+                        <a:rPr lang="en-US" sz="1700"/>
                         <a:t>…</a:t>
                       </a:r>
                     </a:p>
                   </a:txBody>
-                  <a:tcPr marL="118272" marR="118272" marT="59136" marB="59136" anchor="ctr"/>
+                  <a:tcPr marL="150393" marR="150393" marT="75197" marB="75197" anchor="ctr"/>
                 </a:tc>
                 <a:tc>
                   <a:txBody>
@@ -15117,10 +14919,10 @@
                     <a:lstStyle/>
                     <a:p>
                       <a:pPr algn="ctr"/>
-                      <a:endParaRPr lang="en-US" sz="1300"/>
-                    </a:p>
-                  </a:txBody>
-                  <a:tcPr marL="118272" marR="118272" marT="59136" marB="59136" anchor="ctr"/>
+                      <a:endParaRPr lang="en-US" sz="1700"/>
+                    </a:p>
+                  </a:txBody>
+                  <a:tcPr marL="150393" marR="150393" marT="75197" marB="75197" anchor="ctr"/>
                 </a:tc>
                 <a:tc>
                   <a:txBody>
@@ -15128,10 +14930,10 @@
                     <a:lstStyle/>
                     <a:p>
                       <a:pPr algn="ctr"/>
-                      <a:endParaRPr lang="en-US" sz="1300" dirty="0"/>
-                    </a:p>
-                  </a:txBody>
-                  <a:tcPr marL="118272" marR="118272" marT="59136" marB="59136" anchor="ctr"/>
+                      <a:endParaRPr lang="en-US" sz="1700"/>
+                    </a:p>
+                  </a:txBody>
+                  <a:tcPr marL="150393" marR="150393" marT="75197" marB="75197" anchor="ctr"/>
                 </a:tc>
                 <a:extLst>
                   <a:ext uri="{0D108BD9-81ED-4DB2-BD59-A6C34878D82A}">
